--- a/course.pptx
+++ b/course.pptx
@@ -6,7 +6,7 @@
     <p:sldMasterId id="2147483660" r:id="rId2"/>
   </p:sldMasterIdLst>
   <p:notesMasterIdLst>
-    <p:notesMasterId r:id="rId11"/>
+    <p:notesMasterId r:id="rId15"/>
   </p:notesMasterIdLst>
   <p:sldIdLst>
     <p:sldId id="256" r:id="rId6"/>
@@ -14,6 +14,10 @@
     <p:sldId id="258" r:id="rId8"/>
     <p:sldId id="259" r:id="rId9"/>
     <p:sldId id="260" r:id="rId10"/>
+    <p:sldId id="261" r:id="rId11"/>
+    <p:sldId id="262" r:id="rId12"/>
+    <p:sldId id="263" r:id="rId13"/>
+    <p:sldId id="264" r:id="rId14"/>
   </p:sldIdLst>
   <p:sldSz cx="12192000" cy="6858000"/>
   <p:notesSz cx="6858000" cy="9144000"/>
@@ -648,7 +652,7 @@
             <a:pPr>
               <a:defRPr/>
             </a:pPr>
-            <a:fld id="{4C4CE5C4-9C4C-FC8E-113D-5D71294F4390}" type="slidenum">
+            <a:fld id="{7D48BA01-4262-FA61-C914-5190C76EEB6B}" type="slidenum">
               <a:rPr/>
               <a:t/>
             </a:fld>
@@ -680,7 +684,7 @@
       </p:grpSpPr>
       <p:sp>
         <p:nvSpPr>
-          <p:cNvPr id="508050361" name="Slide Image Placeholder 1"/>
+          <p:cNvPr id="2" name="Slide Image Placeholder 1"/>
           <p:cNvSpPr>
             <a:spLocks noChangeAspect="1" noGrp="1" noRot="1"/>
           </p:cNvSpPr>
@@ -692,7 +696,7 @@
       </p:sp>
       <p:sp>
         <p:nvSpPr>
-          <p:cNvPr id="765055411" name="Notes Placeholder 2"/>
+          <p:cNvPr id="3" name="Notes Placeholder 2"/>
           <p:cNvSpPr>
             <a:spLocks noGrp="1"/>
           </p:cNvSpPr>
@@ -714,7 +718,7 @@
       </p:sp>
       <p:sp>
         <p:nvSpPr>
-          <p:cNvPr id="388338073" name="Slide Number Placeholder 3"/>
+          <p:cNvPr id="4" name="Slide Number Placeholder 3"/>
           <p:cNvSpPr>
             <a:spLocks noGrp="1"/>
           </p:cNvSpPr>
@@ -730,7 +734,7 @@
             <a:pPr>
               <a:defRPr/>
             </a:pPr>
-            <a:fld id="{F123DB1B-569F-2677-4E4D-C5E50CDEB576}" type="slidenum">
+            <a:fld id="{4C4CE5C4-9C4C-FC8E-113D-5D71294F4390}" type="slidenum">
               <a:rPr/>
               <a:t/>
             </a:fld>
@@ -762,7 +766,7 @@
       </p:grpSpPr>
       <p:sp>
         <p:nvSpPr>
-          <p:cNvPr id="1478334608" name="Slide Image Placeholder 1"/>
+          <p:cNvPr id="1019095120" name="Slide Image Placeholder 1"/>
           <p:cNvSpPr>
             <a:spLocks noChangeAspect="1" noGrp="1" noRot="1"/>
           </p:cNvSpPr>
@@ -774,7 +778,7 @@
       </p:sp>
       <p:sp>
         <p:nvSpPr>
-          <p:cNvPr id="1083926140" name="Notes Placeholder 2"/>
+          <p:cNvPr id="1999260665" name="Notes Placeholder 2"/>
           <p:cNvSpPr>
             <a:spLocks noGrp="1"/>
           </p:cNvSpPr>
@@ -796,7 +800,7 @@
       </p:sp>
       <p:sp>
         <p:nvSpPr>
-          <p:cNvPr id="1544590393" name="Slide Number Placeholder 3"/>
+          <p:cNvPr id="552938034" name="Slide Number Placeholder 3"/>
           <p:cNvSpPr>
             <a:spLocks noGrp="1"/>
           </p:cNvSpPr>
@@ -812,7 +816,7 @@
             <a:pPr>
               <a:defRPr/>
             </a:pPr>
-            <a:fld id="{17B2907C-C730-EA68-7E73-D331C247B829}" type="slidenum">
+            <a:fld id="{84D4F816-B0E4-25D2-A5FE-2454BAD1AEF0}" type="slidenum">
               <a:rPr/>
               <a:t/>
             </a:fld>
@@ -826,6 +830,334 @@
 </file>
 
 <file path=ppt/notesSlides/notesSlide5.xml><?xml version="1.0" encoding="utf-8"?>
+<p:notes xmlns:a="http://schemas.openxmlformats.org/drawingml/2006/main" xmlns:r="http://schemas.openxmlformats.org/officeDocument/2006/relationships" xmlns:p="http://schemas.openxmlformats.org/presentationml/2006/main" xmlns:m="http://schemas.openxmlformats.org/officeDocument/2006/math" xmlns:w="http://schemas.openxmlformats.org/wordprocessingml/2006/main">
+  <p:cSld name="">
+    <p:spTree>
+      <p:nvGrpSpPr>
+        <p:cNvPr id="1" name=""/>
+        <p:cNvGrpSpPr/>
+        <p:nvPr/>
+      </p:nvGrpSpPr>
+      <p:grpSpPr bwMode="auto">
+        <a:xfrm>
+          <a:off x="0" y="0"/>
+          <a:ext cx="0" cy="0"/>
+          <a:chOff x="0" y="0"/>
+          <a:chExt cx="0" cy="0"/>
+        </a:xfrm>
+      </p:grpSpPr>
+      <p:sp>
+        <p:nvSpPr>
+          <p:cNvPr id="1768609058" name="Slide Image Placeholder 1"/>
+          <p:cNvSpPr>
+            <a:spLocks noChangeAspect="1" noGrp="1" noRot="1"/>
+          </p:cNvSpPr>
+          <p:nvPr>
+            <p:ph type="sldImg"/>
+          </p:nvPr>
+        </p:nvSpPr>
+        <p:spPr bwMode="auto"/>
+      </p:sp>
+      <p:sp>
+        <p:nvSpPr>
+          <p:cNvPr id="1175216479" name="Notes Placeholder 2"/>
+          <p:cNvSpPr>
+            <a:spLocks noGrp="1"/>
+          </p:cNvSpPr>
+          <p:nvPr>
+            <p:ph type="body" idx="1"/>
+          </p:nvPr>
+        </p:nvSpPr>
+        <p:spPr bwMode="auto"/>
+        <p:txBody>
+          <a:bodyPr/>
+          <a:lstStyle/>
+          <a:p>
+            <a:pPr>
+              <a:defRPr/>
+            </a:pPr>
+            <a:endParaRPr/>
+          </a:p>
+        </p:txBody>
+      </p:sp>
+      <p:sp>
+        <p:nvSpPr>
+          <p:cNvPr id="1057399612" name="Slide Number Placeholder 3"/>
+          <p:cNvSpPr>
+            <a:spLocks noGrp="1"/>
+          </p:cNvSpPr>
+          <p:nvPr>
+            <p:ph type="sldNum" sz="quarter" idx="10"/>
+          </p:nvPr>
+        </p:nvSpPr>
+        <p:spPr bwMode="auto"/>
+        <p:txBody>
+          <a:bodyPr/>
+          <a:lstStyle/>
+          <a:p>
+            <a:pPr>
+              <a:defRPr/>
+            </a:pPr>
+            <a:fld id="{77180694-0AC6-0099-4E72-886D65CF03E9}" type="slidenum">
+              <a:rPr/>
+              <a:t/>
+            </a:fld>
+            <a:endParaRPr/>
+          </a:p>
+        </p:txBody>
+      </p:sp>
+    </p:spTree>
+  </p:cSld>
+</p:notes>
+</file>
+
+<file path=ppt/notesSlides/notesSlide6.xml><?xml version="1.0" encoding="utf-8"?>
+<p:notes xmlns:a="http://schemas.openxmlformats.org/drawingml/2006/main" xmlns:r="http://schemas.openxmlformats.org/officeDocument/2006/relationships" xmlns:p="http://schemas.openxmlformats.org/presentationml/2006/main" xmlns:m="http://schemas.openxmlformats.org/officeDocument/2006/math" xmlns:w="http://schemas.openxmlformats.org/wordprocessingml/2006/main">
+  <p:cSld name="">
+    <p:spTree>
+      <p:nvGrpSpPr>
+        <p:cNvPr id="1" name=""/>
+        <p:cNvGrpSpPr/>
+        <p:nvPr/>
+      </p:nvGrpSpPr>
+      <p:grpSpPr bwMode="auto">
+        <a:xfrm>
+          <a:off x="0" y="0"/>
+          <a:ext cx="0" cy="0"/>
+          <a:chOff x="0" y="0"/>
+          <a:chExt cx="0" cy="0"/>
+        </a:xfrm>
+      </p:grpSpPr>
+      <p:sp>
+        <p:nvSpPr>
+          <p:cNvPr id="1011378333" name="Slide Image Placeholder 1"/>
+          <p:cNvSpPr>
+            <a:spLocks noChangeAspect="1" noGrp="1" noRot="1"/>
+          </p:cNvSpPr>
+          <p:nvPr>
+            <p:ph type="sldImg"/>
+          </p:nvPr>
+        </p:nvSpPr>
+        <p:spPr bwMode="auto"/>
+      </p:sp>
+      <p:sp>
+        <p:nvSpPr>
+          <p:cNvPr id="2070792959" name="Notes Placeholder 2"/>
+          <p:cNvSpPr>
+            <a:spLocks noGrp="1"/>
+          </p:cNvSpPr>
+          <p:nvPr>
+            <p:ph type="body" idx="1"/>
+          </p:nvPr>
+        </p:nvSpPr>
+        <p:spPr bwMode="auto"/>
+        <p:txBody>
+          <a:bodyPr/>
+          <a:lstStyle/>
+          <a:p>
+            <a:pPr>
+              <a:defRPr/>
+            </a:pPr>
+            <a:endParaRPr/>
+          </a:p>
+        </p:txBody>
+      </p:sp>
+      <p:sp>
+        <p:nvSpPr>
+          <p:cNvPr id="763739534" name="Slide Number Placeholder 3"/>
+          <p:cNvSpPr>
+            <a:spLocks noGrp="1"/>
+          </p:cNvSpPr>
+          <p:nvPr>
+            <p:ph type="sldNum" sz="quarter" idx="10"/>
+          </p:nvPr>
+        </p:nvSpPr>
+        <p:spPr bwMode="auto"/>
+        <p:txBody>
+          <a:bodyPr/>
+          <a:lstStyle/>
+          <a:p>
+            <a:pPr>
+              <a:defRPr/>
+            </a:pPr>
+            <a:fld id="{2CD55ABE-CD7A-033C-FE19-4C41FB84C212}" type="slidenum">
+              <a:rPr/>
+              <a:t/>
+            </a:fld>
+            <a:endParaRPr/>
+          </a:p>
+        </p:txBody>
+      </p:sp>
+    </p:spTree>
+  </p:cSld>
+</p:notes>
+</file>
+
+<file path=ppt/notesSlides/notesSlide7.xml><?xml version="1.0" encoding="utf-8"?>
+<p:notes xmlns:a="http://schemas.openxmlformats.org/drawingml/2006/main" xmlns:r="http://schemas.openxmlformats.org/officeDocument/2006/relationships" xmlns:p="http://schemas.openxmlformats.org/presentationml/2006/main" xmlns:m="http://schemas.openxmlformats.org/officeDocument/2006/math" xmlns:w="http://schemas.openxmlformats.org/wordprocessingml/2006/main">
+  <p:cSld name="">
+    <p:spTree>
+      <p:nvGrpSpPr>
+        <p:cNvPr id="1" name=""/>
+        <p:cNvGrpSpPr/>
+        <p:nvPr/>
+      </p:nvGrpSpPr>
+      <p:grpSpPr bwMode="auto">
+        <a:xfrm>
+          <a:off x="0" y="0"/>
+          <a:ext cx="0" cy="0"/>
+          <a:chOff x="0" y="0"/>
+          <a:chExt cx="0" cy="0"/>
+        </a:xfrm>
+      </p:grpSpPr>
+      <p:sp>
+        <p:nvSpPr>
+          <p:cNvPr id="1478334608" name="Slide Image Placeholder 1"/>
+          <p:cNvSpPr>
+            <a:spLocks noChangeAspect="1" noGrp="1" noRot="1"/>
+          </p:cNvSpPr>
+          <p:nvPr>
+            <p:ph type="sldImg"/>
+          </p:nvPr>
+        </p:nvSpPr>
+        <p:spPr bwMode="auto"/>
+      </p:sp>
+      <p:sp>
+        <p:nvSpPr>
+          <p:cNvPr id="1083926140" name="Notes Placeholder 2"/>
+          <p:cNvSpPr>
+            <a:spLocks noGrp="1"/>
+          </p:cNvSpPr>
+          <p:nvPr>
+            <p:ph type="body" idx="1"/>
+          </p:nvPr>
+        </p:nvSpPr>
+        <p:spPr bwMode="auto"/>
+        <p:txBody>
+          <a:bodyPr/>
+          <a:lstStyle/>
+          <a:p>
+            <a:pPr>
+              <a:defRPr/>
+            </a:pPr>
+            <a:endParaRPr/>
+          </a:p>
+        </p:txBody>
+      </p:sp>
+      <p:sp>
+        <p:nvSpPr>
+          <p:cNvPr id="1544590393" name="Slide Number Placeholder 3"/>
+          <p:cNvSpPr>
+            <a:spLocks noGrp="1"/>
+          </p:cNvSpPr>
+          <p:nvPr>
+            <p:ph type="sldNum" sz="quarter" idx="10"/>
+          </p:nvPr>
+        </p:nvSpPr>
+        <p:spPr bwMode="auto"/>
+        <p:txBody>
+          <a:bodyPr/>
+          <a:lstStyle/>
+          <a:p>
+            <a:pPr>
+              <a:defRPr/>
+            </a:pPr>
+            <a:fld id="{17B2907C-C730-EA68-7E73-D331C247B829}" type="slidenum">
+              <a:rPr/>
+              <a:t/>
+            </a:fld>
+            <a:endParaRPr/>
+          </a:p>
+        </p:txBody>
+      </p:sp>
+    </p:spTree>
+  </p:cSld>
+</p:notes>
+</file>
+
+<file path=ppt/notesSlides/notesSlide8.xml><?xml version="1.0" encoding="utf-8"?>
+<p:notes xmlns:a="http://schemas.openxmlformats.org/drawingml/2006/main" xmlns:r="http://schemas.openxmlformats.org/officeDocument/2006/relationships" xmlns:p="http://schemas.openxmlformats.org/presentationml/2006/main" xmlns:m="http://schemas.openxmlformats.org/officeDocument/2006/math" xmlns:w="http://schemas.openxmlformats.org/wordprocessingml/2006/main">
+  <p:cSld name="">
+    <p:spTree>
+      <p:nvGrpSpPr>
+        <p:cNvPr id="1" name=""/>
+        <p:cNvGrpSpPr/>
+        <p:nvPr/>
+      </p:nvGrpSpPr>
+      <p:grpSpPr bwMode="auto">
+        <a:xfrm>
+          <a:off x="0" y="0"/>
+          <a:ext cx="0" cy="0"/>
+          <a:chOff x="0" y="0"/>
+          <a:chExt cx="0" cy="0"/>
+        </a:xfrm>
+      </p:grpSpPr>
+      <p:sp>
+        <p:nvSpPr>
+          <p:cNvPr id="688233274" name="Slide Image Placeholder 1"/>
+          <p:cNvSpPr>
+            <a:spLocks noChangeAspect="1" noGrp="1" noRot="1"/>
+          </p:cNvSpPr>
+          <p:nvPr>
+            <p:ph type="sldImg"/>
+          </p:nvPr>
+        </p:nvSpPr>
+        <p:spPr bwMode="auto"/>
+      </p:sp>
+      <p:sp>
+        <p:nvSpPr>
+          <p:cNvPr id="1030557310" name="Notes Placeholder 2"/>
+          <p:cNvSpPr>
+            <a:spLocks noGrp="1"/>
+          </p:cNvSpPr>
+          <p:nvPr>
+            <p:ph type="body" idx="1"/>
+          </p:nvPr>
+        </p:nvSpPr>
+        <p:spPr bwMode="auto"/>
+        <p:txBody>
+          <a:bodyPr/>
+          <a:lstStyle/>
+          <a:p>
+            <a:pPr>
+              <a:defRPr/>
+            </a:pPr>
+            <a:endParaRPr/>
+          </a:p>
+        </p:txBody>
+      </p:sp>
+      <p:sp>
+        <p:nvSpPr>
+          <p:cNvPr id="1204847144" name="Slide Number Placeholder 3"/>
+          <p:cNvSpPr>
+            <a:spLocks noGrp="1"/>
+          </p:cNvSpPr>
+          <p:nvPr>
+            <p:ph type="sldNum" sz="quarter" idx="10"/>
+          </p:nvPr>
+        </p:nvSpPr>
+        <p:spPr bwMode="auto"/>
+        <p:txBody>
+          <a:bodyPr/>
+          <a:lstStyle/>
+          <a:p>
+            <a:pPr>
+              <a:defRPr/>
+            </a:pPr>
+            <a:fld id="{28CCC717-1449-29EB-03FA-769739550ACB}" type="slidenum">
+              <a:rPr/>
+              <a:t/>
+            </a:fld>
+            <a:endParaRPr/>
+          </a:p>
+        </p:txBody>
+      </p:sp>
+    </p:spTree>
+  </p:cSld>
+</p:notes>
+</file>
+
+<file path=ppt/notesSlides/notesSlide9.xml><?xml version="1.0" encoding="utf-8"?>
 <p:notes xmlns:a="http://schemas.openxmlformats.org/drawingml/2006/main" xmlns:r="http://schemas.openxmlformats.org/officeDocument/2006/relationships" xmlns:p="http://schemas.openxmlformats.org/presentationml/2006/main" xmlns:m="http://schemas.openxmlformats.org/officeDocument/2006/math" xmlns:w="http://schemas.openxmlformats.org/wordprocessingml/2006/main">
   <p:cSld name="">
     <p:spTree>
@@ -7096,7 +7428,7 @@
         </p:nvSpPr>
         <p:spPr bwMode="auto">
           <a:xfrm flipH="0" flipV="0">
-            <a:off x="826153" y="366346"/>
+            <a:off x="826152" y="241427"/>
             <a:ext cx="10738347" cy="823320"/>
           </a:xfrm>
           <a:prstGeom prst="rect">
@@ -7371,415 +7703,352 @@
       </p:grpSpPr>
       <p:sp>
         <p:nvSpPr>
-          <p:cNvPr id="695396073" name="Title 1"/>
-          <p:cNvSpPr>
-            <a:spLocks noGrp="1"/>
-          </p:cNvSpPr>
-          <p:nvPr>
-            <p:ph type="ctrTitle"/>
-          </p:nvPr>
+          <p:cNvPr id="1883057615" name=""/>
+          <p:cNvSpPr txBox="1"/>
+          <p:nvPr/>
         </p:nvSpPr>
         <p:spPr bwMode="auto">
           <a:xfrm flipH="0" flipV="0">
-            <a:off x="190499" y="15874"/>
-            <a:ext cx="9144000" cy="1192212"/>
+            <a:off x="751106" y="624589"/>
+            <a:ext cx="10610697" cy="5456279"/>
           </a:xfrm>
+          <a:prstGeom prst="rect">
+            <a:avLst/>
+          </a:prstGeom>
+          <a:noFill/>
         </p:spPr>
         <p:txBody>
-          <a:bodyPr/>
-          <a:lstStyle/>
-          <a:p>
-            <a:pPr>
-              <a:defRPr/>
-            </a:pPr>
-            <a:r>
-              <a:rPr lang="en-US" sz="3600"/>
-              <a:t>Course overview (1)</a:t>
-            </a:r>
-            <a:endParaRPr sz="3600"/>
-          </a:p>
-        </p:txBody>
-      </p:sp>
-      <p:sp>
-        <p:nvSpPr>
-          <p:cNvPr id="1454366657" name="Subtitle 2"/>
-          <p:cNvSpPr>
-            <a:spLocks noGrp="1"/>
-          </p:cNvSpPr>
-          <p:nvPr/>
-        </p:nvSpPr>
-        <p:spPr bwMode="auto">
-          <a:xfrm flipH="0" flipV="0">
-            <a:off x="444498" y="1155491"/>
-            <a:ext cx="9425623" cy="5115130"/>
-          </a:xfrm>
-        </p:spPr>
-        <p:txBody>
           <a:bodyPr vertOverflow="overflow" horzOverflow="overflow" vert="horz" wrap="square" lIns="91440" tIns="45720" rIns="91440" bIns="45720" numCol="1" spcCol="0" rtlCol="0" fromWordArt="0" anchor="t" anchorCtr="0" forceAA="0" upright="0" compatLnSpc="0">
-            <a:normAutofit/>
+            <a:spAutoFit/>
           </a:bodyPr>
-          <a:lstStyle>
-            <a:lvl1pPr marL="228600" indent="-228600" algn="l" defTabSz="914400">
-              <a:lnSpc>
-                <a:spcPct val="90000"/>
-              </a:lnSpc>
-              <a:spcBef>
-                <a:spcPts val="999"/>
-              </a:spcBef>
-              <a:buFont typeface="Arial"/>
-              <a:buChar char="•"/>
-              <a:defRPr sz="2800">
+          <a:p>
+            <a:pPr>
+              <a:defRPr/>
+            </a:pPr>
+            <a:r>
+              <a:rPr sz="2200" b="0" i="0" u="none">
                 <a:solidFill>
-                  <a:schemeClr val="tx1"/>
+                  <a:srgbClr val="000000"/>
                 </a:solidFill>
-                <a:latin typeface="+mn-lt"/>
-                <a:ea typeface="+mn-ea"/>
-                <a:cs typeface="+mn-cs"/>
-              </a:defRPr>
-            </a:lvl1pPr>
-            <a:lvl2pPr marL="685800" indent="-228600" algn="l" defTabSz="914400">
-              <a:lnSpc>
-                <a:spcPct val="90000"/>
-              </a:lnSpc>
-              <a:spcBef>
-                <a:spcPts val="499"/>
-              </a:spcBef>
-              <a:buFont typeface="Arial"/>
-              <a:buChar char="•"/>
-              <a:defRPr sz="2400">
+                <a:latin typeface="Times New Roman"/>
+                <a:ea typeface="Times New Roman"/>
+                <a:cs typeface="Times New Roman"/>
+              </a:rPr>
+              <a:t>- what is an embedded sytem </a:t>
+            </a:r>
+            <a:endParaRPr sz="2200" b="0" i="0" u="none">
+              <a:solidFill>
+                <a:srgbClr val="000000"/>
+              </a:solidFill>
+              <a:latin typeface="Times New Roman"/>
+              <a:ea typeface="Times New Roman"/>
+              <a:cs typeface="Times New Roman"/>
+            </a:endParaRPr>
+          </a:p>
+          <a:p>
+            <a:pPr>
+              <a:defRPr/>
+            </a:pPr>
+            <a:r>
+              <a:rPr sz="2200" b="0" i="0" u="none">
                 <a:solidFill>
-                  <a:schemeClr val="tx1"/>
+                  <a:srgbClr val="000000"/>
                 </a:solidFill>
-                <a:latin typeface="+mn-lt"/>
-                <a:ea typeface="+mn-ea"/>
-                <a:cs typeface="+mn-cs"/>
-              </a:defRPr>
-            </a:lvl2pPr>
-            <a:lvl3pPr marL="1143000" indent="-228600" algn="l" defTabSz="914400">
-              <a:lnSpc>
-                <a:spcPct val="90000"/>
-              </a:lnSpc>
-              <a:spcBef>
-                <a:spcPts val="499"/>
-              </a:spcBef>
-              <a:buFont typeface="Arial"/>
-              <a:buChar char="•"/>
-              <a:defRPr sz="2000">
+                <a:latin typeface="Times New Roman"/>
+                <a:ea typeface="Times New Roman"/>
+                <a:cs typeface="Times New Roman"/>
+              </a:rPr>
+              <a:t>- what is arduino, capabilites, and types </a:t>
+            </a:r>
+            <a:endParaRPr sz="2200" b="0" i="0" u="none">
+              <a:solidFill>
+                <a:srgbClr val="000000"/>
+              </a:solidFill>
+              <a:latin typeface="Times New Roman"/>
+              <a:ea typeface="Times New Roman"/>
+              <a:cs typeface="Times New Roman"/>
+            </a:endParaRPr>
+          </a:p>
+          <a:p>
+            <a:pPr>
+              <a:defRPr/>
+            </a:pPr>
+            <a:r>
+              <a:rPr sz="2200" b="0" i="0" u="none">
                 <a:solidFill>
-                  <a:schemeClr val="tx1"/>
+                  <a:srgbClr val="000000"/>
                 </a:solidFill>
-                <a:latin typeface="+mn-lt"/>
-                <a:ea typeface="+mn-ea"/>
-                <a:cs typeface="+mn-cs"/>
-              </a:defRPr>
-            </a:lvl3pPr>
-            <a:lvl4pPr marL="1600200" indent="-228600" algn="l" defTabSz="914400">
-              <a:lnSpc>
-                <a:spcPct val="90000"/>
-              </a:lnSpc>
-              <a:spcBef>
-                <a:spcPts val="499"/>
-              </a:spcBef>
-              <a:buFont typeface="Arial"/>
-              <a:buChar char="•"/>
-              <a:defRPr sz="1800">
+                <a:latin typeface="Times New Roman"/>
+                <a:ea typeface="Times New Roman"/>
+                <a:cs typeface="Times New Roman"/>
+              </a:rPr>
+              <a:t>- UNO board layout overview - Arduino IDE layout (what is compilation / flashing) </a:t>
+            </a:r>
+            <a:endParaRPr sz="2200" b="0" i="0" u="none">
+              <a:solidFill>
+                <a:srgbClr val="000000"/>
+              </a:solidFill>
+              <a:latin typeface="Times New Roman"/>
+              <a:ea typeface="Times New Roman"/>
+              <a:cs typeface="Times New Roman"/>
+            </a:endParaRPr>
+          </a:p>
+          <a:p>
+            <a:pPr>
+              <a:defRPr/>
+            </a:pPr>
+            <a:r>
+              <a:rPr sz="2200" b="0" i="0" u="none">
                 <a:solidFill>
-                  <a:schemeClr val="tx1"/>
+                  <a:srgbClr val="000000"/>
                 </a:solidFill>
-                <a:latin typeface="+mn-lt"/>
-                <a:ea typeface="+mn-ea"/>
-                <a:cs typeface="+mn-cs"/>
-              </a:defRPr>
-            </a:lvl4pPr>
-            <a:lvl5pPr marL="2057400" indent="-228600" algn="l" defTabSz="914400">
-              <a:lnSpc>
-                <a:spcPct val="90000"/>
-              </a:lnSpc>
-              <a:spcBef>
-                <a:spcPts val="499"/>
-              </a:spcBef>
-              <a:buFont typeface="Arial"/>
-              <a:buChar char="•"/>
-              <a:defRPr sz="1800">
+                <a:latin typeface="Times New Roman"/>
+                <a:ea typeface="Times New Roman"/>
+                <a:cs typeface="Times New Roman"/>
+              </a:rPr>
+              <a:t>- Basic programming (variables, function, loops, conditional statements, datatypes, operators)  </a:t>
+            </a:r>
+            <a:endParaRPr sz="2200" b="0" i="0" u="none">
+              <a:solidFill>
+                <a:srgbClr val="000000"/>
+              </a:solidFill>
+              <a:latin typeface="Times New Roman"/>
+              <a:ea typeface="Times New Roman"/>
+              <a:cs typeface="Times New Roman"/>
+            </a:endParaRPr>
+          </a:p>
+          <a:p>
+            <a:pPr>
+              <a:defRPr/>
+            </a:pPr>
+            <a:r>
+              <a:rPr sz="2200" b="0" i="0" u="none">
                 <a:solidFill>
-                  <a:schemeClr val="tx1"/>
+                  <a:srgbClr val="000000"/>
                 </a:solidFill>
-                <a:latin typeface="+mn-lt"/>
-                <a:ea typeface="+mn-ea"/>
-                <a:cs typeface="+mn-cs"/>
-              </a:defRPr>
-            </a:lvl5pPr>
-            <a:lvl6pPr marL="2514599" indent="-228600" algn="l" defTabSz="914400">
-              <a:lnSpc>
-                <a:spcPct val="90000"/>
-              </a:lnSpc>
-              <a:spcBef>
-                <a:spcPts val="499"/>
-              </a:spcBef>
-              <a:buFont typeface="Arial"/>
-              <a:buChar char="•"/>
-              <a:defRPr sz="1800">
+                <a:latin typeface="Times New Roman"/>
+                <a:ea typeface="Times New Roman"/>
+                <a:cs typeface="Times New Roman"/>
+              </a:rPr>
+              <a:t>- Binary systems </a:t>
+            </a:r>
+            <a:endParaRPr sz="2200" b="0" i="0" u="none">
+              <a:solidFill>
+                <a:srgbClr val="000000"/>
+              </a:solidFill>
+              <a:latin typeface="Times New Roman"/>
+              <a:ea typeface="Times New Roman"/>
+              <a:cs typeface="Times New Roman"/>
+            </a:endParaRPr>
+          </a:p>
+          <a:p>
+            <a:pPr>
+              <a:defRPr/>
+            </a:pPr>
+            <a:r>
+              <a:rPr sz="2200" b="0" i="0" u="none">
                 <a:solidFill>
-                  <a:schemeClr val="tx1"/>
+                  <a:srgbClr val="000000"/>
                 </a:solidFill>
-                <a:latin typeface="+mn-lt"/>
-                <a:ea typeface="+mn-ea"/>
-                <a:cs typeface="+mn-cs"/>
-              </a:defRPr>
-            </a:lvl6pPr>
-            <a:lvl7pPr marL="2971800" indent="-228600" algn="l" defTabSz="914400">
-              <a:lnSpc>
-                <a:spcPct val="90000"/>
-              </a:lnSpc>
-              <a:spcBef>
-                <a:spcPts val="499"/>
-              </a:spcBef>
-              <a:buFont typeface="Arial"/>
-              <a:buChar char="•"/>
-              <a:defRPr sz="1800">
+                <a:latin typeface="Times New Roman"/>
+                <a:ea typeface="Times New Roman"/>
+                <a:cs typeface="Times New Roman"/>
+              </a:rPr>
+              <a:t>- pulse width modulation in general (implementation and disadvntages) </a:t>
+            </a:r>
+            <a:endParaRPr sz="2200" b="0" i="0" u="none">
+              <a:solidFill>
+                <a:srgbClr val="000000"/>
+              </a:solidFill>
+              <a:latin typeface="Times New Roman"/>
+              <a:ea typeface="Times New Roman"/>
+              <a:cs typeface="Times New Roman"/>
+            </a:endParaRPr>
+          </a:p>
+          <a:p>
+            <a:pPr>
+              <a:defRPr/>
+            </a:pPr>
+            <a:r>
+              <a:rPr sz="2200" b="0" i="0" u="none">
                 <a:solidFill>
-                  <a:schemeClr val="tx1"/>
+                  <a:srgbClr val="000000"/>
                 </a:solidFill>
-                <a:latin typeface="+mn-lt"/>
-                <a:ea typeface="+mn-ea"/>
-                <a:cs typeface="+mn-cs"/>
-              </a:defRPr>
-            </a:lvl7pPr>
-            <a:lvl8pPr marL="3429000" indent="-228600" algn="l" defTabSz="914400">
-              <a:lnSpc>
-                <a:spcPct val="90000"/>
-              </a:lnSpc>
-              <a:spcBef>
-                <a:spcPts val="499"/>
-              </a:spcBef>
-              <a:buFont typeface="Arial"/>
-              <a:buChar char="•"/>
-              <a:defRPr sz="1800">
+                <a:latin typeface="Times New Roman"/>
+                <a:ea typeface="Times New Roman"/>
+                <a:cs typeface="Times New Roman"/>
+              </a:rPr>
+              <a:t>- arduino functions: digital/analog read/write, pinmode, delays, delaymicroseconds,&gt; </a:t>
+            </a:r>
+            <a:endParaRPr sz="2200" b="0" i="0" u="none">
+              <a:solidFill>
+                <a:srgbClr val="000000"/>
+              </a:solidFill>
+              <a:latin typeface="Times New Roman"/>
+              <a:ea typeface="Times New Roman"/>
+              <a:cs typeface="Times New Roman"/>
+            </a:endParaRPr>
+          </a:p>
+          <a:p>
+            <a:pPr>
+              <a:defRPr/>
+            </a:pPr>
+            <a:r>
+              <a:rPr sz="2200" b="0" i="0" u="none">
                 <a:solidFill>
-                  <a:schemeClr val="tx1"/>
+                  <a:srgbClr val="000000"/>
                 </a:solidFill>
-                <a:latin typeface="+mn-lt"/>
-                <a:ea typeface="+mn-ea"/>
-                <a:cs typeface="+mn-cs"/>
-              </a:defRPr>
-            </a:lvl8pPr>
-            <a:lvl9pPr marL="3886200" indent="-228600" algn="l" defTabSz="914400">
-              <a:lnSpc>
-                <a:spcPct val="90000"/>
-              </a:lnSpc>
-              <a:spcBef>
-                <a:spcPts val="499"/>
-              </a:spcBef>
-              <a:buFont typeface="Arial"/>
-              <a:buChar char="•"/>
-              <a:defRPr sz="1800">
+                <a:latin typeface="Times New Roman"/>
+                <a:ea typeface="Times New Roman"/>
+                <a:cs typeface="Times New Roman"/>
+              </a:rPr>
+              <a:t>- LED, resistors, ohms low, PULLUP/PULLDOWN resistors, button, button as toggle, breadboard.  </a:t>
+            </a:r>
+            <a:endParaRPr sz="2200" b="0" i="0" u="none">
+              <a:solidFill>
+                <a:srgbClr val="000000"/>
+              </a:solidFill>
+              <a:latin typeface="Times New Roman"/>
+              <a:ea typeface="Times New Roman"/>
+              <a:cs typeface="Times New Roman"/>
+            </a:endParaRPr>
+          </a:p>
+          <a:p>
+            <a:pPr>
+              <a:defRPr/>
+            </a:pPr>
+            <a:r>
+              <a:rPr sz="2200" b="0" i="0" u="none">
                 <a:solidFill>
-                  <a:schemeClr val="tx1"/>
+                  <a:srgbClr val="000000"/>
                 </a:solidFill>
-                <a:latin typeface="+mn-lt"/>
-                <a:ea typeface="+mn-ea"/>
-                <a:cs typeface="+mn-cs"/>
-              </a:defRPr>
-            </a:lvl9pPr>
-          </a:lstStyle>
-          <a:p>
-            <a:pPr marL="0" indent="0">
-              <a:buFont typeface="Arial"/>
-              <a:buNone/>
-              <a:defRPr/>
-            </a:pPr>
-            <a:r>
-              <a:rPr lang="en-US" sz="2000" b="1"/>
-              <a:t>Course breakdown:</a:t>
-            </a:r>
-            <a:endParaRPr lang="en-US" sz="2000" b="1"/>
-          </a:p>
-          <a:p>
-            <a:pPr marL="0" indent="0">
-              <a:buFont typeface="Arial"/>
-              <a:buNone/>
-              <a:defRPr/>
-            </a:pPr>
-            <a:endParaRPr lang="en-US" sz="2000" b="1"/>
-          </a:p>
-          <a:p>
-            <a:pPr>
-              <a:buFont typeface="Arial"/>
-              <a:buChar char="–"/>
-              <a:defRPr/>
-            </a:pPr>
-            <a:r>
-              <a:rPr lang="en-US" sz="2000" b="0" i="0" u="none" strike="noStrike" cap="none" spc="0">
+                <a:latin typeface="Times New Roman"/>
+                <a:ea typeface="Times New Roman"/>
+                <a:cs typeface="Times New Roman"/>
+              </a:rPr>
+              <a:t>- sensors ultrasonic, ir, light, humidity, temperature, buzzers, sound, color  sensor ...) </a:t>
+            </a:r>
+            <a:endParaRPr sz="2200" b="0" i="0" u="none">
+              <a:solidFill>
+                <a:srgbClr val="000000"/>
+              </a:solidFill>
+              <a:latin typeface="Times New Roman"/>
+              <a:ea typeface="Times New Roman"/>
+              <a:cs typeface="Times New Roman"/>
+            </a:endParaRPr>
+          </a:p>
+          <a:p>
+            <a:pPr>
+              <a:defRPr/>
+            </a:pPr>
+            <a:r>
+              <a:rPr sz="2200" b="0" i="0" u="none">
                 <a:solidFill>
-                  <a:schemeClr val="tx1"/>
+                  <a:srgbClr val="000000"/>
                 </a:solidFill>
-                <a:latin typeface="+mn-lt"/>
-                <a:ea typeface="+mn-ea"/>
-                <a:cs typeface="+mn-cs"/>
+                <a:latin typeface="Times New Roman"/>
+                <a:ea typeface="Times New Roman"/>
+                <a:cs typeface="Times New Roman"/>
               </a:rPr>
-              <a:t>topic</a:t>
-            </a:r>
-            <a:endParaRPr lang="en-US" sz="2000"/>
-          </a:p>
-          <a:p>
-            <a:pPr>
-              <a:buFont typeface="Arial"/>
-              <a:buChar char="–"/>
-              <a:defRPr/>
-            </a:pPr>
-            <a:r>
-              <a:rPr lang="en-US" sz="2000" b="0" i="0" u="none" strike="noStrike" cap="none" spc="0">
+              <a:t>- potentiometer </a:t>
+            </a:r>
+            <a:endParaRPr sz="2200" b="0" i="0" u="none">
+              <a:solidFill>
+                <a:srgbClr val="000000"/>
+              </a:solidFill>
+              <a:latin typeface="Times New Roman"/>
+              <a:ea typeface="Times New Roman"/>
+              <a:cs typeface="Times New Roman"/>
+            </a:endParaRPr>
+          </a:p>
+          <a:p>
+            <a:pPr>
+              <a:defRPr/>
+            </a:pPr>
+            <a:r>
+              <a:rPr sz="2200" b="0" i="0" u="none">
                 <a:solidFill>
-                  <a:schemeClr val="tx1"/>
+                  <a:srgbClr val="000000"/>
                 </a:solidFill>
-                <a:latin typeface="+mn-lt"/>
-                <a:ea typeface="+mn-ea"/>
-                <a:cs typeface="+mn-cs"/>
+                <a:latin typeface="Times New Roman"/>
+                <a:ea typeface="Times New Roman"/>
+                <a:cs typeface="Times New Roman"/>
               </a:rPr>
-              <a:t>topic</a:t>
-            </a:r>
-            <a:endParaRPr lang="en-US" sz="2000"/>
-          </a:p>
-          <a:p>
-            <a:pPr>
-              <a:buFont typeface="Arial"/>
-              <a:buChar char="–"/>
-              <a:defRPr/>
-            </a:pPr>
-            <a:r>
-              <a:rPr lang="en-US" sz="2000" b="0" i="0" u="none" strike="noStrike" cap="none" spc="0">
+              <a:t>- motors: dc motors and motor drivers, servo motors and libraries. </a:t>
+            </a:r>
+            <a:endParaRPr sz="2200" b="0" i="0" u="none">
+              <a:solidFill>
+                <a:srgbClr val="000000"/>
+              </a:solidFill>
+              <a:latin typeface="Times New Roman"/>
+              <a:ea typeface="Times New Roman"/>
+              <a:cs typeface="Times New Roman"/>
+            </a:endParaRPr>
+          </a:p>
+          <a:p>
+            <a:pPr>
+              <a:defRPr/>
+            </a:pPr>
+            <a:r>
+              <a:rPr sz="2200" b="0" i="0" u="none">
                 <a:solidFill>
-                  <a:schemeClr val="tx1"/>
+                  <a:srgbClr val="000000"/>
                 </a:solidFill>
-                <a:latin typeface="+mn-lt"/>
-                <a:ea typeface="+mn-ea"/>
-                <a:cs typeface="+mn-cs"/>
+                <a:latin typeface="Times New Roman"/>
+                <a:ea typeface="Times New Roman"/>
+                <a:cs typeface="Times New Roman"/>
               </a:rPr>
-              <a:t>topic</a:t>
-            </a:r>
-            <a:endParaRPr lang="en-US" sz="2000"/>
-          </a:p>
-          <a:p>
-            <a:pPr>
-              <a:buFont typeface="Arial"/>
-              <a:buChar char="–"/>
-              <a:defRPr/>
-            </a:pPr>
-            <a:r>
-              <a:rPr lang="en-US" sz="2000" b="0" i="0" u="none" strike="noStrike" cap="none" spc="0">
+              <a:t>- serial communication, serial monitor and serial plotter </a:t>
+            </a:r>
+            <a:endParaRPr sz="2200" b="0" i="0" u="none">
+              <a:solidFill>
+                <a:srgbClr val="000000"/>
+              </a:solidFill>
+              <a:latin typeface="Times New Roman"/>
+              <a:ea typeface="Times New Roman"/>
+              <a:cs typeface="Times New Roman"/>
+            </a:endParaRPr>
+          </a:p>
+          <a:p>
+            <a:pPr>
+              <a:defRPr/>
+            </a:pPr>
+            <a:r>
+              <a:rPr sz="2200" b="0" i="0" u="none">
                 <a:solidFill>
-                  <a:schemeClr val="tx1"/>
+                  <a:srgbClr val="000000"/>
                 </a:solidFill>
-                <a:latin typeface="+mn-lt"/>
-                <a:ea typeface="+mn-ea"/>
-                <a:cs typeface="+mn-cs"/>
+                <a:latin typeface="Times New Roman"/>
+                <a:ea typeface="Times New Roman"/>
+                <a:cs typeface="Times New Roman"/>
               </a:rPr>
-              <a:t>topic</a:t>
-            </a:r>
-            <a:endParaRPr lang="en-US" sz="2000"/>
-          </a:p>
-          <a:p>
-            <a:pPr>
-              <a:buFont typeface="Arial"/>
-              <a:buChar char="–"/>
-              <a:defRPr/>
-            </a:pPr>
-            <a:r>
-              <a:rPr lang="en-US" sz="2000" b="0" i="0" u="none" strike="noStrike" cap="none" spc="0">
+              <a:t>- possibly LCD screen </a:t>
+            </a:r>
+            <a:endParaRPr sz="2200" b="0" i="0" u="none">
+              <a:solidFill>
+                <a:srgbClr val="000000"/>
+              </a:solidFill>
+              <a:latin typeface="Times New Roman"/>
+              <a:ea typeface="Times New Roman"/>
+              <a:cs typeface="Times New Roman"/>
+            </a:endParaRPr>
+          </a:p>
+          <a:p>
+            <a:pPr>
+              <a:defRPr/>
+            </a:pPr>
+            <a:r>
+              <a:rPr sz="2200" b="0" i="0" u="none">
                 <a:solidFill>
-                  <a:schemeClr val="tx1"/>
+                  <a:srgbClr val="000000"/>
                 </a:solidFill>
-                <a:latin typeface="+mn-lt"/>
-                <a:ea typeface="+mn-ea"/>
-                <a:cs typeface="+mn-cs"/>
+                <a:latin typeface="Times New Roman"/>
+                <a:ea typeface="Times New Roman"/>
+                <a:cs typeface="Times New Roman"/>
               </a:rPr>
-              <a:t>topic</a:t>
-            </a:r>
-            <a:endParaRPr lang="en-US" sz="2000"/>
-          </a:p>
-          <a:p>
-            <a:pPr>
-              <a:buFont typeface="Arial"/>
-              <a:buChar char="–"/>
-              <a:defRPr/>
-            </a:pPr>
-            <a:r>
-              <a:rPr lang="en-US" sz="2000" b="0" i="0" u="none" strike="noStrike" cap="none" spc="0">
-                <a:solidFill>
-                  <a:schemeClr val="tx1"/>
-                </a:solidFill>
-                <a:latin typeface="+mn-lt"/>
-                <a:ea typeface="+mn-ea"/>
-                <a:cs typeface="+mn-cs"/>
-              </a:rPr>
-              <a:t>topic</a:t>
-            </a:r>
-            <a:endParaRPr lang="en-US" sz="2000"/>
-          </a:p>
-          <a:p>
-            <a:pPr>
-              <a:buFont typeface="Arial"/>
-              <a:buChar char="–"/>
-              <a:defRPr/>
-            </a:pPr>
-            <a:r>
-              <a:rPr lang="en-US" sz="2000" b="0" i="0" u="none" strike="noStrike" cap="none" spc="0">
-                <a:solidFill>
-                  <a:schemeClr val="tx1"/>
-                </a:solidFill>
-                <a:latin typeface="+mn-lt"/>
-                <a:ea typeface="+mn-ea"/>
-                <a:cs typeface="+mn-cs"/>
-              </a:rPr>
-              <a:t>topic</a:t>
-            </a:r>
-            <a:endParaRPr lang="en-US" sz="2000"/>
-          </a:p>
-          <a:p>
-            <a:pPr>
-              <a:buFont typeface="Arial"/>
-              <a:buChar char="–"/>
-              <a:defRPr/>
-            </a:pPr>
-            <a:r>
-              <a:rPr lang="en-US" sz="2000" b="0" i="0" u="none" strike="noStrike" cap="none" spc="0">
-                <a:solidFill>
-                  <a:schemeClr val="tx1"/>
-                </a:solidFill>
-                <a:latin typeface="+mn-lt"/>
-                <a:ea typeface="+mn-ea"/>
-                <a:cs typeface="+mn-cs"/>
-              </a:rPr>
-              <a:t>topic</a:t>
-            </a:r>
-            <a:endParaRPr lang="en-US" sz="2000"/>
-          </a:p>
-          <a:p>
-            <a:pPr>
-              <a:buFont typeface="Arial"/>
-              <a:buChar char="–"/>
-              <a:defRPr/>
-            </a:pPr>
-            <a:r>
-              <a:rPr lang="en-US" sz="2000" b="0" i="0" u="none" strike="noStrike" cap="none" spc="0">
-                <a:solidFill>
-                  <a:schemeClr val="tx1"/>
-                </a:solidFill>
-                <a:latin typeface="+mn-lt"/>
-                <a:ea typeface="+mn-ea"/>
-                <a:cs typeface="+mn-cs"/>
-              </a:rPr>
-              <a:t>topic</a:t>
-            </a:r>
-            <a:endParaRPr lang="en-US" sz="2000"/>
-          </a:p>
-          <a:p>
-            <a:pPr>
-              <a:buFont typeface="Arial"/>
-              <a:buChar char="–"/>
-              <a:defRPr/>
-            </a:pPr>
-            <a:endParaRPr lang="en-US" sz="2000"/>
+              <a:t>- possible light dependent resistor LDR (sun tracking project)</a:t>
+            </a:r>
+            <a:endParaRPr sz="2800"/>
           </a:p>
         </p:txBody>
       </p:sp>
@@ -7818,7 +8087,283 @@
       </p:grpSpPr>
       <p:sp>
         <p:nvSpPr>
-          <p:cNvPr id="615084742" name="Title 1"/>
+          <p:cNvPr id="1361249792" name=""/>
+          <p:cNvSpPr/>
+          <p:nvPr/>
+        </p:nvSpPr>
+        <p:spPr bwMode="auto">
+          <a:xfrm flipH="0" flipV="0">
+            <a:off x="17213" y="-31229"/>
+            <a:ext cx="12195122" cy="6886106"/>
+          </a:xfrm>
+          <a:prstGeom prst="rect">
+            <a:avLst/>
+          </a:prstGeom>
+        </p:spPr>
+        <p:style>
+          <a:lnRef idx="2">
+            <a:schemeClr val="accent1">
+              <a:shade val="50000"/>
+            </a:schemeClr>
+          </a:lnRef>
+          <a:fillRef idx="1">
+            <a:schemeClr val="accent1"/>
+          </a:fillRef>
+          <a:effectRef idx="0">
+            <a:schemeClr val="accent1"/>
+          </a:effectRef>
+          <a:fontRef idx="minor">
+            <a:schemeClr val="lt1"/>
+          </a:fontRef>
+        </p:style>
+        <p:txBody>
+          <a:bodyPr/>
+          <a:p>
+            <a:pPr>
+              <a:defRPr/>
+            </a:pPr>
+            <a:endParaRPr/>
+          </a:p>
+        </p:txBody>
+      </p:sp>
+      <p:sp>
+        <p:nvSpPr>
+          <p:cNvPr id="1378480661" name=""/>
+          <p:cNvSpPr txBox="1"/>
+          <p:nvPr/>
+        </p:nvSpPr>
+        <p:spPr bwMode="auto">
+          <a:xfrm flipH="0" flipV="0">
+            <a:off x="1047786" y="1093032"/>
+            <a:ext cx="10133345" cy="3444599"/>
+          </a:xfrm>
+          <a:prstGeom prst="rect">
+            <a:avLst/>
+          </a:prstGeom>
+          <a:noFill/>
+        </p:spPr>
+        <p:txBody>
+          <a:bodyPr vertOverflow="overflow" horzOverflow="overflow" vert="horz" wrap="square" lIns="91440" tIns="45720" rIns="91440" bIns="45720" numCol="1" spcCol="0" rtlCol="0" fromWordArt="0" anchor="t" anchorCtr="0" forceAA="0" upright="0" compatLnSpc="0">
+            <a:spAutoFit/>
+          </a:bodyPr>
+          <a:p>
+            <a:pPr>
+              <a:defRPr/>
+            </a:pPr>
+            <a:r>
+              <a:rPr sz="10000">
+                <a:solidFill>
+                  <a:schemeClr val="bg1"/>
+                </a:solidFill>
+              </a:rPr>
+              <a:t>     Introducing </a:t>
+            </a:r>
+            <a:endParaRPr sz="10000">
+              <a:solidFill>
+                <a:schemeClr val="bg1"/>
+              </a:solidFill>
+            </a:endParaRPr>
+          </a:p>
+          <a:p>
+            <a:pPr>
+              <a:defRPr/>
+            </a:pPr>
+            <a:r>
+              <a:rPr sz="12000">
+                <a:solidFill>
+                  <a:schemeClr val="bg1"/>
+                </a:solidFill>
+              </a:rPr>
+              <a:t>          RISE</a:t>
+            </a:r>
+            <a:endParaRPr sz="12000">
+              <a:solidFill>
+                <a:schemeClr val="bg1"/>
+              </a:solidFill>
+            </a:endParaRPr>
+          </a:p>
+        </p:txBody>
+      </p:sp>
+      <p:sp>
+        <p:nvSpPr>
+          <p:cNvPr id="155803508" name=""/>
+          <p:cNvSpPr/>
+          <p:nvPr/>
+        </p:nvSpPr>
+        <p:spPr bwMode="auto">
+          <a:xfrm flipH="0" flipV="0">
+            <a:off x="3287749" y="2831987"/>
+            <a:ext cx="1587498" cy="1555749"/>
+          </a:xfrm>
+          <a:prstGeom prst="donut">
+            <a:avLst>
+              <a:gd name="adj" fmla="val 10700"/>
+            </a:avLst>
+          </a:prstGeom>
+          <a:solidFill>
+            <a:schemeClr val="bg1"/>
+          </a:solidFill>
+        </p:spPr>
+        <p:style>
+          <a:lnRef idx="2">
+            <a:schemeClr val="accent1">
+              <a:shade val="50000"/>
+            </a:schemeClr>
+          </a:lnRef>
+          <a:fillRef idx="1">
+            <a:schemeClr val="accent1"/>
+          </a:fillRef>
+          <a:effectRef idx="0">
+            <a:schemeClr val="accent1"/>
+          </a:effectRef>
+          <a:fontRef idx="minor">
+            <a:schemeClr val="lt1"/>
+          </a:fontRef>
+        </p:style>
+        <p:txBody>
+          <a:bodyPr/>
+          <a:p>
+            <a:pPr>
+              <a:defRPr/>
+            </a:pPr>
+            <a:endParaRPr>
+              <a:solidFill>
+                <a:schemeClr val="bg1"/>
+              </a:solidFill>
+            </a:endParaRPr>
+          </a:p>
+        </p:txBody>
+      </p:sp>
+      <p:sp>
+        <p:nvSpPr>
+          <p:cNvPr id="1881289419" name=""/>
+          <p:cNvSpPr/>
+          <p:nvPr/>
+        </p:nvSpPr>
+        <p:spPr bwMode="auto">
+          <a:xfrm rot="19022565" flipH="0" flipV="0">
+            <a:off x="3735880" y="3319069"/>
+            <a:ext cx="518289" cy="539749"/>
+          </a:xfrm>
+          <a:prstGeom prst="halfFrame">
+            <a:avLst>
+              <a:gd name="adj1" fmla="val 33333"/>
+              <a:gd name="adj2" fmla="val 33333"/>
+            </a:avLst>
+          </a:prstGeom>
+          <a:solidFill>
+            <a:schemeClr val="bg1"/>
+          </a:solidFill>
+        </p:spPr>
+        <p:style>
+          <a:lnRef idx="2">
+            <a:schemeClr val="accent1">
+              <a:shade val="50000"/>
+            </a:schemeClr>
+          </a:lnRef>
+          <a:fillRef idx="1">
+            <a:schemeClr val="accent1"/>
+          </a:fillRef>
+          <a:effectRef idx="0">
+            <a:schemeClr val="accent1"/>
+          </a:effectRef>
+          <a:fontRef idx="minor">
+            <a:schemeClr val="lt1"/>
+          </a:fontRef>
+        </p:style>
+        <p:txBody>
+          <a:bodyPr/>
+          <a:p>
+            <a:pPr>
+              <a:defRPr/>
+            </a:pPr>
+            <a:endParaRPr/>
+          </a:p>
+        </p:txBody>
+      </p:sp>
+      <p:sp>
+        <p:nvSpPr>
+          <p:cNvPr id="935176232" name=""/>
+          <p:cNvSpPr/>
+          <p:nvPr/>
+        </p:nvSpPr>
+        <p:spPr bwMode="auto">
+          <a:xfrm rot="8053918" flipH="0" flipV="0">
+            <a:off x="3909779" y="3295579"/>
+            <a:ext cx="518288" cy="539749"/>
+          </a:xfrm>
+          <a:prstGeom prst="halfFrame">
+            <a:avLst>
+              <a:gd name="adj1" fmla="val 33333"/>
+              <a:gd name="adj2" fmla="val 33333"/>
+            </a:avLst>
+          </a:prstGeom>
+          <a:solidFill>
+            <a:schemeClr val="bg1"/>
+          </a:solidFill>
+        </p:spPr>
+        <p:style>
+          <a:lnRef idx="2">
+            <a:schemeClr val="accent1">
+              <a:shade val="50000"/>
+            </a:schemeClr>
+          </a:lnRef>
+          <a:fillRef idx="1">
+            <a:schemeClr val="accent1"/>
+          </a:fillRef>
+          <a:effectRef idx="0">
+            <a:schemeClr val="accent1"/>
+          </a:effectRef>
+          <a:fontRef idx="minor">
+            <a:schemeClr val="lt1"/>
+          </a:fontRef>
+        </p:style>
+        <p:txBody>
+          <a:bodyPr/>
+          <a:p>
+            <a:pPr>
+              <a:defRPr/>
+            </a:pPr>
+            <a:endParaRPr/>
+          </a:p>
+        </p:txBody>
+      </p:sp>
+    </p:spTree>
+  </p:cSld>
+  <p:clrMapOvr>
+    <a:masterClrMapping/>
+  </p:clrMapOvr>
+  <mc:AlternateContent xmlns:mc="http://schemas.openxmlformats.org/markup-compatibility/2006">
+    <mc:Choice xmlns:p159="http://schemas.microsoft.com/office/powerpoint/2015/09/main" xmlns:p14="http://schemas.microsoft.com/office/powerpoint/2010/main" Requires="p159">
+      <p:transition p14:dur="2000" advClick="1"/>
+    </mc:Choice>
+    <mc:Fallback>
+      <p:transition advClick="1"/>
+    </mc:Fallback>
+  </mc:AlternateContent>
+</p:sld>
+</file>
+
+<file path=ppt/slides/slide4.xml><?xml version="1.0" encoding="utf-8"?>
+<p:sld xmlns:a="http://schemas.openxmlformats.org/drawingml/2006/main" xmlns:r="http://schemas.openxmlformats.org/officeDocument/2006/relationships" xmlns:p="http://schemas.openxmlformats.org/presentationml/2006/main" xmlns:m="http://schemas.openxmlformats.org/officeDocument/2006/math" xmlns:w="http://schemas.openxmlformats.org/wordprocessingml/2006/main" showMasterPhAnim="0" show="1">
+  <p:cSld name="">
+    <p:spTree>
+      <p:nvGrpSpPr>
+        <p:cNvPr id="1" name=""/>
+        <p:cNvGrpSpPr/>
+        <p:nvPr/>
+      </p:nvGrpSpPr>
+      <p:grpSpPr bwMode="auto">
+        <a:xfrm>
+          <a:off x="0" y="0"/>
+          <a:ext cx="0" cy="0"/>
+          <a:chOff x="0" y="0"/>
+          <a:chExt cx="0" cy="0"/>
+        </a:xfrm>
+      </p:grpSpPr>
+      <p:sp>
+        <p:nvSpPr>
+          <p:cNvPr id="1427692573" name="Title 1"/>
           <p:cNvSpPr>
             <a:spLocks noGrp="1"/>
           </p:cNvSpPr>
@@ -7840,16 +8385,16 @@
               <a:defRPr/>
             </a:pPr>
             <a:r>
-              <a:rPr lang="en-US" sz="3600"/>
-              <a:t>Course overview (2)</a:t>
-            </a:r>
-            <a:endParaRPr sz="3600"/>
-          </a:p>
-        </p:txBody>
-      </p:sp>
-      <p:sp>
-        <p:nvSpPr>
-          <p:cNvPr id="829738379" name="Subtitle 2"/>
+              <a:rPr lang="en-US" sz="3600" b="1"/>
+              <a:t>Course overview(1)</a:t>
+            </a:r>
+            <a:endParaRPr sz="3600" b="1"/>
+          </a:p>
+        </p:txBody>
+      </p:sp>
+      <p:sp>
+        <p:nvSpPr>
+          <p:cNvPr id="370936524" name="Subtitle 2"/>
           <p:cNvSpPr>
             <a:spLocks noGrp="1"/>
           </p:cNvSpPr>
@@ -7857,8 +8402,8 @@
         </p:nvSpPr>
         <p:spPr bwMode="auto">
           <a:xfrm flipH="0" flipV="0">
-            <a:off x="444498" y="1155490"/>
-            <a:ext cx="9425622" cy="5115130"/>
+            <a:off x="444497" y="1155490"/>
+            <a:ext cx="9425622" cy="5115129"/>
           </a:xfrm>
         </p:spPr>
         <p:txBody>
@@ -8031,126 +8576,153 @@
           </a:lstStyle>
           <a:p>
             <a:pPr marL="0" indent="0">
-              <a:buFont typeface="Arial"/>
-              <a:buNone/>
-              <a:defRPr/>
-            </a:pPr>
-            <a:r>
-              <a:rPr lang="en-US" sz="2000" b="1"/>
-              <a:t>Projects</a:t>
-            </a:r>
-            <a:endParaRPr lang="en-US" sz="2000" b="1"/>
-          </a:p>
-          <a:p>
-            <a:pPr marL="0" indent="0">
-              <a:buFont typeface="Arial"/>
-              <a:buNone/>
-              <a:defRPr/>
-            </a:pPr>
-            <a:endParaRPr lang="en-US" sz="2000" b="1"/>
-          </a:p>
-          <a:p>
-            <a:pPr>
-              <a:buFont typeface="Arial"/>
-              <a:buChar char="–"/>
-              <a:defRPr/>
-            </a:pPr>
-            <a:r>
-              <a:rPr lang="en-US" sz="2000" b="0" i="0" u="none" strike="noStrike" cap="none" spc="0">
-                <a:solidFill>
-                  <a:schemeClr val="tx1"/>
-                </a:solidFill>
-                <a:latin typeface="Arial"/>
-                <a:ea typeface="Arial"/>
-                <a:cs typeface="Arial"/>
-              </a:rPr>
-              <a:t>project</a:t>
-            </a:r>
-            <a:endParaRPr sz="2000"/>
-          </a:p>
-          <a:p>
-            <a:pPr>
-              <a:buFont typeface="Arial"/>
-              <a:buChar char="–"/>
-              <a:defRPr/>
-            </a:pPr>
-            <a:r>
-              <a:rPr lang="en-US" sz="2000" b="0" i="0" u="none" strike="noStrike" cap="none" spc="0">
-                <a:solidFill>
-                  <a:schemeClr val="tx1"/>
-                </a:solidFill>
-                <a:latin typeface="Arial"/>
-                <a:ea typeface="Arial"/>
-                <a:cs typeface="Arial"/>
-              </a:rPr>
-              <a:t>project</a:t>
-            </a:r>
-            <a:endParaRPr sz="2000"/>
-          </a:p>
-          <a:p>
-            <a:pPr>
-              <a:buFont typeface="Arial"/>
-              <a:buChar char="–"/>
-              <a:defRPr/>
-            </a:pPr>
-            <a:r>
-              <a:rPr lang="en-US" sz="2000" b="0" i="0" u="none" strike="noStrike" cap="none" spc="0">
-                <a:solidFill>
-                  <a:schemeClr val="tx1"/>
-                </a:solidFill>
-                <a:latin typeface="Arial"/>
-                <a:ea typeface="Arial"/>
-                <a:cs typeface="Arial"/>
-              </a:rPr>
-              <a:t>project</a:t>
-            </a:r>
-            <a:endParaRPr sz="2000"/>
-          </a:p>
-          <a:p>
-            <a:pPr>
-              <a:buFont typeface="Arial"/>
-              <a:buChar char="–"/>
-              <a:defRPr/>
-            </a:pPr>
-            <a:r>
-              <a:rPr lang="en-US" sz="2000" b="0" i="0" u="none" strike="noStrike" cap="none" spc="0">
-                <a:solidFill>
-                  <a:schemeClr val="tx1"/>
-                </a:solidFill>
-                <a:latin typeface="Arial"/>
-                <a:ea typeface="Arial"/>
-                <a:cs typeface="Arial"/>
-              </a:rPr>
-              <a:t>project</a:t>
-            </a:r>
-            <a:endParaRPr sz="2000"/>
-          </a:p>
-          <a:p>
-            <a:pPr>
-              <a:buFont typeface="Arial"/>
-              <a:buChar char="–"/>
-              <a:defRPr/>
-            </a:pPr>
-            <a:r>
-              <a:rPr lang="en-US" sz="2000" b="0" i="0" u="none" strike="noStrike" cap="none" spc="0">
-                <a:solidFill>
-                  <a:schemeClr val="tx1"/>
-                </a:solidFill>
-                <a:latin typeface="Arial"/>
-                <a:ea typeface="Arial"/>
-                <a:cs typeface="Arial"/>
-              </a:rPr>
-              <a:t>project</a:t>
-            </a:r>
-            <a:endParaRPr sz="2000"/>
-          </a:p>
-          <a:p>
-            <a:pPr marL="0" indent="0">
-              <a:buFont typeface="Arial"/>
+              <a:buFont typeface="Wingdings"/>
               <a:buNone/>
               <a:defRPr/>
             </a:pPr>
             <a:endParaRPr lang="en-US" sz="2000"/>
+          </a:p>
+          <a:p>
+            <a:pPr>
+              <a:buFont typeface="Wingdings"/>
+              <a:buChar char="Ø"/>
+              <a:defRPr/>
+            </a:pPr>
+            <a:endParaRPr lang="en-US" sz="2000"/>
+          </a:p>
+        </p:txBody>
+      </p:sp>
+      <p:sp>
+        <p:nvSpPr>
+          <p:cNvPr id="629898786" name=""/>
+          <p:cNvSpPr txBox="1"/>
+          <p:nvPr/>
+        </p:nvSpPr>
+        <p:spPr bwMode="auto">
+          <a:xfrm flipH="0" flipV="0">
+            <a:off x="319124" y="1158874"/>
+            <a:ext cx="10087544" cy="4224887"/>
+          </a:xfrm>
+          <a:prstGeom prst="rect">
+            <a:avLst/>
+          </a:prstGeom>
+          <a:noFill/>
+        </p:spPr>
+        <p:txBody>
+          <a:bodyPr vertOverflow="overflow" horzOverflow="overflow" vert="horz" wrap="square" lIns="91440" tIns="45720" rIns="91440" bIns="45720" numCol="1" spcCol="0" rtlCol="0" fromWordArt="0" anchor="t" anchorCtr="0" forceAA="0" upright="0" compatLnSpc="0">
+            <a:spAutoFit/>
+          </a:bodyPr>
+          <a:p>
+            <a:pPr>
+              <a:defRPr/>
+            </a:pPr>
+            <a:r>
+              <a:rPr sz="2400" b="1"/>
+              <a:t>Objectives:</a:t>
+            </a:r>
+            <a:endParaRPr sz="2400" b="1"/>
+          </a:p>
+          <a:p>
+            <a:pPr>
+              <a:defRPr/>
+            </a:pPr>
+            <a:endParaRPr sz="2400"/>
+          </a:p>
+          <a:p>
+            <a:pPr marL="349965" indent="-349965">
+              <a:buFont typeface="Wingdings"/>
+              <a:buChar char="ü"/>
+              <a:defRPr/>
+            </a:pPr>
+            <a:r>
+              <a:rPr sz="2400"/>
+              <a:t>Learn to use Arduino board </a:t>
+            </a:r>
+            <a:endParaRPr sz="2400"/>
+          </a:p>
+          <a:p>
+            <a:pPr>
+              <a:defRPr/>
+            </a:pPr>
+            <a:r>
+              <a:rPr sz="2400"/>
+              <a:t>	- Layout</a:t>
+            </a:r>
+            <a:endParaRPr sz="2400"/>
+          </a:p>
+          <a:p>
+            <a:pPr>
+              <a:defRPr/>
+            </a:pPr>
+            <a:r>
+              <a:rPr sz="2400"/>
+              <a:t>	- Programming</a:t>
+            </a:r>
+            <a:endParaRPr sz="2400"/>
+          </a:p>
+          <a:p>
+            <a:pPr>
+              <a:defRPr/>
+            </a:pPr>
+            <a:r>
+              <a:rPr sz="2400"/>
+              <a:t>	- common sensors.</a:t>
+            </a:r>
+            <a:endParaRPr sz="2400"/>
+          </a:p>
+          <a:p>
+            <a:pPr>
+              <a:defRPr/>
+            </a:pPr>
+            <a:r>
+              <a:rPr sz="2400"/>
+              <a:t>	- common actuators.</a:t>
+            </a:r>
+            <a:endParaRPr sz="2400"/>
+          </a:p>
+          <a:p>
+            <a:pPr>
+              <a:defRPr/>
+            </a:pPr>
+            <a:endParaRPr sz="2400"/>
+          </a:p>
+          <a:p>
+            <a:pPr marL="349965" indent="-349965">
+              <a:lnSpc>
+                <a:spcPct val="114999"/>
+              </a:lnSpc>
+              <a:buFont typeface="Wingdings"/>
+              <a:buChar char="ü"/>
+              <a:defRPr/>
+            </a:pPr>
+            <a:r>
+              <a:rPr sz="2400"/>
+              <a:t>Learn by building, some electronic concepts and circuits.</a:t>
+            </a:r>
+            <a:endParaRPr sz="2400"/>
+          </a:p>
+          <a:p>
+            <a:pPr marL="349965" indent="-349965">
+              <a:lnSpc>
+                <a:spcPct val="114999"/>
+              </a:lnSpc>
+              <a:buFont typeface="Wingdings"/>
+              <a:buChar char="ü"/>
+              <a:defRPr/>
+            </a:pPr>
+            <a:r>
+              <a:rPr sz="2400"/>
+              <a:t>Gain searching skills for new topics and applying them.</a:t>
+            </a:r>
+            <a:endParaRPr sz="2400"/>
+          </a:p>
+          <a:p>
+            <a:pPr marL="349965" indent="-349965">
+              <a:buFont typeface="Wingdings"/>
+              <a:buChar char="ü"/>
+              <a:defRPr/>
+            </a:pPr>
+            <a:endParaRPr sz="2400"/>
           </a:p>
         </p:txBody>
       </p:sp>
@@ -8170,7 +8742,7 @@
 </p:sld>
 </file>
 
-<file path=ppt/slides/slide4.xml><?xml version="1.0" encoding="utf-8"?>
+<file path=ppt/slides/slide5.xml><?xml version="1.0" encoding="utf-8"?>
 <p:sld xmlns:a="http://schemas.openxmlformats.org/drawingml/2006/main" xmlns:r="http://schemas.openxmlformats.org/officeDocument/2006/relationships" xmlns:p="http://schemas.openxmlformats.org/presentationml/2006/main" xmlns:m="http://schemas.openxmlformats.org/officeDocument/2006/math" xmlns:w="http://schemas.openxmlformats.org/wordprocessingml/2006/main" showMasterPhAnim="0" show="1">
   <p:cSld name="">
     <p:spTree>
@@ -8189,7 +8761,7 @@
       </p:grpSpPr>
       <p:sp>
         <p:nvSpPr>
-          <p:cNvPr id="849011445" name="Title 1"/>
+          <p:cNvPr id="1239220435" name="Title 1"/>
           <p:cNvSpPr>
             <a:spLocks noGrp="1"/>
           </p:cNvSpPr>
@@ -8211,16 +8783,16 @@
               <a:defRPr/>
             </a:pPr>
             <a:r>
-              <a:rPr lang="en-US" sz="3600"/>
-              <a:t>What is meant by embedded systems?</a:t>
-            </a:r>
-            <a:endParaRPr sz="3600"/>
-          </a:p>
-        </p:txBody>
-      </p:sp>
-      <p:sp>
-        <p:nvSpPr>
-          <p:cNvPr id="1959009475" name="Subtitle 2"/>
+              <a:rPr lang="en-US" sz="3600" b="1"/>
+              <a:t>Course overview(2)</a:t>
+            </a:r>
+            <a:endParaRPr sz="3600" b="1"/>
+          </a:p>
+        </p:txBody>
+      </p:sp>
+      <p:sp>
+        <p:nvSpPr>
+          <p:cNvPr id="183721973" name="Subtitle 2"/>
           <p:cNvSpPr>
             <a:spLocks noGrp="1"/>
           </p:cNvSpPr>
@@ -8228,8 +8800,8 @@
         </p:nvSpPr>
         <p:spPr bwMode="auto">
           <a:xfrm flipH="0" flipV="0">
-            <a:off x="444498" y="1155490"/>
-            <a:ext cx="9425622" cy="5115130"/>
+            <a:off x="444497" y="1155490"/>
+            <a:ext cx="9425622" cy="5115129"/>
           </a:xfrm>
         </p:spPr>
         <p:txBody>
@@ -8402,24 +8974,32 @@
           </a:lstStyle>
           <a:p>
             <a:pPr marL="0" indent="0">
-              <a:buFont typeface="Arial"/>
+              <a:buFont typeface="Wingdings"/>
               <a:buNone/>
               <a:defRPr/>
             </a:pPr>
             <a:endParaRPr lang="en-US" sz="2000"/>
           </a:p>
-        </p:txBody>
-      </p:sp>
-      <p:sp>
-        <p:nvSpPr>
-          <p:cNvPr id="59581532" name=""/>
+          <a:p>
+            <a:pPr>
+              <a:buFont typeface="Wingdings"/>
+              <a:buChar char="Ø"/>
+              <a:defRPr/>
+            </a:pPr>
+            <a:endParaRPr lang="en-US" sz="2000"/>
+          </a:p>
+        </p:txBody>
+      </p:sp>
+      <p:sp>
+        <p:nvSpPr>
+          <p:cNvPr id="1362696252" name=""/>
           <p:cNvSpPr txBox="1"/>
           <p:nvPr/>
         </p:nvSpPr>
         <p:spPr bwMode="auto">
           <a:xfrm flipH="0" flipV="0">
-            <a:off x="735491" y="1249180"/>
-            <a:ext cx="10695478" cy="1554840"/>
+            <a:off x="319123" y="1158874"/>
+            <a:ext cx="11333565" cy="5090519"/>
           </a:xfrm>
           <a:prstGeom prst="rect">
             <a:avLst/>
@@ -8435,10 +9015,339 @@
               <a:defRPr/>
             </a:pPr>
             <a:r>
-              <a:rPr sz="2400"/>
-              <a:t>An embedded system is a combination of hardware and software integrated as a part of a bigger systems or standalone systems, and can execute a specific function.</a:t>
-            </a:r>
-            <a:endParaRPr sz="2400"/>
+              <a:rPr sz="2400" b="1"/>
+              <a:t>Content:</a:t>
+            </a:r>
+            <a:endParaRPr sz="2400" b="1"/>
+          </a:p>
+          <a:p>
+            <a:pPr>
+              <a:defRPr/>
+            </a:pPr>
+            <a:r>
+              <a:rPr lang="en-US" sz="2000" b="0" i="0" u="none" strike="noStrike" cap="none" spc="0">
+                <a:solidFill>
+                  <a:srgbClr val="000000"/>
+                </a:solidFill>
+                <a:latin typeface="Times New Roman"/>
+                <a:ea typeface="Times New Roman"/>
+                <a:cs typeface="Times New Roman"/>
+              </a:rPr>
+              <a:t>- what is an embedded systems</a:t>
+            </a:r>
+            <a:endParaRPr sz="2000" b="0" i="0" u="none">
+              <a:solidFill>
+                <a:srgbClr val="000000"/>
+              </a:solidFill>
+              <a:latin typeface="Times New Roman"/>
+              <a:ea typeface="Times New Roman"/>
+              <a:cs typeface="Times New Roman"/>
+            </a:endParaRPr>
+          </a:p>
+          <a:p>
+            <a:pPr>
+              <a:defRPr/>
+            </a:pPr>
+            <a:r>
+              <a:rPr lang="en-US" sz="2000" b="0" i="0" u="none" strike="noStrike" cap="none" spc="0">
+                <a:solidFill>
+                  <a:srgbClr val="000000"/>
+                </a:solidFill>
+                <a:latin typeface="Times New Roman"/>
+                <a:ea typeface="Times New Roman"/>
+                <a:cs typeface="Times New Roman"/>
+              </a:rPr>
+              <a:t>- what is arduino, capabilites, and types </a:t>
+            </a:r>
+            <a:endParaRPr sz="2000" b="0" i="0" u="none">
+              <a:solidFill>
+                <a:srgbClr val="000000"/>
+              </a:solidFill>
+              <a:latin typeface="Times New Roman"/>
+              <a:ea typeface="Times New Roman"/>
+              <a:cs typeface="Times New Roman"/>
+            </a:endParaRPr>
+          </a:p>
+          <a:p>
+            <a:pPr>
+              <a:defRPr/>
+            </a:pPr>
+            <a:r>
+              <a:rPr lang="en-US" sz="2000" b="0" i="0" u="none" strike="noStrike" cap="none" spc="0">
+                <a:solidFill>
+                  <a:srgbClr val="000000"/>
+                </a:solidFill>
+                <a:latin typeface="Times New Roman"/>
+                <a:ea typeface="Times New Roman"/>
+                <a:cs typeface="Times New Roman"/>
+              </a:rPr>
+              <a:t>- UNO board layout overview - Arduino IDE layout (what is compilation / flashing) </a:t>
+            </a:r>
+            <a:endParaRPr sz="2000" b="0" i="0" u="none">
+              <a:solidFill>
+                <a:srgbClr val="000000"/>
+              </a:solidFill>
+              <a:latin typeface="Times New Roman"/>
+              <a:ea typeface="Times New Roman"/>
+              <a:cs typeface="Times New Roman"/>
+            </a:endParaRPr>
+          </a:p>
+          <a:p>
+            <a:pPr>
+              <a:defRPr/>
+            </a:pPr>
+            <a:r>
+              <a:rPr lang="en-US" sz="2000" b="0" i="0" u="none" strike="noStrike" cap="none" spc="0">
+                <a:solidFill>
+                  <a:srgbClr val="000000"/>
+                </a:solidFill>
+                <a:latin typeface="Times New Roman"/>
+                <a:ea typeface="Times New Roman"/>
+                <a:cs typeface="Times New Roman"/>
+              </a:rPr>
+              <a:t>- Basic programming (variables, function, loops, conditional statements, datatypes, operators)  </a:t>
+            </a:r>
+            <a:endParaRPr sz="2000" b="0" i="0" u="none">
+              <a:solidFill>
+                <a:srgbClr val="000000"/>
+              </a:solidFill>
+              <a:latin typeface="Times New Roman"/>
+              <a:ea typeface="Times New Roman"/>
+              <a:cs typeface="Times New Roman"/>
+            </a:endParaRPr>
+          </a:p>
+          <a:p>
+            <a:pPr>
+              <a:defRPr/>
+            </a:pPr>
+            <a:r>
+              <a:rPr lang="en-US" sz="2000" b="0" i="0" u="none" strike="noStrike" cap="none" spc="0">
+                <a:solidFill>
+                  <a:srgbClr val="000000"/>
+                </a:solidFill>
+                <a:latin typeface="Times New Roman"/>
+                <a:ea typeface="Times New Roman"/>
+                <a:cs typeface="Times New Roman"/>
+              </a:rPr>
+              <a:t>- Binary systems </a:t>
+            </a:r>
+            <a:endParaRPr sz="2000" b="0" i="0" u="none">
+              <a:solidFill>
+                <a:srgbClr val="000000"/>
+              </a:solidFill>
+              <a:latin typeface="Times New Roman"/>
+              <a:ea typeface="Times New Roman"/>
+              <a:cs typeface="Times New Roman"/>
+            </a:endParaRPr>
+          </a:p>
+          <a:p>
+            <a:pPr>
+              <a:defRPr/>
+            </a:pPr>
+            <a:r>
+              <a:rPr lang="en-US" sz="2000" b="0" i="0" u="none" strike="noStrike" cap="none" spc="0">
+                <a:solidFill>
+                  <a:srgbClr val="000000"/>
+                </a:solidFill>
+                <a:latin typeface="Times New Roman"/>
+                <a:ea typeface="Times New Roman"/>
+                <a:cs typeface="Times New Roman"/>
+              </a:rPr>
+              <a:t>- Pulse Width Modulation (software and hardware.)</a:t>
+            </a:r>
+            <a:endParaRPr sz="2000" b="0" i="0" u="none">
+              <a:solidFill>
+                <a:srgbClr val="000000"/>
+              </a:solidFill>
+              <a:latin typeface="Times New Roman"/>
+              <a:ea typeface="Times New Roman"/>
+              <a:cs typeface="Times New Roman"/>
+            </a:endParaRPr>
+          </a:p>
+          <a:p>
+            <a:pPr>
+              <a:defRPr/>
+            </a:pPr>
+            <a:r>
+              <a:rPr lang="en-US" sz="2000" b="0" i="0" u="none" strike="noStrike" cap="none" spc="0">
+                <a:solidFill>
+                  <a:srgbClr val="000000"/>
+                </a:solidFill>
+                <a:latin typeface="Times New Roman"/>
+                <a:ea typeface="Times New Roman"/>
+                <a:cs typeface="Times New Roman"/>
+              </a:rPr>
+              <a:t>- Arduino functions: digital/analog read/write, pinmode, delays,...</a:t>
+            </a:r>
+            <a:endParaRPr sz="2000" b="0" i="0" u="none">
+              <a:solidFill>
+                <a:srgbClr val="000000"/>
+              </a:solidFill>
+              <a:latin typeface="Times New Roman"/>
+              <a:ea typeface="Times New Roman"/>
+              <a:cs typeface="Times New Roman"/>
+            </a:endParaRPr>
+          </a:p>
+          <a:p>
+            <a:pPr>
+              <a:defRPr/>
+            </a:pPr>
+            <a:r>
+              <a:rPr lang="en-US" sz="2000" b="0" i="0" u="none" strike="noStrike" cap="none" spc="0">
+                <a:solidFill>
+                  <a:srgbClr val="000000"/>
+                </a:solidFill>
+                <a:latin typeface="Times New Roman"/>
+                <a:ea typeface="Times New Roman"/>
+                <a:cs typeface="Times New Roman"/>
+              </a:rPr>
+              <a:t>- LED, resistors, ohms low, PULLUP/PULLDOWN resistors, button, button as toggle, breadboard.  </a:t>
+            </a:r>
+            <a:endParaRPr sz="2000" b="0" i="0" u="none">
+              <a:solidFill>
+                <a:srgbClr val="000000"/>
+              </a:solidFill>
+              <a:latin typeface="Times New Roman"/>
+              <a:ea typeface="Times New Roman"/>
+              <a:cs typeface="Times New Roman"/>
+            </a:endParaRPr>
+          </a:p>
+          <a:p>
+            <a:pPr>
+              <a:defRPr/>
+            </a:pPr>
+            <a:r>
+              <a:rPr lang="en-US" sz="2000" b="0" i="0" u="none" strike="noStrike" cap="none" spc="0">
+                <a:solidFill>
+                  <a:srgbClr val="000000"/>
+                </a:solidFill>
+                <a:latin typeface="Times New Roman"/>
+                <a:ea typeface="Times New Roman"/>
+                <a:cs typeface="Times New Roman"/>
+              </a:rPr>
+              <a:t>- sensors: ultrasonic, ir receiver/transmitter, light, humidity, temperature, buzzers, sound, color  sensor ...) </a:t>
+            </a:r>
+            <a:endParaRPr sz="2000" b="0" i="0" u="none">
+              <a:solidFill>
+                <a:srgbClr val="000000"/>
+              </a:solidFill>
+              <a:latin typeface="Times New Roman"/>
+              <a:ea typeface="Times New Roman"/>
+              <a:cs typeface="Times New Roman"/>
+            </a:endParaRPr>
+          </a:p>
+          <a:p>
+            <a:pPr>
+              <a:defRPr/>
+            </a:pPr>
+            <a:r>
+              <a:rPr lang="en-US" sz="2000" b="0" i="0" u="none" strike="noStrike" cap="none" spc="0">
+                <a:solidFill>
+                  <a:srgbClr val="000000"/>
+                </a:solidFill>
+                <a:latin typeface="Times New Roman"/>
+                <a:ea typeface="Times New Roman"/>
+                <a:cs typeface="Times New Roman"/>
+              </a:rPr>
+              <a:t>- potentiometer </a:t>
+            </a:r>
+            <a:endParaRPr sz="2000" b="0" i="0" u="none">
+              <a:solidFill>
+                <a:srgbClr val="000000"/>
+              </a:solidFill>
+              <a:latin typeface="Times New Roman"/>
+              <a:ea typeface="Times New Roman"/>
+              <a:cs typeface="Times New Roman"/>
+            </a:endParaRPr>
+          </a:p>
+          <a:p>
+            <a:pPr>
+              <a:defRPr/>
+            </a:pPr>
+            <a:r>
+              <a:rPr lang="en-US" sz="2000" b="0" i="0" u="none" strike="noStrike" cap="none" spc="0">
+                <a:solidFill>
+                  <a:srgbClr val="000000"/>
+                </a:solidFill>
+                <a:latin typeface="Times New Roman"/>
+                <a:ea typeface="Times New Roman"/>
+                <a:cs typeface="Times New Roman"/>
+              </a:rPr>
+              <a:t>- motors: dc motors and motor drivers, servo motors and libraries. </a:t>
+            </a:r>
+            <a:endParaRPr sz="2000" b="0" i="0" u="none">
+              <a:solidFill>
+                <a:srgbClr val="000000"/>
+              </a:solidFill>
+              <a:latin typeface="Times New Roman"/>
+              <a:ea typeface="Times New Roman"/>
+              <a:cs typeface="Times New Roman"/>
+            </a:endParaRPr>
+          </a:p>
+          <a:p>
+            <a:pPr>
+              <a:defRPr/>
+            </a:pPr>
+            <a:r>
+              <a:rPr lang="en-US" sz="2000" b="0" i="0" u="none" strike="noStrike" cap="none" spc="0">
+                <a:solidFill>
+                  <a:srgbClr val="000000"/>
+                </a:solidFill>
+                <a:latin typeface="Times New Roman"/>
+                <a:ea typeface="Times New Roman"/>
+                <a:cs typeface="Times New Roman"/>
+              </a:rPr>
+              <a:t>- serial communication, serial monitor and serial plotter </a:t>
+            </a:r>
+            <a:endParaRPr sz="2000" b="0" i="0" u="none">
+              <a:solidFill>
+                <a:srgbClr val="000000"/>
+              </a:solidFill>
+              <a:latin typeface="Times New Roman"/>
+              <a:ea typeface="Times New Roman"/>
+              <a:cs typeface="Times New Roman"/>
+            </a:endParaRPr>
+          </a:p>
+          <a:p>
+            <a:pPr>
+              <a:defRPr/>
+            </a:pPr>
+            <a:r>
+              <a:rPr lang="en-US" sz="2000" b="0" i="0" u="none" strike="noStrike" cap="none" spc="0">
+                <a:solidFill>
+                  <a:srgbClr val="000000"/>
+                </a:solidFill>
+                <a:latin typeface="Times New Roman"/>
+                <a:ea typeface="Times New Roman"/>
+                <a:cs typeface="Times New Roman"/>
+              </a:rPr>
+              <a:t>- possibly LCD screen </a:t>
+            </a:r>
+            <a:endParaRPr sz="2000" b="0" i="0" u="none">
+              <a:solidFill>
+                <a:srgbClr val="000000"/>
+              </a:solidFill>
+              <a:latin typeface="Times New Roman"/>
+              <a:ea typeface="Times New Roman"/>
+              <a:cs typeface="Times New Roman"/>
+            </a:endParaRPr>
+          </a:p>
+          <a:p>
+            <a:pPr>
+              <a:defRPr/>
+            </a:pPr>
+            <a:r>
+              <a:rPr lang="en-US" sz="2000" b="0" i="0" u="none" strike="noStrike" cap="none" spc="0">
+                <a:solidFill>
+                  <a:srgbClr val="000000"/>
+                </a:solidFill>
+                <a:latin typeface="Times New Roman"/>
+                <a:ea typeface="Times New Roman"/>
+                <a:cs typeface="Times New Roman"/>
+              </a:rPr>
+              <a:t>- possible light dependent resistor LDR (sun tracking project)</a:t>
+            </a:r>
+            <a:endParaRPr sz="2000" b="1"/>
           </a:p>
           <a:p>
             <a:pPr>
@@ -8464,7 +9373,7 @@
 </p:sld>
 </file>
 
-<file path=ppt/slides/slide5.xml><?xml version="1.0" encoding="utf-8"?>
+<file path=ppt/slides/slide6.xml><?xml version="1.0" encoding="utf-8"?>
 <p:sld xmlns:a="http://schemas.openxmlformats.org/drawingml/2006/main" xmlns:r="http://schemas.openxmlformats.org/officeDocument/2006/relationships" xmlns:p="http://schemas.openxmlformats.org/presentationml/2006/main" xmlns:m="http://schemas.openxmlformats.org/officeDocument/2006/math" xmlns:w="http://schemas.openxmlformats.org/wordprocessingml/2006/main" showMasterPhAnim="0" show="1">
   <p:cSld name="">
     <p:spTree>
@@ -8483,7 +9392,775 @@
       </p:grpSpPr>
       <p:sp>
         <p:nvSpPr>
-          <p:cNvPr id="274393776" name="Title 1"/>
+          <p:cNvPr id="11058977" name="Title 1"/>
+          <p:cNvSpPr>
+            <a:spLocks noGrp="1"/>
+          </p:cNvSpPr>
+          <p:nvPr>
+            <p:ph type="ctrTitle"/>
+          </p:nvPr>
+        </p:nvSpPr>
+        <p:spPr bwMode="auto">
+          <a:xfrm flipH="0" flipV="0">
+            <a:off x="190498" y="15873"/>
+            <a:ext cx="9144000" cy="1192211"/>
+          </a:xfrm>
+        </p:spPr>
+        <p:txBody>
+          <a:bodyPr/>
+          <a:lstStyle/>
+          <a:p>
+            <a:pPr>
+              <a:defRPr/>
+            </a:pPr>
+            <a:r>
+              <a:rPr lang="en-US" sz="3600" b="1"/>
+              <a:t>Session 1 breakdown</a:t>
+            </a:r>
+            <a:endParaRPr sz="3600" b="1"/>
+          </a:p>
+        </p:txBody>
+      </p:sp>
+      <p:sp>
+        <p:nvSpPr>
+          <p:cNvPr id="633312640" name="Subtitle 2"/>
+          <p:cNvSpPr>
+            <a:spLocks noGrp="1"/>
+          </p:cNvSpPr>
+          <p:nvPr/>
+        </p:nvSpPr>
+        <p:spPr bwMode="auto">
+          <a:xfrm flipH="0" flipV="0">
+            <a:off x="444497" y="1155490"/>
+            <a:ext cx="9425622" cy="5115129"/>
+          </a:xfrm>
+        </p:spPr>
+        <p:txBody>
+          <a:bodyPr vertOverflow="overflow" horzOverflow="overflow" vert="horz" wrap="square" lIns="91440" tIns="45720" rIns="91440" bIns="45720" numCol="1" spcCol="0" rtlCol="0" fromWordArt="0" anchor="t" anchorCtr="0" forceAA="0" upright="0" compatLnSpc="0">
+            <a:normAutofit/>
+          </a:bodyPr>
+          <a:lstStyle>
+            <a:lvl1pPr marL="228600" indent="-228600" algn="l" defTabSz="914400">
+              <a:lnSpc>
+                <a:spcPct val="90000"/>
+              </a:lnSpc>
+              <a:spcBef>
+                <a:spcPts val="998"/>
+              </a:spcBef>
+              <a:buFont typeface="Arial"/>
+              <a:buChar char="•"/>
+              <a:defRPr sz="2800">
+                <a:solidFill>
+                  <a:schemeClr val="tx1"/>
+                </a:solidFill>
+                <a:latin typeface="+mn-lt"/>
+                <a:ea typeface="+mn-ea"/>
+                <a:cs typeface="+mn-cs"/>
+              </a:defRPr>
+            </a:lvl1pPr>
+            <a:lvl2pPr marL="685800" indent="-228600" algn="l" defTabSz="914400">
+              <a:lnSpc>
+                <a:spcPct val="90000"/>
+              </a:lnSpc>
+              <a:spcBef>
+                <a:spcPts val="498"/>
+              </a:spcBef>
+              <a:buFont typeface="Arial"/>
+              <a:buChar char="•"/>
+              <a:defRPr sz="2400">
+                <a:solidFill>
+                  <a:schemeClr val="tx1"/>
+                </a:solidFill>
+                <a:latin typeface="+mn-lt"/>
+                <a:ea typeface="+mn-ea"/>
+                <a:cs typeface="+mn-cs"/>
+              </a:defRPr>
+            </a:lvl2pPr>
+            <a:lvl3pPr marL="1143000" indent="-228600" algn="l" defTabSz="914400">
+              <a:lnSpc>
+                <a:spcPct val="90000"/>
+              </a:lnSpc>
+              <a:spcBef>
+                <a:spcPts val="498"/>
+              </a:spcBef>
+              <a:buFont typeface="Arial"/>
+              <a:buChar char="•"/>
+              <a:defRPr sz="2000">
+                <a:solidFill>
+                  <a:schemeClr val="tx1"/>
+                </a:solidFill>
+                <a:latin typeface="+mn-lt"/>
+                <a:ea typeface="+mn-ea"/>
+                <a:cs typeface="+mn-cs"/>
+              </a:defRPr>
+            </a:lvl3pPr>
+            <a:lvl4pPr marL="1600200" indent="-228600" algn="l" defTabSz="914400">
+              <a:lnSpc>
+                <a:spcPct val="90000"/>
+              </a:lnSpc>
+              <a:spcBef>
+                <a:spcPts val="498"/>
+              </a:spcBef>
+              <a:buFont typeface="Arial"/>
+              <a:buChar char="•"/>
+              <a:defRPr sz="1800">
+                <a:solidFill>
+                  <a:schemeClr val="tx1"/>
+                </a:solidFill>
+                <a:latin typeface="+mn-lt"/>
+                <a:ea typeface="+mn-ea"/>
+                <a:cs typeface="+mn-cs"/>
+              </a:defRPr>
+            </a:lvl4pPr>
+            <a:lvl5pPr marL="2057400" indent="-228600" algn="l" defTabSz="914400">
+              <a:lnSpc>
+                <a:spcPct val="90000"/>
+              </a:lnSpc>
+              <a:spcBef>
+                <a:spcPts val="498"/>
+              </a:spcBef>
+              <a:buFont typeface="Arial"/>
+              <a:buChar char="•"/>
+              <a:defRPr sz="1800">
+                <a:solidFill>
+                  <a:schemeClr val="tx1"/>
+                </a:solidFill>
+                <a:latin typeface="+mn-lt"/>
+                <a:ea typeface="+mn-ea"/>
+                <a:cs typeface="+mn-cs"/>
+              </a:defRPr>
+            </a:lvl5pPr>
+            <a:lvl6pPr marL="2514598" indent="-228600" algn="l" defTabSz="914400">
+              <a:lnSpc>
+                <a:spcPct val="90000"/>
+              </a:lnSpc>
+              <a:spcBef>
+                <a:spcPts val="498"/>
+              </a:spcBef>
+              <a:buFont typeface="Arial"/>
+              <a:buChar char="•"/>
+              <a:defRPr sz="1800">
+                <a:solidFill>
+                  <a:schemeClr val="tx1"/>
+                </a:solidFill>
+                <a:latin typeface="+mn-lt"/>
+                <a:ea typeface="+mn-ea"/>
+                <a:cs typeface="+mn-cs"/>
+              </a:defRPr>
+            </a:lvl6pPr>
+            <a:lvl7pPr marL="2971800" indent="-228600" algn="l" defTabSz="914400">
+              <a:lnSpc>
+                <a:spcPct val="90000"/>
+              </a:lnSpc>
+              <a:spcBef>
+                <a:spcPts val="498"/>
+              </a:spcBef>
+              <a:buFont typeface="Arial"/>
+              <a:buChar char="•"/>
+              <a:defRPr sz="1800">
+                <a:solidFill>
+                  <a:schemeClr val="tx1"/>
+                </a:solidFill>
+                <a:latin typeface="+mn-lt"/>
+                <a:ea typeface="+mn-ea"/>
+                <a:cs typeface="+mn-cs"/>
+              </a:defRPr>
+            </a:lvl7pPr>
+            <a:lvl8pPr marL="3429000" indent="-228600" algn="l" defTabSz="914400">
+              <a:lnSpc>
+                <a:spcPct val="90000"/>
+              </a:lnSpc>
+              <a:spcBef>
+                <a:spcPts val="498"/>
+              </a:spcBef>
+              <a:buFont typeface="Arial"/>
+              <a:buChar char="•"/>
+              <a:defRPr sz="1800">
+                <a:solidFill>
+                  <a:schemeClr val="tx1"/>
+                </a:solidFill>
+                <a:latin typeface="+mn-lt"/>
+                <a:ea typeface="+mn-ea"/>
+                <a:cs typeface="+mn-cs"/>
+              </a:defRPr>
+            </a:lvl8pPr>
+            <a:lvl9pPr marL="3886200" indent="-228600" algn="l" defTabSz="914400">
+              <a:lnSpc>
+                <a:spcPct val="90000"/>
+              </a:lnSpc>
+              <a:spcBef>
+                <a:spcPts val="498"/>
+              </a:spcBef>
+              <a:buFont typeface="Arial"/>
+              <a:buChar char="•"/>
+              <a:defRPr sz="1800">
+                <a:solidFill>
+                  <a:schemeClr val="tx1"/>
+                </a:solidFill>
+                <a:latin typeface="+mn-lt"/>
+                <a:ea typeface="+mn-ea"/>
+                <a:cs typeface="+mn-cs"/>
+              </a:defRPr>
+            </a:lvl9pPr>
+          </a:lstStyle>
+          <a:p>
+            <a:pPr marL="0" indent="0">
+              <a:buFont typeface="Wingdings"/>
+              <a:buNone/>
+              <a:defRPr/>
+            </a:pPr>
+            <a:endParaRPr lang="en-US" sz="2000"/>
+          </a:p>
+          <a:p>
+            <a:pPr>
+              <a:buFont typeface="Wingdings"/>
+              <a:buChar char="Ø"/>
+              <a:defRPr/>
+            </a:pPr>
+            <a:endParaRPr lang="en-US" sz="2000"/>
+          </a:p>
+        </p:txBody>
+      </p:sp>
+      <p:sp>
+        <p:nvSpPr>
+          <p:cNvPr id="1572748939" name=""/>
+          <p:cNvSpPr txBox="1"/>
+          <p:nvPr/>
+        </p:nvSpPr>
+        <p:spPr bwMode="auto">
+          <a:xfrm flipH="0" flipV="0">
+            <a:off x="319124" y="1539874"/>
+            <a:ext cx="11341099" cy="3877415"/>
+          </a:xfrm>
+          <a:prstGeom prst="rect">
+            <a:avLst/>
+          </a:prstGeom>
+          <a:noFill/>
+        </p:spPr>
+        <p:txBody>
+          <a:bodyPr vertOverflow="overflow" horzOverflow="overflow" vert="horz" wrap="square" lIns="91440" tIns="45720" rIns="91440" bIns="45720" numCol="1" spcCol="0" rtlCol="0" fromWordArt="0" anchor="t" anchorCtr="0" forceAA="0" upright="0" compatLnSpc="0">
+            <a:spAutoFit/>
+          </a:bodyPr>
+          <a:p>
+            <a:pPr marL="283879" indent="-283879">
+              <a:lnSpc>
+                <a:spcPct val="114999"/>
+              </a:lnSpc>
+              <a:buFont typeface="Wingdings"/>
+              <a:buChar char="Ø"/>
+              <a:defRPr/>
+            </a:pPr>
+            <a:r>
+              <a:rPr sz="2400"/>
+              <a:t>Embedded systems and why to learn it.</a:t>
+            </a:r>
+            <a:endParaRPr sz="2400"/>
+          </a:p>
+          <a:p>
+            <a:pPr marL="283879" indent="-283879">
+              <a:lnSpc>
+                <a:spcPct val="114999"/>
+              </a:lnSpc>
+              <a:buFont typeface="Wingdings"/>
+              <a:buChar char="Ø"/>
+              <a:defRPr/>
+            </a:pPr>
+            <a:r>
+              <a:rPr sz="2400"/>
+              <a:t>What is Arduino board? types and capabilities.</a:t>
+            </a:r>
+            <a:endParaRPr sz="2400"/>
+          </a:p>
+          <a:p>
+            <a:pPr marL="283879" indent="-283879">
+              <a:lnSpc>
+                <a:spcPct val="114999"/>
+              </a:lnSpc>
+              <a:buFont typeface="Wingdings"/>
+              <a:buChar char="Ø"/>
+              <a:defRPr/>
+            </a:pPr>
+            <a:r>
+              <a:rPr sz="2400"/>
+              <a:t>Arduino IDE.</a:t>
+            </a:r>
+            <a:endParaRPr sz="2400"/>
+          </a:p>
+          <a:p>
+            <a:pPr marL="283879" indent="-283879">
+              <a:lnSpc>
+                <a:spcPct val="114999"/>
+              </a:lnSpc>
+              <a:buFont typeface="Wingdings"/>
+              <a:buChar char="Ø"/>
+              <a:defRPr/>
+            </a:pPr>
+            <a:r>
+              <a:rPr sz="2400"/>
+              <a:t>Using digital pin and blinking on board LED.</a:t>
+            </a:r>
+            <a:endParaRPr sz="2400"/>
+          </a:p>
+          <a:p>
+            <a:pPr marL="283879" indent="-283879">
+              <a:lnSpc>
+                <a:spcPct val="114999"/>
+              </a:lnSpc>
+              <a:buFont typeface="Wingdings"/>
+              <a:buChar char="Ø"/>
+              <a:defRPr/>
+            </a:pPr>
+            <a:r>
+              <a:rPr sz="2400"/>
+              <a:t>Electronics basics (LED, resistor, Breadboard, Jumper wires, Caps and Trans).</a:t>
+            </a:r>
+            <a:endParaRPr sz="2400"/>
+          </a:p>
+          <a:p>
+            <a:pPr marL="283879" indent="-283879">
+              <a:lnSpc>
+                <a:spcPct val="114999"/>
+              </a:lnSpc>
+              <a:buFont typeface="Wingdings"/>
+              <a:buChar char="Ø"/>
+              <a:defRPr/>
+            </a:pPr>
+            <a:r>
+              <a:rPr sz="2400"/>
+              <a:t>Blinking external LED.</a:t>
+            </a:r>
+            <a:endParaRPr sz="2400"/>
+          </a:p>
+          <a:p>
+            <a:pPr marL="283879" indent="-283879">
+              <a:lnSpc>
+                <a:spcPct val="114999"/>
+              </a:lnSpc>
+              <a:buFont typeface="Wingdings"/>
+              <a:buChar char="Ø"/>
+              <a:defRPr/>
+            </a:pPr>
+            <a:r>
+              <a:rPr sz="2400"/>
+              <a:t>Traffic Light.</a:t>
+            </a:r>
+            <a:endParaRPr sz="2400"/>
+          </a:p>
+          <a:p>
+            <a:pPr marL="283879" indent="-283879">
+              <a:lnSpc>
+                <a:spcPct val="114999"/>
+              </a:lnSpc>
+              <a:buFont typeface="Wingdings"/>
+              <a:buChar char="Ø"/>
+              <a:defRPr/>
+            </a:pPr>
+            <a:r>
+              <a:rPr sz="2400"/>
+              <a:t>Software PWM.</a:t>
+            </a:r>
+            <a:endParaRPr sz="2400"/>
+          </a:p>
+          <a:p>
+            <a:pPr marL="283879" indent="-283879">
+              <a:lnSpc>
+                <a:spcPct val="114999"/>
+              </a:lnSpc>
+              <a:buFont typeface="Wingdings"/>
+              <a:buChar char="Ø"/>
+              <a:defRPr/>
+            </a:pPr>
+            <a:r>
+              <a:rPr sz="2400"/>
+              <a:t>Modes to power Arduino.</a:t>
+            </a:r>
+            <a:endParaRPr sz="2400"/>
+          </a:p>
+        </p:txBody>
+      </p:sp>
+    </p:spTree>
+  </p:cSld>
+  <p:clrMapOvr>
+    <a:masterClrMapping/>
+  </p:clrMapOvr>
+  <mc:AlternateContent xmlns:mc="http://schemas.openxmlformats.org/markup-compatibility/2006">
+    <mc:Choice xmlns:p159="http://schemas.microsoft.com/office/powerpoint/2015/09/main" xmlns:p14="http://schemas.microsoft.com/office/powerpoint/2010/main" Requires="p159">
+      <p:transition p14:dur="2000" advClick="1"/>
+    </mc:Choice>
+    <mc:Fallback>
+      <p:transition advClick="1"/>
+    </mc:Fallback>
+  </mc:AlternateContent>
+</p:sld>
+</file>
+
+<file path=ppt/slides/slide7.xml><?xml version="1.0" encoding="utf-8"?>
+<p:sld xmlns:a="http://schemas.openxmlformats.org/drawingml/2006/main" xmlns:r="http://schemas.openxmlformats.org/officeDocument/2006/relationships" xmlns:p="http://schemas.openxmlformats.org/presentationml/2006/main" xmlns:m="http://schemas.openxmlformats.org/officeDocument/2006/math" xmlns:w="http://schemas.openxmlformats.org/wordprocessingml/2006/main" showMasterPhAnim="0" show="1">
+  <p:cSld name="">
+    <p:bg>
+      <p:bgPr shadeToTitle="0">
+        <a:solidFill>
+          <a:schemeClr val="bg1">
+            <a:alpha val="99999"/>
+          </a:schemeClr>
+        </a:solidFill>
+      </p:bgPr>
+    </p:bg>
+    <p:spTree>
+      <p:nvGrpSpPr>
+        <p:cNvPr id="1" name=""/>
+        <p:cNvGrpSpPr/>
+        <p:nvPr/>
+      </p:nvGrpSpPr>
+      <p:grpSpPr bwMode="auto">
+        <a:xfrm>
+          <a:off x="0" y="0"/>
+          <a:ext cx="0" cy="0"/>
+          <a:chOff x="0" y="0"/>
+          <a:chExt cx="0" cy="0"/>
+        </a:xfrm>
+      </p:grpSpPr>
+      <p:sp>
+        <p:nvSpPr>
+          <p:cNvPr id="849011445" name="Title 1"/>
+          <p:cNvSpPr>
+            <a:spLocks noGrp="1"/>
+          </p:cNvSpPr>
+          <p:nvPr>
+            <p:ph type="ctrTitle"/>
+          </p:nvPr>
+        </p:nvSpPr>
+        <p:spPr bwMode="auto">
+          <a:xfrm flipH="0" flipV="0">
+            <a:off x="190498" y="15873"/>
+            <a:ext cx="9144000" cy="1192211"/>
+          </a:xfrm>
+        </p:spPr>
+        <p:txBody>
+          <a:bodyPr/>
+          <a:lstStyle/>
+          <a:p>
+            <a:pPr>
+              <a:defRPr/>
+            </a:pPr>
+            <a:r>
+              <a:rPr lang="en-US" sz="3600"/>
+              <a:t>What is meant by embedded systems?</a:t>
+            </a:r>
+            <a:endParaRPr sz="3600"/>
+          </a:p>
+        </p:txBody>
+      </p:sp>
+      <p:sp>
+        <p:nvSpPr>
+          <p:cNvPr id="1959009475" name="Subtitle 2"/>
+          <p:cNvSpPr>
+            <a:spLocks noGrp="1"/>
+          </p:cNvSpPr>
+          <p:nvPr/>
+        </p:nvSpPr>
+        <p:spPr bwMode="auto">
+          <a:xfrm flipH="0" flipV="0">
+            <a:off x="444498" y="1155490"/>
+            <a:ext cx="9425622" cy="5115130"/>
+          </a:xfrm>
+        </p:spPr>
+        <p:txBody>
+          <a:bodyPr vertOverflow="overflow" horzOverflow="overflow" vert="horz" wrap="square" lIns="91440" tIns="45720" rIns="91440" bIns="45720" numCol="1" spcCol="0" rtlCol="0" fromWordArt="0" anchor="t" anchorCtr="0" forceAA="0" upright="0" compatLnSpc="0">
+            <a:normAutofit/>
+          </a:bodyPr>
+          <a:lstStyle>
+            <a:lvl1pPr marL="228600" indent="-228600" algn="l" defTabSz="914400">
+              <a:lnSpc>
+                <a:spcPct val="90000"/>
+              </a:lnSpc>
+              <a:spcBef>
+                <a:spcPts val="998"/>
+              </a:spcBef>
+              <a:buFont typeface="Arial"/>
+              <a:buChar char="•"/>
+              <a:defRPr sz="2800">
+                <a:solidFill>
+                  <a:schemeClr val="tx1"/>
+                </a:solidFill>
+                <a:latin typeface="+mn-lt"/>
+                <a:ea typeface="+mn-ea"/>
+                <a:cs typeface="+mn-cs"/>
+              </a:defRPr>
+            </a:lvl1pPr>
+            <a:lvl2pPr marL="685800" indent="-228600" algn="l" defTabSz="914400">
+              <a:lnSpc>
+                <a:spcPct val="90000"/>
+              </a:lnSpc>
+              <a:spcBef>
+                <a:spcPts val="498"/>
+              </a:spcBef>
+              <a:buFont typeface="Arial"/>
+              <a:buChar char="•"/>
+              <a:defRPr sz="2400">
+                <a:solidFill>
+                  <a:schemeClr val="tx1"/>
+                </a:solidFill>
+                <a:latin typeface="+mn-lt"/>
+                <a:ea typeface="+mn-ea"/>
+                <a:cs typeface="+mn-cs"/>
+              </a:defRPr>
+            </a:lvl2pPr>
+            <a:lvl3pPr marL="1143000" indent="-228600" algn="l" defTabSz="914400">
+              <a:lnSpc>
+                <a:spcPct val="90000"/>
+              </a:lnSpc>
+              <a:spcBef>
+                <a:spcPts val="498"/>
+              </a:spcBef>
+              <a:buFont typeface="Arial"/>
+              <a:buChar char="•"/>
+              <a:defRPr sz="2000">
+                <a:solidFill>
+                  <a:schemeClr val="tx1"/>
+                </a:solidFill>
+                <a:latin typeface="+mn-lt"/>
+                <a:ea typeface="+mn-ea"/>
+                <a:cs typeface="+mn-cs"/>
+              </a:defRPr>
+            </a:lvl3pPr>
+            <a:lvl4pPr marL="1600200" indent="-228600" algn="l" defTabSz="914400">
+              <a:lnSpc>
+                <a:spcPct val="90000"/>
+              </a:lnSpc>
+              <a:spcBef>
+                <a:spcPts val="498"/>
+              </a:spcBef>
+              <a:buFont typeface="Arial"/>
+              <a:buChar char="•"/>
+              <a:defRPr sz="1800">
+                <a:solidFill>
+                  <a:schemeClr val="tx1"/>
+                </a:solidFill>
+                <a:latin typeface="+mn-lt"/>
+                <a:ea typeface="+mn-ea"/>
+                <a:cs typeface="+mn-cs"/>
+              </a:defRPr>
+            </a:lvl4pPr>
+            <a:lvl5pPr marL="2057400" indent="-228600" algn="l" defTabSz="914400">
+              <a:lnSpc>
+                <a:spcPct val="90000"/>
+              </a:lnSpc>
+              <a:spcBef>
+                <a:spcPts val="498"/>
+              </a:spcBef>
+              <a:buFont typeface="Arial"/>
+              <a:buChar char="•"/>
+              <a:defRPr sz="1800">
+                <a:solidFill>
+                  <a:schemeClr val="tx1"/>
+                </a:solidFill>
+                <a:latin typeface="+mn-lt"/>
+                <a:ea typeface="+mn-ea"/>
+                <a:cs typeface="+mn-cs"/>
+              </a:defRPr>
+            </a:lvl5pPr>
+            <a:lvl6pPr marL="2514598" indent="-228600" algn="l" defTabSz="914400">
+              <a:lnSpc>
+                <a:spcPct val="90000"/>
+              </a:lnSpc>
+              <a:spcBef>
+                <a:spcPts val="498"/>
+              </a:spcBef>
+              <a:buFont typeface="Arial"/>
+              <a:buChar char="•"/>
+              <a:defRPr sz="1800">
+                <a:solidFill>
+                  <a:schemeClr val="tx1"/>
+                </a:solidFill>
+                <a:latin typeface="+mn-lt"/>
+                <a:ea typeface="+mn-ea"/>
+                <a:cs typeface="+mn-cs"/>
+              </a:defRPr>
+            </a:lvl6pPr>
+            <a:lvl7pPr marL="2971800" indent="-228600" algn="l" defTabSz="914400">
+              <a:lnSpc>
+                <a:spcPct val="90000"/>
+              </a:lnSpc>
+              <a:spcBef>
+                <a:spcPts val="498"/>
+              </a:spcBef>
+              <a:buFont typeface="Arial"/>
+              <a:buChar char="•"/>
+              <a:defRPr sz="1800">
+                <a:solidFill>
+                  <a:schemeClr val="tx1"/>
+                </a:solidFill>
+                <a:latin typeface="+mn-lt"/>
+                <a:ea typeface="+mn-ea"/>
+                <a:cs typeface="+mn-cs"/>
+              </a:defRPr>
+            </a:lvl7pPr>
+            <a:lvl8pPr marL="3429000" indent="-228600" algn="l" defTabSz="914400">
+              <a:lnSpc>
+                <a:spcPct val="90000"/>
+              </a:lnSpc>
+              <a:spcBef>
+                <a:spcPts val="498"/>
+              </a:spcBef>
+              <a:buFont typeface="Arial"/>
+              <a:buChar char="•"/>
+              <a:defRPr sz="1800">
+                <a:solidFill>
+                  <a:schemeClr val="tx1"/>
+                </a:solidFill>
+                <a:latin typeface="+mn-lt"/>
+                <a:ea typeface="+mn-ea"/>
+                <a:cs typeface="+mn-cs"/>
+              </a:defRPr>
+            </a:lvl8pPr>
+            <a:lvl9pPr marL="3886200" indent="-228600" algn="l" defTabSz="914400">
+              <a:lnSpc>
+                <a:spcPct val="90000"/>
+              </a:lnSpc>
+              <a:spcBef>
+                <a:spcPts val="498"/>
+              </a:spcBef>
+              <a:buFont typeface="Arial"/>
+              <a:buChar char="•"/>
+              <a:defRPr sz="1800">
+                <a:solidFill>
+                  <a:schemeClr val="tx1"/>
+                </a:solidFill>
+                <a:latin typeface="+mn-lt"/>
+                <a:ea typeface="+mn-ea"/>
+                <a:cs typeface="+mn-cs"/>
+              </a:defRPr>
+            </a:lvl9pPr>
+          </a:lstStyle>
+          <a:p>
+            <a:pPr marL="0" indent="0">
+              <a:buFont typeface="Arial"/>
+              <a:buNone/>
+              <a:defRPr/>
+            </a:pPr>
+            <a:endParaRPr lang="en-US" sz="2000"/>
+          </a:p>
+        </p:txBody>
+      </p:sp>
+      <p:sp>
+        <p:nvSpPr>
+          <p:cNvPr id="59581532" name=""/>
+          <p:cNvSpPr txBox="1"/>
+          <p:nvPr/>
+        </p:nvSpPr>
+        <p:spPr bwMode="auto">
+          <a:xfrm flipH="0" flipV="0">
+            <a:off x="735491" y="1249180"/>
+            <a:ext cx="10695478" cy="1554840"/>
+          </a:xfrm>
+          <a:prstGeom prst="rect">
+            <a:avLst/>
+          </a:prstGeom>
+          <a:noFill/>
+        </p:spPr>
+        <p:txBody>
+          <a:bodyPr vertOverflow="overflow" horzOverflow="overflow" vert="horz" wrap="square" lIns="91440" tIns="45720" rIns="91440" bIns="45720" numCol="1" spcCol="0" rtlCol="0" fromWordArt="0" anchor="t" anchorCtr="0" forceAA="0" upright="0" compatLnSpc="0">
+            <a:spAutoFit/>
+          </a:bodyPr>
+          <a:p>
+            <a:pPr>
+              <a:defRPr/>
+            </a:pPr>
+            <a:r>
+              <a:rPr sz="2400"/>
+              <a:t>An embedded system is a combination of hardware and software integrated as a part of a bigger systems or standalone systems, and can execute a specific function.</a:t>
+            </a:r>
+            <a:endParaRPr sz="2400"/>
+          </a:p>
+          <a:p>
+            <a:pPr>
+              <a:defRPr/>
+            </a:pPr>
+            <a:endParaRPr sz="2400"/>
+          </a:p>
+        </p:txBody>
+      </p:sp>
+      <p:pic>
+        <p:nvPicPr>
+          <p:cNvPr id="1553465188" name=""/>
+          <p:cNvPicPr>
+            <a:picLocks noChangeAspect="1"/>
+          </p:cNvPicPr>
+          <p:nvPr/>
+        </p:nvPicPr>
+        <p:blipFill>
+          <a:blip r:embed="rId3"/>
+          <a:stretch/>
+        </p:blipFill>
+        <p:spPr bwMode="auto">
+          <a:xfrm rot="0" flipH="0" flipV="0">
+            <a:off x="1061558" y="3054625"/>
+            <a:ext cx="4607440" cy="3215993"/>
+          </a:xfrm>
+          <a:prstGeom prst="rect">
+            <a:avLst/>
+          </a:prstGeom>
+        </p:spPr>
+      </p:pic>
+      <p:pic>
+        <p:nvPicPr>
+          <p:cNvPr id="982018534" name=""/>
+          <p:cNvPicPr>
+            <a:picLocks noChangeAspect="1"/>
+          </p:cNvPicPr>
+          <p:nvPr/>
+        </p:nvPicPr>
+        <p:blipFill>
+          <a:blip r:embed="rId4"/>
+          <a:stretch/>
+        </p:blipFill>
+        <p:spPr bwMode="auto">
+          <a:xfrm>
+            <a:off x="6872287" y="2719702"/>
+            <a:ext cx="5495924" cy="4124324"/>
+          </a:xfrm>
+          <a:prstGeom prst="rect">
+            <a:avLst/>
+          </a:prstGeom>
+        </p:spPr>
+      </p:pic>
+    </p:spTree>
+  </p:cSld>
+  <p:clrMapOvr>
+    <a:masterClrMapping/>
+  </p:clrMapOvr>
+  <mc:AlternateContent xmlns:mc="http://schemas.openxmlformats.org/markup-compatibility/2006">
+    <mc:Choice xmlns:p159="http://schemas.microsoft.com/office/powerpoint/2015/09/main" xmlns:p14="http://schemas.microsoft.com/office/powerpoint/2010/main" Requires="p159">
+      <p:transition p14:dur="2000" advClick="1"/>
+    </mc:Choice>
+    <mc:Fallback>
+      <p:transition advClick="1"/>
+    </mc:Fallback>
+  </mc:AlternateContent>
+</p:sld>
+</file>
+
+<file path=ppt/slides/slide8.xml><?xml version="1.0" encoding="utf-8"?>
+<p:sld xmlns:a="http://schemas.openxmlformats.org/drawingml/2006/main" xmlns:r="http://schemas.openxmlformats.org/officeDocument/2006/relationships" xmlns:p="http://schemas.openxmlformats.org/presentationml/2006/main" xmlns:m="http://schemas.openxmlformats.org/officeDocument/2006/math" xmlns:w="http://schemas.openxmlformats.org/wordprocessingml/2006/main" showMasterPhAnim="0" show="1">
+  <p:cSld name="">
+    <p:spTree>
+      <p:nvGrpSpPr>
+        <p:cNvPr id="1" name=""/>
+        <p:cNvGrpSpPr/>
+        <p:nvPr/>
+      </p:nvGrpSpPr>
+      <p:grpSpPr bwMode="auto">
+        <a:xfrm>
+          <a:off x="0" y="0"/>
+          <a:ext cx="0" cy="0"/>
+          <a:chOff x="0" y="0"/>
+          <a:chExt cx="0" cy="0"/>
+        </a:xfrm>
+      </p:grpSpPr>
+      <p:sp>
+        <p:nvSpPr>
+          <p:cNvPr id="568624296" name="Title 1"/>
           <p:cNvSpPr>
             <a:spLocks noGrp="1"/>
           </p:cNvSpPr>
@@ -8491,21 +10168,32 @@
             <p:ph type="title"/>
           </p:nvPr>
         </p:nvSpPr>
-        <p:spPr bwMode="auto"/>
-        <p:txBody>
-          <a:bodyPr/>
-          <a:lstStyle/>
-          <a:p>
-            <a:pPr>
-              <a:defRPr/>
-            </a:pPr>
-            <a:endParaRPr/>
-          </a:p>
-        </p:txBody>
-      </p:sp>
-      <p:sp>
-        <p:nvSpPr>
-          <p:cNvPr id="337333880" name="Content Placeholder 2"/>
+        <p:spPr bwMode="auto">
+          <a:xfrm flipH="0" flipV="0">
+            <a:off x="203199" y="222249"/>
+            <a:ext cx="10863299" cy="1325562"/>
+          </a:xfrm>
+        </p:spPr>
+        <p:txBody>
+          <a:bodyPr>
+            <a:normAutofit/>
+          </a:bodyPr>
+          <a:lstStyle/>
+          <a:p>
+            <a:pPr>
+              <a:defRPr/>
+            </a:pPr>
+            <a:r>
+              <a:rPr lang="en-US" sz="4000"/>
+              <a:t>Why Learn Arduino (embedded programming)</a:t>
+            </a:r>
+            <a:endParaRPr/>
+          </a:p>
+        </p:txBody>
+      </p:sp>
+      <p:sp>
+        <p:nvSpPr>
+          <p:cNvPr id="570594429" name="Content Placeholder 2"/>
           <p:cNvSpPr>
             <a:spLocks noGrp="1"/>
           </p:cNvSpPr>
@@ -8513,18 +10201,110 @@
             <p:ph idx="1"/>
           </p:nvPr>
         </p:nvSpPr>
-        <p:spPr bwMode="auto"/>
-        <p:txBody>
-          <a:bodyPr/>
-          <a:lstStyle/>
-          <a:p>
-            <a:pPr>
-              <a:defRPr/>
-            </a:pPr>
-            <a:endParaRPr/>
-          </a:p>
-        </p:txBody>
-      </p:sp>
+        <p:spPr bwMode="auto">
+          <a:xfrm>
+            <a:off x="550899" y="1428750"/>
+            <a:ext cx="10515600" cy="4351338"/>
+          </a:xfrm>
+        </p:spPr>
+        <p:txBody>
+          <a:bodyPr anchor="ctr"/>
+          <a:lstStyle/>
+          <a:p>
+            <a:pPr>
+              <a:lnSpc>
+                <a:spcPct val="114999"/>
+              </a:lnSpc>
+              <a:buFont typeface="Wingdings"/>
+              <a:buChar char="w"/>
+              <a:defRPr/>
+            </a:pPr>
+            <a:r>
+              <a:rPr lang="en-US"/>
+              <a:t>Introduction to programming and electrical </a:t>
+            </a:r>
+            <a:r>
+              <a:rPr lang="en-US"/>
+              <a:t>engineering.</a:t>
+            </a:r>
+            <a:endParaRPr lang="en-US"/>
+          </a:p>
+          <a:p>
+            <a:pPr>
+              <a:lnSpc>
+                <a:spcPct val="114999"/>
+              </a:lnSpc>
+              <a:buFont typeface="Wingdings"/>
+              <a:buChar char="w"/>
+              <a:defRPr/>
+            </a:pPr>
+            <a:r>
+              <a:rPr lang="en-US"/>
+              <a:t>An easy solution for complex tasks and projects.</a:t>
+            </a:r>
+            <a:endParaRPr lang="en-US"/>
+          </a:p>
+          <a:p>
+            <a:pPr>
+              <a:lnSpc>
+                <a:spcPct val="114999"/>
+              </a:lnSpc>
+              <a:buFont typeface="Wingdings"/>
+              <a:buChar char="w"/>
+              <a:defRPr/>
+            </a:pPr>
+            <a:r>
+              <a:rPr/>
+              <a:t>An interesting and creative hobby</a:t>
+            </a:r>
+            <a:endParaRPr lang="en-US"/>
+          </a:p>
+          <a:p>
+            <a:pPr marL="0" indent="0">
+              <a:lnSpc>
+                <a:spcPct val="114999"/>
+              </a:lnSpc>
+              <a:buFont typeface="Wingdings"/>
+              <a:buNone/>
+              <a:defRPr/>
+            </a:pPr>
+            <a:endParaRPr/>
+          </a:p>
+        </p:txBody>
+      </p:sp>
+    </p:spTree>
+  </p:cSld>
+  <p:clrMapOvr>
+    <a:masterClrMapping/>
+  </p:clrMapOvr>
+  <mc:AlternateContent xmlns:mc="http://schemas.openxmlformats.org/markup-compatibility/2006">
+    <mc:Choice xmlns:p159="http://schemas.microsoft.com/office/powerpoint/2015/09/main" xmlns:p14="http://schemas.microsoft.com/office/powerpoint/2010/main" Requires="p159">
+      <p:transition p14:dur="2000" advClick="1"/>
+    </mc:Choice>
+    <mc:Fallback>
+      <p:transition advClick="1"/>
+    </mc:Fallback>
+  </mc:AlternateContent>
+</p:sld>
+</file>
+
+<file path=ppt/slides/slide9.xml><?xml version="1.0" encoding="utf-8"?>
+<p:sld xmlns:a="http://schemas.openxmlformats.org/drawingml/2006/main" xmlns:r="http://schemas.openxmlformats.org/officeDocument/2006/relationships" xmlns:p="http://schemas.openxmlformats.org/presentationml/2006/main" xmlns:m="http://schemas.openxmlformats.org/officeDocument/2006/math" xmlns:w="http://schemas.openxmlformats.org/wordprocessingml/2006/main" showMasterPhAnim="0" show="1">
+  <p:cSld name="">
+    <p:spTree>
+      <p:nvGrpSpPr>
+        <p:cNvPr id="1" name=""/>
+        <p:cNvGrpSpPr/>
+        <p:nvPr/>
+      </p:nvGrpSpPr>
+      <p:grpSpPr bwMode="auto">
+        <a:xfrm>
+          <a:off x="0" y="0"/>
+          <a:ext cx="0" cy="0"/>
+          <a:chOff x="0" y="0"/>
+          <a:chExt cx="0" cy="0"/>
+        </a:xfrm>
+      </p:grpSpPr>
     </p:spTree>
   </p:cSld>
   <p:clrMapOvr>
@@ -8544,42 +10324,42 @@
 <file path=ppt/theme/theme1.xml><?xml version="1.0" encoding="utf-8"?>
 <a:theme xmlns:a="http://schemas.openxmlformats.org/drawingml/2006/main" xmlns:r="http://schemas.openxmlformats.org/officeDocument/2006/relationships" xmlns:p="http://schemas.openxmlformats.org/presentationml/2006/main" name="Blank">
   <a:themeElements>
-    <a:clrScheme name="Office Theme">
+    <a:clrScheme name="Flow">
       <a:dk1>
-        <a:sysClr val="windowText" lastClr="000000"/>
+        <a:srgbClr val="000000"/>
       </a:dk1>
       <a:lt1>
-        <a:sysClr val="window" lastClr="FFFFFF"/>
+        <a:srgbClr val="FFFFFF"/>
       </a:lt1>
       <a:dk2>
-        <a:srgbClr val="44546A"/>
+        <a:srgbClr val="04617B"/>
       </a:dk2>
       <a:lt2>
-        <a:srgbClr val="E7E6E6"/>
+        <a:srgbClr val="DBF5F9"/>
       </a:lt2>
       <a:accent1>
-        <a:srgbClr val="5B9BD5"/>
+        <a:srgbClr val="0F6FC6"/>
       </a:accent1>
       <a:accent2>
-        <a:srgbClr val="ED7D31"/>
+        <a:srgbClr val="009DD9"/>
       </a:accent2>
       <a:accent3>
-        <a:srgbClr val="A5A5A5"/>
+        <a:srgbClr val="0BD0D9"/>
       </a:accent3>
       <a:accent4>
-        <a:srgbClr val="FFC000"/>
+        <a:srgbClr val="10CF9B"/>
       </a:accent4>
       <a:accent5>
-        <a:srgbClr val="4472C4"/>
+        <a:srgbClr val="7CCA62"/>
       </a:accent5>
       <a:accent6>
-        <a:srgbClr val="70AD47"/>
+        <a:srgbClr val="A5C249"/>
       </a:accent6>
       <a:hlink>
-        <a:srgbClr val="0563C1"/>
+        <a:srgbClr val="F49100"/>
       </a:hlink>
       <a:folHlink>
-        <a:srgbClr val="954F72"/>
+        <a:srgbClr val="85DFD0"/>
       </a:folHlink>
     </a:clrScheme>
     <a:fontScheme name="Office Theme">
@@ -8745,48 +10525,90 @@
     </a:fmtScheme>
   </a:themeElements>
   <a:objectDefaults/>
+  <a:extraClrSchemeLst>
+    <a:extraClrScheme>
+      <a:clrScheme name="Office Theme">
+        <a:dk1>
+          <a:sysClr val="windowText" lastClr="000000"/>
+        </a:dk1>
+        <a:lt1>
+          <a:sysClr val="window" lastClr="FFFFFF"/>
+        </a:lt1>
+        <a:dk2>
+          <a:srgbClr val="44546A"/>
+        </a:dk2>
+        <a:lt2>
+          <a:srgbClr val="E7E6E6"/>
+        </a:lt2>
+        <a:accent1>
+          <a:srgbClr val="5B9BD5"/>
+        </a:accent1>
+        <a:accent2>
+          <a:srgbClr val="ED7D31"/>
+        </a:accent2>
+        <a:accent3>
+          <a:srgbClr val="A5A5A5"/>
+        </a:accent3>
+        <a:accent4>
+          <a:srgbClr val="FFC000"/>
+        </a:accent4>
+        <a:accent5>
+          <a:srgbClr val="4472C4"/>
+        </a:accent5>
+        <a:accent6>
+          <a:srgbClr val="70AD47"/>
+        </a:accent6>
+        <a:hlink>
+          <a:srgbClr val="0563C1"/>
+        </a:hlink>
+        <a:folHlink>
+          <a:srgbClr val="954F72"/>
+        </a:folHlink>
+      </a:clrScheme>
+    </a:extraClrScheme>
+  </a:extraClrSchemeLst>
 </a:theme>
 </file>
 
 <file path=ppt/theme/theme2.xml><?xml version="1.0" encoding="utf-8"?>
 <a:theme xmlns:a="http://schemas.openxmlformats.org/drawingml/2006/main" xmlns:r="http://schemas.openxmlformats.org/officeDocument/2006/relationships" xmlns:p="http://schemas.openxmlformats.org/presentationml/2006/main" name="Office Theme">
   <a:themeElements>
-    <a:clrScheme name="New Office">
+    <a:clrScheme name="Flow">
       <a:dk1>
-        <a:sysClr val="windowText" lastClr="000000"/>
+        <a:srgbClr val="000000"/>
       </a:dk1>
       <a:lt1>
-        <a:sysClr val="window" lastClr="FFFFFF"/>
+        <a:srgbClr val="FFFFFF"/>
       </a:lt1>
       <a:dk2>
-        <a:srgbClr val="44546A"/>
+        <a:srgbClr val="04617B"/>
       </a:dk2>
       <a:lt2>
-        <a:srgbClr val="E7E6E6"/>
+        <a:srgbClr val="DBF5F9"/>
       </a:lt2>
       <a:accent1>
-        <a:srgbClr val="5B9BD5"/>
+        <a:srgbClr val="0F6FC6"/>
       </a:accent1>
       <a:accent2>
-        <a:srgbClr val="ED7D31"/>
+        <a:srgbClr val="009DD9"/>
       </a:accent2>
       <a:accent3>
-        <a:srgbClr val="A5A5A5"/>
+        <a:srgbClr val="0BD0D9"/>
       </a:accent3>
       <a:accent4>
-        <a:srgbClr val="FFC000"/>
+        <a:srgbClr val="10CF9B"/>
       </a:accent4>
       <a:accent5>
-        <a:srgbClr val="4472C4"/>
+        <a:srgbClr val="7CCA62"/>
       </a:accent5>
       <a:accent6>
-        <a:srgbClr val="70AD47"/>
+        <a:srgbClr val="A5C249"/>
       </a:accent6>
       <a:hlink>
-        <a:srgbClr val="0563C1"/>
+        <a:srgbClr val="F49100"/>
       </a:hlink>
       <a:folHlink>
-        <a:srgbClr val="954F72"/>
+        <a:srgbClr val="85DFD0"/>
       </a:folHlink>
     </a:clrScheme>
     <a:fontScheme name="Office Theme">

--- a/course.pptx
+++ b/course.pptx
@@ -6,7 +6,7 @@
     <p:sldMasterId id="2147483660" r:id="rId2"/>
   </p:sldMasterIdLst>
   <p:notesMasterIdLst>
-    <p:notesMasterId r:id="rId15"/>
+    <p:notesMasterId r:id="rId17"/>
   </p:notesMasterIdLst>
   <p:sldIdLst>
     <p:sldId id="256" r:id="rId6"/>
@@ -18,6 +18,8 @@
     <p:sldId id="262" r:id="rId12"/>
     <p:sldId id="263" r:id="rId13"/>
     <p:sldId id="264" r:id="rId14"/>
+    <p:sldId id="265" r:id="rId15"/>
+    <p:sldId id="266" r:id="rId16"/>
   </p:sldIdLst>
   <p:sldSz cx="12192000" cy="6858000"/>
   <p:notesSz cx="6858000" cy="9144000"/>
@@ -583,6 +585,170 @@
 </p:notes>
 </file>
 
+<file path=ppt/notesSlides/notesSlide10.xml><?xml version="1.0" encoding="utf-8"?>
+<p:notes xmlns:a="http://schemas.openxmlformats.org/drawingml/2006/main" xmlns:r="http://schemas.openxmlformats.org/officeDocument/2006/relationships" xmlns:p="http://schemas.openxmlformats.org/presentationml/2006/main" xmlns:m="http://schemas.openxmlformats.org/officeDocument/2006/math" xmlns:w="http://schemas.openxmlformats.org/wordprocessingml/2006/main">
+  <p:cSld name="">
+    <p:spTree>
+      <p:nvGrpSpPr>
+        <p:cNvPr id="1" name=""/>
+        <p:cNvGrpSpPr/>
+        <p:nvPr/>
+      </p:nvGrpSpPr>
+      <p:grpSpPr bwMode="auto">
+        <a:xfrm>
+          <a:off x="0" y="0"/>
+          <a:ext cx="0" cy="0"/>
+          <a:chOff x="0" y="0"/>
+          <a:chExt cx="0" cy="0"/>
+        </a:xfrm>
+      </p:grpSpPr>
+      <p:sp>
+        <p:nvSpPr>
+          <p:cNvPr id="2" name="Slide Image Placeholder 1"/>
+          <p:cNvSpPr>
+            <a:spLocks noChangeAspect="1" noGrp="1" noRot="1"/>
+          </p:cNvSpPr>
+          <p:nvPr>
+            <p:ph type="sldImg"/>
+          </p:nvPr>
+        </p:nvSpPr>
+        <p:spPr bwMode="auto"/>
+      </p:sp>
+      <p:sp>
+        <p:nvSpPr>
+          <p:cNvPr id="3" name="Notes Placeholder 2"/>
+          <p:cNvSpPr>
+            <a:spLocks noGrp="1"/>
+          </p:cNvSpPr>
+          <p:nvPr>
+            <p:ph type="body" idx="1"/>
+          </p:nvPr>
+        </p:nvSpPr>
+        <p:spPr bwMode="auto"/>
+        <p:txBody>
+          <a:bodyPr/>
+          <a:lstStyle/>
+          <a:p>
+            <a:pPr>
+              <a:defRPr/>
+            </a:pPr>
+            <a:endParaRPr/>
+          </a:p>
+        </p:txBody>
+      </p:sp>
+      <p:sp>
+        <p:nvSpPr>
+          <p:cNvPr id="4" name="Slide Number Placeholder 3"/>
+          <p:cNvSpPr>
+            <a:spLocks noGrp="1"/>
+          </p:cNvSpPr>
+          <p:nvPr>
+            <p:ph type="sldNum" sz="quarter" idx="10"/>
+          </p:nvPr>
+        </p:nvSpPr>
+        <p:spPr bwMode="auto"/>
+        <p:txBody>
+          <a:bodyPr/>
+          <a:lstStyle/>
+          <a:p>
+            <a:pPr>
+              <a:defRPr/>
+            </a:pPr>
+            <a:fld id="{21D92BCA-C56B-0FF7-A942-278D8CD8D0E0}" type="slidenum">
+              <a:rPr/>
+              <a:t/>
+            </a:fld>
+            <a:endParaRPr/>
+          </a:p>
+        </p:txBody>
+      </p:sp>
+    </p:spTree>
+  </p:cSld>
+</p:notes>
+</file>
+
+<file path=ppt/notesSlides/notesSlide11.xml><?xml version="1.0" encoding="utf-8"?>
+<p:notes xmlns:a="http://schemas.openxmlformats.org/drawingml/2006/main" xmlns:r="http://schemas.openxmlformats.org/officeDocument/2006/relationships" xmlns:p="http://schemas.openxmlformats.org/presentationml/2006/main" xmlns:m="http://schemas.openxmlformats.org/officeDocument/2006/math" xmlns:w="http://schemas.openxmlformats.org/wordprocessingml/2006/main">
+  <p:cSld name="">
+    <p:spTree>
+      <p:nvGrpSpPr>
+        <p:cNvPr id="1" name=""/>
+        <p:cNvGrpSpPr/>
+        <p:nvPr/>
+      </p:nvGrpSpPr>
+      <p:grpSpPr bwMode="auto">
+        <a:xfrm>
+          <a:off x="0" y="0"/>
+          <a:ext cx="0" cy="0"/>
+          <a:chOff x="0" y="0"/>
+          <a:chExt cx="0" cy="0"/>
+        </a:xfrm>
+      </p:grpSpPr>
+      <p:sp>
+        <p:nvSpPr>
+          <p:cNvPr id="2" name="Slide Image Placeholder 1"/>
+          <p:cNvSpPr>
+            <a:spLocks noChangeAspect="1" noGrp="1" noRot="1"/>
+          </p:cNvSpPr>
+          <p:nvPr>
+            <p:ph type="sldImg"/>
+          </p:nvPr>
+        </p:nvSpPr>
+        <p:spPr bwMode="auto"/>
+      </p:sp>
+      <p:sp>
+        <p:nvSpPr>
+          <p:cNvPr id="3" name="Notes Placeholder 2"/>
+          <p:cNvSpPr>
+            <a:spLocks noGrp="1"/>
+          </p:cNvSpPr>
+          <p:nvPr>
+            <p:ph type="body" idx="1"/>
+          </p:nvPr>
+        </p:nvSpPr>
+        <p:spPr bwMode="auto"/>
+        <p:txBody>
+          <a:bodyPr/>
+          <a:lstStyle/>
+          <a:p>
+            <a:pPr>
+              <a:defRPr/>
+            </a:pPr>
+            <a:endParaRPr/>
+          </a:p>
+        </p:txBody>
+      </p:sp>
+      <p:sp>
+        <p:nvSpPr>
+          <p:cNvPr id="4" name="Slide Number Placeholder 3"/>
+          <p:cNvSpPr>
+            <a:spLocks noGrp="1"/>
+          </p:cNvSpPr>
+          <p:nvPr>
+            <p:ph type="sldNum" sz="quarter" idx="10"/>
+          </p:nvPr>
+        </p:nvSpPr>
+        <p:spPr bwMode="auto"/>
+        <p:txBody>
+          <a:bodyPr/>
+          <a:lstStyle/>
+          <a:p>
+            <a:pPr>
+              <a:defRPr/>
+            </a:pPr>
+            <a:fld id="{0F41C396-07A0-1B42-1E3E-15B46FDFD6FA}" type="slidenum">
+              <a:rPr/>
+              <a:t/>
+            </a:fld>
+            <a:endParaRPr/>
+          </a:p>
+        </p:txBody>
+      </p:sp>
+    </p:spTree>
+  </p:cSld>
+</p:notes>
+</file>
+
 <file path=ppt/notesSlides/notesSlide2.xml><?xml version="1.0" encoding="utf-8"?>
 <p:notes xmlns:a="http://schemas.openxmlformats.org/drawingml/2006/main" xmlns:r="http://schemas.openxmlformats.org/officeDocument/2006/relationships" xmlns:p="http://schemas.openxmlformats.org/presentationml/2006/main" xmlns:m="http://schemas.openxmlformats.org/officeDocument/2006/math" xmlns:w="http://schemas.openxmlformats.org/wordprocessingml/2006/main">
   <p:cSld name="">
@@ -652,7 +818,7 @@
             <a:pPr>
               <a:defRPr/>
             </a:pPr>
-            <a:fld id="{7D48BA01-4262-FA61-C914-5190C76EEB6B}" type="slidenum">
+            <a:fld id="{4C4CE5C4-9C4C-FC8E-113D-5D71294F4390}" type="slidenum">
               <a:rPr/>
               <a:t/>
             </a:fld>
@@ -684,7 +850,7 @@
       </p:grpSpPr>
       <p:sp>
         <p:nvSpPr>
-          <p:cNvPr id="2" name="Slide Image Placeholder 1"/>
+          <p:cNvPr id="1019095120" name="Slide Image Placeholder 1"/>
           <p:cNvSpPr>
             <a:spLocks noChangeAspect="1" noGrp="1" noRot="1"/>
           </p:cNvSpPr>
@@ -696,7 +862,7 @@
       </p:sp>
       <p:sp>
         <p:nvSpPr>
-          <p:cNvPr id="3" name="Notes Placeholder 2"/>
+          <p:cNvPr id="1999260665" name="Notes Placeholder 2"/>
           <p:cNvSpPr>
             <a:spLocks noGrp="1"/>
           </p:cNvSpPr>
@@ -718,7 +884,7 @@
       </p:sp>
       <p:sp>
         <p:nvSpPr>
-          <p:cNvPr id="4" name="Slide Number Placeholder 3"/>
+          <p:cNvPr id="552938034" name="Slide Number Placeholder 3"/>
           <p:cNvSpPr>
             <a:spLocks noGrp="1"/>
           </p:cNvSpPr>
@@ -734,7 +900,7 @@
             <a:pPr>
               <a:defRPr/>
             </a:pPr>
-            <a:fld id="{4C4CE5C4-9C4C-FC8E-113D-5D71294F4390}" type="slidenum">
+            <a:fld id="{84D4F816-B0E4-25D2-A5FE-2454BAD1AEF0}" type="slidenum">
               <a:rPr/>
               <a:t/>
             </a:fld>
@@ -766,7 +932,7 @@
       </p:grpSpPr>
       <p:sp>
         <p:nvSpPr>
-          <p:cNvPr id="1019095120" name="Slide Image Placeholder 1"/>
+          <p:cNvPr id="1768609058" name="Slide Image Placeholder 1"/>
           <p:cNvSpPr>
             <a:spLocks noChangeAspect="1" noGrp="1" noRot="1"/>
           </p:cNvSpPr>
@@ -778,7 +944,7 @@
       </p:sp>
       <p:sp>
         <p:nvSpPr>
-          <p:cNvPr id="1999260665" name="Notes Placeholder 2"/>
+          <p:cNvPr id="1175216479" name="Notes Placeholder 2"/>
           <p:cNvSpPr>
             <a:spLocks noGrp="1"/>
           </p:cNvSpPr>
@@ -800,7 +966,7 @@
       </p:sp>
       <p:sp>
         <p:nvSpPr>
-          <p:cNvPr id="552938034" name="Slide Number Placeholder 3"/>
+          <p:cNvPr id="1057399612" name="Slide Number Placeholder 3"/>
           <p:cNvSpPr>
             <a:spLocks noGrp="1"/>
           </p:cNvSpPr>
@@ -816,7 +982,7 @@
             <a:pPr>
               <a:defRPr/>
             </a:pPr>
-            <a:fld id="{84D4F816-B0E4-25D2-A5FE-2454BAD1AEF0}" type="slidenum">
+            <a:fld id="{77180694-0AC6-0099-4E72-886D65CF03E9}" type="slidenum">
               <a:rPr/>
               <a:t/>
             </a:fld>
@@ -848,7 +1014,7 @@
       </p:grpSpPr>
       <p:sp>
         <p:nvSpPr>
-          <p:cNvPr id="1768609058" name="Slide Image Placeholder 1"/>
+          <p:cNvPr id="1011378333" name="Slide Image Placeholder 1"/>
           <p:cNvSpPr>
             <a:spLocks noChangeAspect="1" noGrp="1" noRot="1"/>
           </p:cNvSpPr>
@@ -860,7 +1026,7 @@
       </p:sp>
       <p:sp>
         <p:nvSpPr>
-          <p:cNvPr id="1175216479" name="Notes Placeholder 2"/>
+          <p:cNvPr id="2070792959" name="Notes Placeholder 2"/>
           <p:cNvSpPr>
             <a:spLocks noGrp="1"/>
           </p:cNvSpPr>
@@ -882,7 +1048,7 @@
       </p:sp>
       <p:sp>
         <p:nvSpPr>
-          <p:cNvPr id="1057399612" name="Slide Number Placeholder 3"/>
+          <p:cNvPr id="763739534" name="Slide Number Placeholder 3"/>
           <p:cNvSpPr>
             <a:spLocks noGrp="1"/>
           </p:cNvSpPr>
@@ -898,7 +1064,7 @@
             <a:pPr>
               <a:defRPr/>
             </a:pPr>
-            <a:fld id="{77180694-0AC6-0099-4E72-886D65CF03E9}" type="slidenum">
+            <a:fld id="{2CD55ABE-CD7A-033C-FE19-4C41FB84C212}" type="slidenum">
               <a:rPr/>
               <a:t/>
             </a:fld>
@@ -930,7 +1096,7 @@
       </p:grpSpPr>
       <p:sp>
         <p:nvSpPr>
-          <p:cNvPr id="1011378333" name="Slide Image Placeholder 1"/>
+          <p:cNvPr id="1478334608" name="Slide Image Placeholder 1"/>
           <p:cNvSpPr>
             <a:spLocks noChangeAspect="1" noGrp="1" noRot="1"/>
           </p:cNvSpPr>
@@ -942,7 +1108,7 @@
       </p:sp>
       <p:sp>
         <p:nvSpPr>
-          <p:cNvPr id="2070792959" name="Notes Placeholder 2"/>
+          <p:cNvPr id="1083926140" name="Notes Placeholder 2"/>
           <p:cNvSpPr>
             <a:spLocks noGrp="1"/>
           </p:cNvSpPr>
@@ -964,7 +1130,7 @@
       </p:sp>
       <p:sp>
         <p:nvSpPr>
-          <p:cNvPr id="763739534" name="Slide Number Placeholder 3"/>
+          <p:cNvPr id="1544590393" name="Slide Number Placeholder 3"/>
           <p:cNvSpPr>
             <a:spLocks noGrp="1"/>
           </p:cNvSpPr>
@@ -980,7 +1146,7 @@
             <a:pPr>
               <a:defRPr/>
             </a:pPr>
-            <a:fld id="{2CD55ABE-CD7A-033C-FE19-4C41FB84C212}" type="slidenum">
+            <a:fld id="{17B2907C-C730-EA68-7E73-D331C247B829}" type="slidenum">
               <a:rPr/>
               <a:t/>
             </a:fld>
@@ -1012,7 +1178,7 @@
       </p:grpSpPr>
       <p:sp>
         <p:nvSpPr>
-          <p:cNvPr id="1478334608" name="Slide Image Placeholder 1"/>
+          <p:cNvPr id="688233274" name="Slide Image Placeholder 1"/>
           <p:cNvSpPr>
             <a:spLocks noChangeAspect="1" noGrp="1" noRot="1"/>
           </p:cNvSpPr>
@@ -1024,7 +1190,7 @@
       </p:sp>
       <p:sp>
         <p:nvSpPr>
-          <p:cNvPr id="1083926140" name="Notes Placeholder 2"/>
+          <p:cNvPr id="1030557310" name="Notes Placeholder 2"/>
           <p:cNvSpPr>
             <a:spLocks noGrp="1"/>
           </p:cNvSpPr>
@@ -1046,7 +1212,7 @@
       </p:sp>
       <p:sp>
         <p:nvSpPr>
-          <p:cNvPr id="1544590393" name="Slide Number Placeholder 3"/>
+          <p:cNvPr id="1204847144" name="Slide Number Placeholder 3"/>
           <p:cNvSpPr>
             <a:spLocks noGrp="1"/>
           </p:cNvSpPr>
@@ -1062,7 +1228,7 @@
             <a:pPr>
               <a:defRPr/>
             </a:pPr>
-            <a:fld id="{17B2907C-C730-EA68-7E73-D331C247B829}" type="slidenum">
+            <a:fld id="{28CCC717-1449-29EB-03FA-769739550ACB}" type="slidenum">
               <a:rPr/>
               <a:t/>
             </a:fld>
@@ -1094,7 +1260,7 @@
       </p:grpSpPr>
       <p:sp>
         <p:nvSpPr>
-          <p:cNvPr id="688233274" name="Slide Image Placeholder 1"/>
+          <p:cNvPr id="1937486258" name="Slide Image Placeholder 1"/>
           <p:cNvSpPr>
             <a:spLocks noChangeAspect="1" noGrp="1" noRot="1"/>
           </p:cNvSpPr>
@@ -1106,7 +1272,7 @@
       </p:sp>
       <p:sp>
         <p:nvSpPr>
-          <p:cNvPr id="1030557310" name="Notes Placeholder 2"/>
+          <p:cNvPr id="350967609" name="Notes Placeholder 2"/>
           <p:cNvSpPr>
             <a:spLocks noGrp="1"/>
           </p:cNvSpPr>
@@ -1128,7 +1294,7 @@
       </p:sp>
       <p:sp>
         <p:nvSpPr>
-          <p:cNvPr id="1204847144" name="Slide Number Placeholder 3"/>
+          <p:cNvPr id="404109580" name="Slide Number Placeholder 3"/>
           <p:cNvSpPr>
             <a:spLocks noGrp="1"/>
           </p:cNvSpPr>
@@ -1144,7 +1310,7 @@
             <a:pPr>
               <a:defRPr/>
             </a:pPr>
-            <a:fld id="{28CCC717-1449-29EB-03FA-769739550ACB}" type="slidenum">
+            <a:fld id="{45EDD33D-9B91-15B7-FA5B-6A2D380E57D2}" type="slidenum">
               <a:rPr/>
               <a:t/>
             </a:fld>
@@ -1176,7 +1342,7 @@
       </p:grpSpPr>
       <p:sp>
         <p:nvSpPr>
-          <p:cNvPr id="2" name="Slide Image Placeholder 1"/>
+          <p:cNvPr id="1218963984" name="Slide Image Placeholder 1"/>
           <p:cNvSpPr>
             <a:spLocks noChangeAspect="1" noGrp="1" noRot="1"/>
           </p:cNvSpPr>
@@ -1188,7 +1354,7 @@
       </p:sp>
       <p:sp>
         <p:nvSpPr>
-          <p:cNvPr id="3" name="Notes Placeholder 2"/>
+          <p:cNvPr id="1239128651" name="Notes Placeholder 2"/>
           <p:cNvSpPr>
             <a:spLocks noGrp="1"/>
           </p:cNvSpPr>
@@ -1210,7 +1376,7 @@
       </p:sp>
       <p:sp>
         <p:nvSpPr>
-          <p:cNvPr id="4" name="Slide Number Placeholder 3"/>
+          <p:cNvPr id="2140295221" name="Slide Number Placeholder 3"/>
           <p:cNvSpPr>
             <a:spLocks noGrp="1"/>
           </p:cNvSpPr>
@@ -1226,7 +1392,7 @@
             <a:pPr>
               <a:defRPr/>
             </a:pPr>
-            <a:fld id="{0F41C396-07A0-1B42-1E3E-15B46FDFD6FA}" type="slidenum">
+            <a:fld id="{B16BE80B-4558-6D72-236B-6F5328F16B5C}" type="slidenum">
               <a:rPr/>
               <a:t/>
             </a:fld>
@@ -7684,6 +7850,116 @@
 </p:sld>
 </file>
 
+<file path=ppt/slides/slide10.xml><?xml version="1.0" encoding="utf-8"?>
+<p:sld xmlns:a="http://schemas.openxmlformats.org/drawingml/2006/main" xmlns:r="http://schemas.openxmlformats.org/officeDocument/2006/relationships" xmlns:p="http://schemas.openxmlformats.org/presentationml/2006/main" xmlns:m="http://schemas.openxmlformats.org/officeDocument/2006/math" xmlns:w="http://schemas.openxmlformats.org/wordprocessingml/2006/main" showMasterPhAnim="0" show="1">
+  <p:cSld name="">
+    <p:spTree>
+      <p:nvGrpSpPr>
+        <p:cNvPr id="1" name=""/>
+        <p:cNvGrpSpPr/>
+        <p:nvPr/>
+      </p:nvGrpSpPr>
+      <p:grpSpPr bwMode="auto">
+        <a:xfrm>
+          <a:off x="0" y="0"/>
+          <a:ext cx="0" cy="0"/>
+          <a:chOff x="0" y="0"/>
+          <a:chExt cx="0" cy="0"/>
+        </a:xfrm>
+      </p:grpSpPr>
+      <p:sp>
+        <p:nvSpPr>
+          <p:cNvPr id="198352012" name="Title 1"/>
+          <p:cNvSpPr>
+            <a:spLocks noGrp="1"/>
+          </p:cNvSpPr>
+          <p:nvPr>
+            <p:ph type="title"/>
+          </p:nvPr>
+        </p:nvSpPr>
+        <p:spPr bwMode="auto"/>
+        <p:txBody>
+          <a:bodyPr/>
+          <a:lstStyle/>
+          <a:p>
+            <a:pPr>
+              <a:defRPr/>
+            </a:pPr>
+            <a:endParaRPr/>
+          </a:p>
+        </p:txBody>
+      </p:sp>
+      <p:sp>
+        <p:nvSpPr>
+          <p:cNvPr id="877374149" name="Content Placeholder 2"/>
+          <p:cNvSpPr>
+            <a:spLocks noGrp="1"/>
+          </p:cNvSpPr>
+          <p:nvPr>
+            <p:ph idx="1"/>
+          </p:nvPr>
+        </p:nvSpPr>
+        <p:spPr bwMode="auto"/>
+        <p:txBody>
+          <a:bodyPr/>
+          <a:lstStyle/>
+          <a:p>
+            <a:pPr>
+              <a:defRPr/>
+            </a:pPr>
+            <a:endParaRPr/>
+          </a:p>
+        </p:txBody>
+      </p:sp>
+    </p:spTree>
+  </p:cSld>
+  <p:clrMapOvr>
+    <a:masterClrMapping/>
+  </p:clrMapOvr>
+  <mc:AlternateContent xmlns:mc="http://schemas.openxmlformats.org/markup-compatibility/2006">
+    <mc:Choice xmlns:p159="http://schemas.microsoft.com/office/powerpoint/2015/09/main" xmlns:p14="http://schemas.microsoft.com/office/powerpoint/2010/main" Requires="p159">
+      <p:transition p14:dur="2000" advClick="1"/>
+    </mc:Choice>
+    <mc:Fallback>
+      <p:transition advClick="1"/>
+    </mc:Fallback>
+  </mc:AlternateContent>
+</p:sld>
+</file>
+
+<file path=ppt/slides/slide11.xml><?xml version="1.0" encoding="utf-8"?>
+<p:sld xmlns:a="http://schemas.openxmlformats.org/drawingml/2006/main" xmlns:r="http://schemas.openxmlformats.org/officeDocument/2006/relationships" xmlns:p="http://schemas.openxmlformats.org/presentationml/2006/main" xmlns:m="http://schemas.openxmlformats.org/officeDocument/2006/math" xmlns:w="http://schemas.openxmlformats.org/wordprocessingml/2006/main" showMasterPhAnim="0" show="1">
+  <p:cSld name="">
+    <p:spTree>
+      <p:nvGrpSpPr>
+        <p:cNvPr id="1" name=""/>
+        <p:cNvGrpSpPr/>
+        <p:nvPr/>
+      </p:nvGrpSpPr>
+      <p:grpSpPr bwMode="auto">
+        <a:xfrm>
+          <a:off x="0" y="0"/>
+          <a:ext cx="0" cy="0"/>
+          <a:chOff x="0" y="0"/>
+          <a:chExt cx="0" cy="0"/>
+        </a:xfrm>
+      </p:grpSpPr>
+    </p:spTree>
+  </p:cSld>
+  <p:clrMapOvr>
+    <a:masterClrMapping/>
+  </p:clrMapOvr>
+  <mc:AlternateContent xmlns:mc="http://schemas.openxmlformats.org/markup-compatibility/2006">
+    <mc:Choice xmlns:p159="http://schemas.microsoft.com/office/powerpoint/2015/09/main" xmlns:p14="http://schemas.microsoft.com/office/powerpoint/2010/main" Requires="p159">
+      <p:transition p14:dur="2000" advClick="1"/>
+    </mc:Choice>
+    <mc:Fallback>
+      <p:transition advClick="1"/>
+    </mc:Fallback>
+  </mc:AlternateContent>
+</p:sld>
+</file>
+
 <file path=ppt/slides/slide2.xml><?xml version="1.0" encoding="utf-8"?>
 <p:sld xmlns:a="http://schemas.openxmlformats.org/drawingml/2006/main" xmlns:r="http://schemas.openxmlformats.org/officeDocument/2006/relationships" xmlns:p="http://schemas.openxmlformats.org/presentationml/2006/main" xmlns:m="http://schemas.openxmlformats.org/officeDocument/2006/math" xmlns:w="http://schemas.openxmlformats.org/wordprocessingml/2006/main" showMasterPhAnim="0" show="1">
   <p:cSld name="">
@@ -7703,14 +7979,55 @@
       </p:grpSpPr>
       <p:sp>
         <p:nvSpPr>
-          <p:cNvPr id="1883057615" name=""/>
+          <p:cNvPr id="1361249792" name=""/>
+          <p:cNvSpPr/>
+          <p:nvPr/>
+        </p:nvSpPr>
+        <p:spPr bwMode="auto">
+          <a:xfrm flipH="0" flipV="0">
+            <a:off x="17213" y="-31229"/>
+            <a:ext cx="12195122" cy="6886106"/>
+          </a:xfrm>
+          <a:prstGeom prst="rect">
+            <a:avLst/>
+          </a:prstGeom>
+        </p:spPr>
+        <p:style>
+          <a:lnRef idx="2">
+            <a:schemeClr val="accent1">
+              <a:shade val="50000"/>
+            </a:schemeClr>
+          </a:lnRef>
+          <a:fillRef idx="1">
+            <a:schemeClr val="accent1"/>
+          </a:fillRef>
+          <a:effectRef idx="0">
+            <a:schemeClr val="accent1"/>
+          </a:effectRef>
+          <a:fontRef idx="minor">
+            <a:schemeClr val="lt1"/>
+          </a:fontRef>
+        </p:style>
+        <p:txBody>
+          <a:bodyPr/>
+          <a:p>
+            <a:pPr>
+              <a:defRPr/>
+            </a:pPr>
+            <a:endParaRPr/>
+          </a:p>
+        </p:txBody>
+      </p:sp>
+      <p:sp>
+        <p:nvSpPr>
+          <p:cNvPr id="1378480661" name=""/>
           <p:cNvSpPr txBox="1"/>
           <p:nvPr/>
         </p:nvSpPr>
         <p:spPr bwMode="auto">
           <a:xfrm flipH="0" flipV="0">
-            <a:off x="751106" y="624589"/>
-            <a:ext cx="10610697" cy="5456279"/>
+            <a:off x="1047786" y="1093032"/>
+            <a:ext cx="10133345" cy="3444598"/>
           </a:xfrm>
           <a:prstGeom prst="rect">
             <a:avLst/>
@@ -7726,23 +8043,17 @@
               <a:defRPr/>
             </a:pPr>
             <a:r>
-              <a:rPr sz="2200" b="0" i="0" u="none">
+              <a:rPr sz="10000">
                 <a:solidFill>
-                  <a:srgbClr val="000000"/>
+                  <a:schemeClr val="bg1"/>
                 </a:solidFill>
-                <a:latin typeface="Times New Roman"/>
-                <a:ea typeface="Times New Roman"/>
-                <a:cs typeface="Times New Roman"/>
               </a:rPr>
-              <a:t>- what is an embedded sytem </a:t>
-            </a:r>
-            <a:endParaRPr sz="2200" b="0" i="0" u="none">
+              <a:t>     Introducing </a:t>
+            </a:r>
+            <a:endParaRPr sz="10000">
               <a:solidFill>
-                <a:srgbClr val="000000"/>
+                <a:schemeClr val="bg1"/>
               </a:solidFill>
-              <a:latin typeface="Times New Roman"/>
-              <a:ea typeface="Times New Roman"/>
-              <a:cs typeface="Times New Roman"/>
             </a:endParaRPr>
           </a:p>
           <a:p>
@@ -7750,305 +8061,162 @@
               <a:defRPr/>
             </a:pPr>
             <a:r>
-              <a:rPr sz="2200" b="0" i="0" u="none">
+              <a:rPr sz="12000">
                 <a:solidFill>
-                  <a:srgbClr val="000000"/>
+                  <a:schemeClr val="bg1"/>
                 </a:solidFill>
-                <a:latin typeface="Times New Roman"/>
-                <a:ea typeface="Times New Roman"/>
-                <a:cs typeface="Times New Roman"/>
               </a:rPr>
-              <a:t>- what is arduino, capabilites, and types </a:t>
-            </a:r>
-            <a:endParaRPr sz="2200" b="0" i="0" u="none">
+              <a:t>          RISE</a:t>
+            </a:r>
+            <a:endParaRPr sz="12000">
               <a:solidFill>
-                <a:srgbClr val="000000"/>
+                <a:schemeClr val="bg1"/>
               </a:solidFill>
-              <a:latin typeface="Times New Roman"/>
-              <a:ea typeface="Times New Roman"/>
-              <a:cs typeface="Times New Roman"/>
             </a:endParaRPr>
           </a:p>
-          <a:p>
-            <a:pPr>
-              <a:defRPr/>
-            </a:pPr>
-            <a:r>
-              <a:rPr sz="2200" b="0" i="0" u="none">
-                <a:solidFill>
-                  <a:srgbClr val="000000"/>
-                </a:solidFill>
-                <a:latin typeface="Times New Roman"/>
-                <a:ea typeface="Times New Roman"/>
-                <a:cs typeface="Times New Roman"/>
-              </a:rPr>
-              <a:t>- UNO board layout overview - Arduino IDE layout (what is compilation / flashing) </a:t>
-            </a:r>
-            <a:endParaRPr sz="2200" b="0" i="0" u="none">
+        </p:txBody>
+      </p:sp>
+      <p:sp>
+        <p:nvSpPr>
+          <p:cNvPr id="155803508" name=""/>
+          <p:cNvSpPr/>
+          <p:nvPr/>
+        </p:nvSpPr>
+        <p:spPr bwMode="auto">
+          <a:xfrm flipH="0" flipV="0">
+            <a:off x="3287749" y="2831987"/>
+            <a:ext cx="1587498" cy="1555749"/>
+          </a:xfrm>
+          <a:prstGeom prst="donut">
+            <a:avLst>
+              <a:gd name="adj" fmla="val 10700"/>
+            </a:avLst>
+          </a:prstGeom>
+          <a:solidFill>
+            <a:schemeClr val="bg1"/>
+          </a:solidFill>
+        </p:spPr>
+        <p:style>
+          <a:lnRef idx="2">
+            <a:schemeClr val="accent1">
+              <a:shade val="50000"/>
+            </a:schemeClr>
+          </a:lnRef>
+          <a:fillRef idx="1">
+            <a:schemeClr val="accent1"/>
+          </a:fillRef>
+          <a:effectRef idx="0">
+            <a:schemeClr val="accent1"/>
+          </a:effectRef>
+          <a:fontRef idx="minor">
+            <a:schemeClr val="lt1"/>
+          </a:fontRef>
+        </p:style>
+        <p:txBody>
+          <a:bodyPr/>
+          <a:p>
+            <a:pPr>
+              <a:defRPr/>
+            </a:pPr>
+            <a:endParaRPr>
               <a:solidFill>
-                <a:srgbClr val="000000"/>
+                <a:schemeClr val="bg1"/>
               </a:solidFill>
-              <a:latin typeface="Times New Roman"/>
-              <a:ea typeface="Times New Roman"/>
-              <a:cs typeface="Times New Roman"/>
             </a:endParaRPr>
           </a:p>
-          <a:p>
-            <a:pPr>
-              <a:defRPr/>
-            </a:pPr>
-            <a:r>
-              <a:rPr sz="2200" b="0" i="0" u="none">
-                <a:solidFill>
-                  <a:srgbClr val="000000"/>
-                </a:solidFill>
-                <a:latin typeface="Times New Roman"/>
-                <a:ea typeface="Times New Roman"/>
-                <a:cs typeface="Times New Roman"/>
-              </a:rPr>
-              <a:t>- Basic programming (variables, function, loops, conditional statements, datatypes, operators)  </a:t>
-            </a:r>
-            <a:endParaRPr sz="2200" b="0" i="0" u="none">
-              <a:solidFill>
-                <a:srgbClr val="000000"/>
-              </a:solidFill>
-              <a:latin typeface="Times New Roman"/>
-              <a:ea typeface="Times New Roman"/>
-              <a:cs typeface="Times New Roman"/>
-            </a:endParaRPr>
-          </a:p>
-          <a:p>
-            <a:pPr>
-              <a:defRPr/>
-            </a:pPr>
-            <a:r>
-              <a:rPr sz="2200" b="0" i="0" u="none">
-                <a:solidFill>
-                  <a:srgbClr val="000000"/>
-                </a:solidFill>
-                <a:latin typeface="Times New Roman"/>
-                <a:ea typeface="Times New Roman"/>
-                <a:cs typeface="Times New Roman"/>
-              </a:rPr>
-              <a:t>- Binary systems </a:t>
-            </a:r>
-            <a:endParaRPr sz="2200" b="0" i="0" u="none">
-              <a:solidFill>
-                <a:srgbClr val="000000"/>
-              </a:solidFill>
-              <a:latin typeface="Times New Roman"/>
-              <a:ea typeface="Times New Roman"/>
-              <a:cs typeface="Times New Roman"/>
-            </a:endParaRPr>
-          </a:p>
-          <a:p>
-            <a:pPr>
-              <a:defRPr/>
-            </a:pPr>
-            <a:r>
-              <a:rPr sz="2200" b="0" i="0" u="none">
-                <a:solidFill>
-                  <a:srgbClr val="000000"/>
-                </a:solidFill>
-                <a:latin typeface="Times New Roman"/>
-                <a:ea typeface="Times New Roman"/>
-                <a:cs typeface="Times New Roman"/>
-              </a:rPr>
-              <a:t>- pulse width modulation in general (implementation and disadvntages) </a:t>
-            </a:r>
-            <a:endParaRPr sz="2200" b="0" i="0" u="none">
-              <a:solidFill>
-                <a:srgbClr val="000000"/>
-              </a:solidFill>
-              <a:latin typeface="Times New Roman"/>
-              <a:ea typeface="Times New Roman"/>
-              <a:cs typeface="Times New Roman"/>
-            </a:endParaRPr>
-          </a:p>
-          <a:p>
-            <a:pPr>
-              <a:defRPr/>
-            </a:pPr>
-            <a:r>
-              <a:rPr sz="2200" b="0" i="0" u="none">
-                <a:solidFill>
-                  <a:srgbClr val="000000"/>
-                </a:solidFill>
-                <a:latin typeface="Times New Roman"/>
-                <a:ea typeface="Times New Roman"/>
-                <a:cs typeface="Times New Roman"/>
-              </a:rPr>
-              <a:t>- arduino functions: digital/analog read/write, pinmode, delays, delaymicroseconds,&gt; </a:t>
-            </a:r>
-            <a:endParaRPr sz="2200" b="0" i="0" u="none">
-              <a:solidFill>
-                <a:srgbClr val="000000"/>
-              </a:solidFill>
-              <a:latin typeface="Times New Roman"/>
-              <a:ea typeface="Times New Roman"/>
-              <a:cs typeface="Times New Roman"/>
-            </a:endParaRPr>
-          </a:p>
-          <a:p>
-            <a:pPr>
-              <a:defRPr/>
-            </a:pPr>
-            <a:r>
-              <a:rPr sz="2200" b="0" i="0" u="none">
-                <a:solidFill>
-                  <a:srgbClr val="000000"/>
-                </a:solidFill>
-                <a:latin typeface="Times New Roman"/>
-                <a:ea typeface="Times New Roman"/>
-                <a:cs typeface="Times New Roman"/>
-              </a:rPr>
-              <a:t>- LED, resistors, ohms low, PULLUP/PULLDOWN resistors, button, button as toggle, breadboard.  </a:t>
-            </a:r>
-            <a:endParaRPr sz="2200" b="0" i="0" u="none">
-              <a:solidFill>
-                <a:srgbClr val="000000"/>
-              </a:solidFill>
-              <a:latin typeface="Times New Roman"/>
-              <a:ea typeface="Times New Roman"/>
-              <a:cs typeface="Times New Roman"/>
-            </a:endParaRPr>
-          </a:p>
-          <a:p>
-            <a:pPr>
-              <a:defRPr/>
-            </a:pPr>
-            <a:r>
-              <a:rPr sz="2200" b="0" i="0" u="none">
-                <a:solidFill>
-                  <a:srgbClr val="000000"/>
-                </a:solidFill>
-                <a:latin typeface="Times New Roman"/>
-                <a:ea typeface="Times New Roman"/>
-                <a:cs typeface="Times New Roman"/>
-              </a:rPr>
-              <a:t>- sensors ultrasonic, ir, light, humidity, temperature, buzzers, sound, color  sensor ...) </a:t>
-            </a:r>
-            <a:endParaRPr sz="2200" b="0" i="0" u="none">
-              <a:solidFill>
-                <a:srgbClr val="000000"/>
-              </a:solidFill>
-              <a:latin typeface="Times New Roman"/>
-              <a:ea typeface="Times New Roman"/>
-              <a:cs typeface="Times New Roman"/>
-            </a:endParaRPr>
-          </a:p>
-          <a:p>
-            <a:pPr>
-              <a:defRPr/>
-            </a:pPr>
-            <a:r>
-              <a:rPr sz="2200" b="0" i="0" u="none">
-                <a:solidFill>
-                  <a:srgbClr val="000000"/>
-                </a:solidFill>
-                <a:latin typeface="Times New Roman"/>
-                <a:ea typeface="Times New Roman"/>
-                <a:cs typeface="Times New Roman"/>
-              </a:rPr>
-              <a:t>- potentiometer </a:t>
-            </a:r>
-            <a:endParaRPr sz="2200" b="0" i="0" u="none">
-              <a:solidFill>
-                <a:srgbClr val="000000"/>
-              </a:solidFill>
-              <a:latin typeface="Times New Roman"/>
-              <a:ea typeface="Times New Roman"/>
-              <a:cs typeface="Times New Roman"/>
-            </a:endParaRPr>
-          </a:p>
-          <a:p>
-            <a:pPr>
-              <a:defRPr/>
-            </a:pPr>
-            <a:r>
-              <a:rPr sz="2200" b="0" i="0" u="none">
-                <a:solidFill>
-                  <a:srgbClr val="000000"/>
-                </a:solidFill>
-                <a:latin typeface="Times New Roman"/>
-                <a:ea typeface="Times New Roman"/>
-                <a:cs typeface="Times New Roman"/>
-              </a:rPr>
-              <a:t>- motors: dc motors and motor drivers, servo motors and libraries. </a:t>
-            </a:r>
-            <a:endParaRPr sz="2200" b="0" i="0" u="none">
-              <a:solidFill>
-                <a:srgbClr val="000000"/>
-              </a:solidFill>
-              <a:latin typeface="Times New Roman"/>
-              <a:ea typeface="Times New Roman"/>
-              <a:cs typeface="Times New Roman"/>
-            </a:endParaRPr>
-          </a:p>
-          <a:p>
-            <a:pPr>
-              <a:defRPr/>
-            </a:pPr>
-            <a:r>
-              <a:rPr sz="2200" b="0" i="0" u="none">
-                <a:solidFill>
-                  <a:srgbClr val="000000"/>
-                </a:solidFill>
-                <a:latin typeface="Times New Roman"/>
-                <a:ea typeface="Times New Roman"/>
-                <a:cs typeface="Times New Roman"/>
-              </a:rPr>
-              <a:t>- serial communication, serial monitor and serial plotter </a:t>
-            </a:r>
-            <a:endParaRPr sz="2200" b="0" i="0" u="none">
-              <a:solidFill>
-                <a:srgbClr val="000000"/>
-              </a:solidFill>
-              <a:latin typeface="Times New Roman"/>
-              <a:ea typeface="Times New Roman"/>
-              <a:cs typeface="Times New Roman"/>
-            </a:endParaRPr>
-          </a:p>
-          <a:p>
-            <a:pPr>
-              <a:defRPr/>
-            </a:pPr>
-            <a:r>
-              <a:rPr sz="2200" b="0" i="0" u="none">
-                <a:solidFill>
-                  <a:srgbClr val="000000"/>
-                </a:solidFill>
-                <a:latin typeface="Times New Roman"/>
-                <a:ea typeface="Times New Roman"/>
-                <a:cs typeface="Times New Roman"/>
-              </a:rPr>
-              <a:t>- possibly LCD screen </a:t>
-            </a:r>
-            <a:endParaRPr sz="2200" b="0" i="0" u="none">
-              <a:solidFill>
-                <a:srgbClr val="000000"/>
-              </a:solidFill>
-              <a:latin typeface="Times New Roman"/>
-              <a:ea typeface="Times New Roman"/>
-              <a:cs typeface="Times New Roman"/>
-            </a:endParaRPr>
-          </a:p>
-          <a:p>
-            <a:pPr>
-              <a:defRPr/>
-            </a:pPr>
-            <a:r>
-              <a:rPr sz="2200" b="0" i="0" u="none">
-                <a:solidFill>
-                  <a:srgbClr val="000000"/>
-                </a:solidFill>
-                <a:latin typeface="Times New Roman"/>
-                <a:ea typeface="Times New Roman"/>
-                <a:cs typeface="Times New Roman"/>
-              </a:rPr>
-              <a:t>- possible light dependent resistor LDR (sun tracking project)</a:t>
-            </a:r>
-            <a:endParaRPr sz="2800"/>
+        </p:txBody>
+      </p:sp>
+      <p:sp>
+        <p:nvSpPr>
+          <p:cNvPr id="1881289419" name=""/>
+          <p:cNvSpPr/>
+          <p:nvPr/>
+        </p:nvSpPr>
+        <p:spPr bwMode="auto">
+          <a:xfrm rot="19022565" flipH="0" flipV="0">
+            <a:off x="3735880" y="3319069"/>
+            <a:ext cx="518289" cy="539749"/>
+          </a:xfrm>
+          <a:prstGeom prst="halfFrame">
+            <a:avLst>
+              <a:gd name="adj1" fmla="val 33333"/>
+              <a:gd name="adj2" fmla="val 33333"/>
+            </a:avLst>
+          </a:prstGeom>
+          <a:solidFill>
+            <a:schemeClr val="bg1"/>
+          </a:solidFill>
+        </p:spPr>
+        <p:style>
+          <a:lnRef idx="2">
+            <a:schemeClr val="accent1">
+              <a:shade val="50000"/>
+            </a:schemeClr>
+          </a:lnRef>
+          <a:fillRef idx="1">
+            <a:schemeClr val="accent1"/>
+          </a:fillRef>
+          <a:effectRef idx="0">
+            <a:schemeClr val="accent1"/>
+          </a:effectRef>
+          <a:fontRef idx="minor">
+            <a:schemeClr val="lt1"/>
+          </a:fontRef>
+        </p:style>
+        <p:txBody>
+          <a:bodyPr/>
+          <a:p>
+            <a:pPr>
+              <a:defRPr/>
+            </a:pPr>
+            <a:endParaRPr/>
+          </a:p>
+        </p:txBody>
+      </p:sp>
+      <p:sp>
+        <p:nvSpPr>
+          <p:cNvPr id="935176232" name=""/>
+          <p:cNvSpPr/>
+          <p:nvPr/>
+        </p:nvSpPr>
+        <p:spPr bwMode="auto">
+          <a:xfrm rot="8053917" flipH="0" flipV="0">
+            <a:off x="3909779" y="3295579"/>
+            <a:ext cx="518288" cy="539749"/>
+          </a:xfrm>
+          <a:prstGeom prst="halfFrame">
+            <a:avLst>
+              <a:gd name="adj1" fmla="val 33333"/>
+              <a:gd name="adj2" fmla="val 33333"/>
+            </a:avLst>
+          </a:prstGeom>
+          <a:solidFill>
+            <a:schemeClr val="bg1"/>
+          </a:solidFill>
+        </p:spPr>
+        <p:style>
+          <a:lnRef idx="2">
+            <a:schemeClr val="accent1">
+              <a:shade val="50000"/>
+            </a:schemeClr>
+          </a:lnRef>
+          <a:fillRef idx="1">
+            <a:schemeClr val="accent1"/>
+          </a:fillRef>
+          <a:effectRef idx="0">
+            <a:schemeClr val="accent1"/>
+          </a:effectRef>
+          <a:fontRef idx="minor">
+            <a:schemeClr val="lt1"/>
+          </a:fontRef>
+        </p:style>
+        <p:txBody>
+          <a:bodyPr/>
+          <a:p>
+            <a:pPr>
+              <a:defRPr/>
+            </a:pPr>
+            <a:endParaRPr/>
           </a:p>
         </p:txBody>
       </p:sp>
@@ -8087,282 +8255,6 @@
       </p:grpSpPr>
       <p:sp>
         <p:nvSpPr>
-          <p:cNvPr id="1361249792" name=""/>
-          <p:cNvSpPr/>
-          <p:nvPr/>
-        </p:nvSpPr>
-        <p:spPr bwMode="auto">
-          <a:xfrm flipH="0" flipV="0">
-            <a:off x="17213" y="-31229"/>
-            <a:ext cx="12195122" cy="6886106"/>
-          </a:xfrm>
-          <a:prstGeom prst="rect">
-            <a:avLst/>
-          </a:prstGeom>
-        </p:spPr>
-        <p:style>
-          <a:lnRef idx="2">
-            <a:schemeClr val="accent1">
-              <a:shade val="50000"/>
-            </a:schemeClr>
-          </a:lnRef>
-          <a:fillRef idx="1">
-            <a:schemeClr val="accent1"/>
-          </a:fillRef>
-          <a:effectRef idx="0">
-            <a:schemeClr val="accent1"/>
-          </a:effectRef>
-          <a:fontRef idx="minor">
-            <a:schemeClr val="lt1"/>
-          </a:fontRef>
-        </p:style>
-        <p:txBody>
-          <a:bodyPr/>
-          <a:p>
-            <a:pPr>
-              <a:defRPr/>
-            </a:pPr>
-            <a:endParaRPr/>
-          </a:p>
-        </p:txBody>
-      </p:sp>
-      <p:sp>
-        <p:nvSpPr>
-          <p:cNvPr id="1378480661" name=""/>
-          <p:cNvSpPr txBox="1"/>
-          <p:nvPr/>
-        </p:nvSpPr>
-        <p:spPr bwMode="auto">
-          <a:xfrm flipH="0" flipV="0">
-            <a:off x="1047786" y="1093032"/>
-            <a:ext cx="10133345" cy="3444599"/>
-          </a:xfrm>
-          <a:prstGeom prst="rect">
-            <a:avLst/>
-          </a:prstGeom>
-          <a:noFill/>
-        </p:spPr>
-        <p:txBody>
-          <a:bodyPr vertOverflow="overflow" horzOverflow="overflow" vert="horz" wrap="square" lIns="91440" tIns="45720" rIns="91440" bIns="45720" numCol="1" spcCol="0" rtlCol="0" fromWordArt="0" anchor="t" anchorCtr="0" forceAA="0" upright="0" compatLnSpc="0">
-            <a:spAutoFit/>
-          </a:bodyPr>
-          <a:p>
-            <a:pPr>
-              <a:defRPr/>
-            </a:pPr>
-            <a:r>
-              <a:rPr sz="10000">
-                <a:solidFill>
-                  <a:schemeClr val="bg1"/>
-                </a:solidFill>
-              </a:rPr>
-              <a:t>     Introducing </a:t>
-            </a:r>
-            <a:endParaRPr sz="10000">
-              <a:solidFill>
-                <a:schemeClr val="bg1"/>
-              </a:solidFill>
-            </a:endParaRPr>
-          </a:p>
-          <a:p>
-            <a:pPr>
-              <a:defRPr/>
-            </a:pPr>
-            <a:r>
-              <a:rPr sz="12000">
-                <a:solidFill>
-                  <a:schemeClr val="bg1"/>
-                </a:solidFill>
-              </a:rPr>
-              <a:t>          RISE</a:t>
-            </a:r>
-            <a:endParaRPr sz="12000">
-              <a:solidFill>
-                <a:schemeClr val="bg1"/>
-              </a:solidFill>
-            </a:endParaRPr>
-          </a:p>
-        </p:txBody>
-      </p:sp>
-      <p:sp>
-        <p:nvSpPr>
-          <p:cNvPr id="155803508" name=""/>
-          <p:cNvSpPr/>
-          <p:nvPr/>
-        </p:nvSpPr>
-        <p:spPr bwMode="auto">
-          <a:xfrm flipH="0" flipV="0">
-            <a:off x="3287749" y="2831987"/>
-            <a:ext cx="1587498" cy="1555749"/>
-          </a:xfrm>
-          <a:prstGeom prst="donut">
-            <a:avLst>
-              <a:gd name="adj" fmla="val 10700"/>
-            </a:avLst>
-          </a:prstGeom>
-          <a:solidFill>
-            <a:schemeClr val="bg1"/>
-          </a:solidFill>
-        </p:spPr>
-        <p:style>
-          <a:lnRef idx="2">
-            <a:schemeClr val="accent1">
-              <a:shade val="50000"/>
-            </a:schemeClr>
-          </a:lnRef>
-          <a:fillRef idx="1">
-            <a:schemeClr val="accent1"/>
-          </a:fillRef>
-          <a:effectRef idx="0">
-            <a:schemeClr val="accent1"/>
-          </a:effectRef>
-          <a:fontRef idx="minor">
-            <a:schemeClr val="lt1"/>
-          </a:fontRef>
-        </p:style>
-        <p:txBody>
-          <a:bodyPr/>
-          <a:p>
-            <a:pPr>
-              <a:defRPr/>
-            </a:pPr>
-            <a:endParaRPr>
-              <a:solidFill>
-                <a:schemeClr val="bg1"/>
-              </a:solidFill>
-            </a:endParaRPr>
-          </a:p>
-        </p:txBody>
-      </p:sp>
-      <p:sp>
-        <p:nvSpPr>
-          <p:cNvPr id="1881289419" name=""/>
-          <p:cNvSpPr/>
-          <p:nvPr/>
-        </p:nvSpPr>
-        <p:spPr bwMode="auto">
-          <a:xfrm rot="19022565" flipH="0" flipV="0">
-            <a:off x="3735880" y="3319069"/>
-            <a:ext cx="518289" cy="539749"/>
-          </a:xfrm>
-          <a:prstGeom prst="halfFrame">
-            <a:avLst>
-              <a:gd name="adj1" fmla="val 33333"/>
-              <a:gd name="adj2" fmla="val 33333"/>
-            </a:avLst>
-          </a:prstGeom>
-          <a:solidFill>
-            <a:schemeClr val="bg1"/>
-          </a:solidFill>
-        </p:spPr>
-        <p:style>
-          <a:lnRef idx="2">
-            <a:schemeClr val="accent1">
-              <a:shade val="50000"/>
-            </a:schemeClr>
-          </a:lnRef>
-          <a:fillRef idx="1">
-            <a:schemeClr val="accent1"/>
-          </a:fillRef>
-          <a:effectRef idx="0">
-            <a:schemeClr val="accent1"/>
-          </a:effectRef>
-          <a:fontRef idx="minor">
-            <a:schemeClr val="lt1"/>
-          </a:fontRef>
-        </p:style>
-        <p:txBody>
-          <a:bodyPr/>
-          <a:p>
-            <a:pPr>
-              <a:defRPr/>
-            </a:pPr>
-            <a:endParaRPr/>
-          </a:p>
-        </p:txBody>
-      </p:sp>
-      <p:sp>
-        <p:nvSpPr>
-          <p:cNvPr id="935176232" name=""/>
-          <p:cNvSpPr/>
-          <p:nvPr/>
-        </p:nvSpPr>
-        <p:spPr bwMode="auto">
-          <a:xfrm rot="8053918" flipH="0" flipV="0">
-            <a:off x="3909779" y="3295579"/>
-            <a:ext cx="518288" cy="539749"/>
-          </a:xfrm>
-          <a:prstGeom prst="halfFrame">
-            <a:avLst>
-              <a:gd name="adj1" fmla="val 33333"/>
-              <a:gd name="adj2" fmla="val 33333"/>
-            </a:avLst>
-          </a:prstGeom>
-          <a:solidFill>
-            <a:schemeClr val="bg1"/>
-          </a:solidFill>
-        </p:spPr>
-        <p:style>
-          <a:lnRef idx="2">
-            <a:schemeClr val="accent1">
-              <a:shade val="50000"/>
-            </a:schemeClr>
-          </a:lnRef>
-          <a:fillRef idx="1">
-            <a:schemeClr val="accent1"/>
-          </a:fillRef>
-          <a:effectRef idx="0">
-            <a:schemeClr val="accent1"/>
-          </a:effectRef>
-          <a:fontRef idx="minor">
-            <a:schemeClr val="lt1"/>
-          </a:fontRef>
-        </p:style>
-        <p:txBody>
-          <a:bodyPr/>
-          <a:p>
-            <a:pPr>
-              <a:defRPr/>
-            </a:pPr>
-            <a:endParaRPr/>
-          </a:p>
-        </p:txBody>
-      </p:sp>
-    </p:spTree>
-  </p:cSld>
-  <p:clrMapOvr>
-    <a:masterClrMapping/>
-  </p:clrMapOvr>
-  <mc:AlternateContent xmlns:mc="http://schemas.openxmlformats.org/markup-compatibility/2006">
-    <mc:Choice xmlns:p159="http://schemas.microsoft.com/office/powerpoint/2015/09/main" xmlns:p14="http://schemas.microsoft.com/office/powerpoint/2010/main" Requires="p159">
-      <p:transition p14:dur="2000" advClick="1"/>
-    </mc:Choice>
-    <mc:Fallback>
-      <p:transition advClick="1"/>
-    </mc:Fallback>
-  </mc:AlternateContent>
-</p:sld>
-</file>
-
-<file path=ppt/slides/slide4.xml><?xml version="1.0" encoding="utf-8"?>
-<p:sld xmlns:a="http://schemas.openxmlformats.org/drawingml/2006/main" xmlns:r="http://schemas.openxmlformats.org/officeDocument/2006/relationships" xmlns:p="http://schemas.openxmlformats.org/presentationml/2006/main" xmlns:m="http://schemas.openxmlformats.org/officeDocument/2006/math" xmlns:w="http://schemas.openxmlformats.org/wordprocessingml/2006/main" showMasterPhAnim="0" show="1">
-  <p:cSld name="">
-    <p:spTree>
-      <p:nvGrpSpPr>
-        <p:cNvPr id="1" name=""/>
-        <p:cNvGrpSpPr/>
-        <p:nvPr/>
-      </p:nvGrpSpPr>
-      <p:grpSpPr bwMode="auto">
-        <a:xfrm>
-          <a:off x="0" y="0"/>
-          <a:ext cx="0" cy="0"/>
-          <a:chOff x="0" y="0"/>
-          <a:chExt cx="0" cy="0"/>
-        </a:xfrm>
-      </p:grpSpPr>
-      <p:sp>
-        <p:nvSpPr>
           <p:cNvPr id="1427692573" name="Title 1"/>
           <p:cNvSpPr>
             <a:spLocks noGrp="1"/>
@@ -8381,12 +8273,51 @@
           <a:bodyPr/>
           <a:lstStyle/>
           <a:p>
-            <a:pPr>
-              <a:defRPr/>
-            </a:pPr>
-            <a:r>
-              <a:rPr lang="en-US" sz="3600" b="1"/>
-              <a:t>Course overview(1)</a:t>
+            <a:pPr marL="0" marR="0" indent="0" algn="l">
+              <a:lnSpc>
+                <a:spcPct val="90000"/>
+              </a:lnSpc>
+              <a:spcBef>
+                <a:spcPts val="0"/>
+              </a:spcBef>
+              <a:spcAft>
+                <a:spcPts val="0"/>
+              </a:spcAft>
+              <a:buNone/>
+              <a:defRPr/>
+            </a:pPr>
+            <a:r>
+              <a:rPr lang="en-US" sz="4400" b="0" i="0" u="none" strike="noStrike" cap="none" spc="0">
+                <a:solidFill>
+                  <a:schemeClr val="tx1"/>
+                </a:solidFill>
+                <a:latin typeface="Arial"/>
+                <a:ea typeface="Arial"/>
+                <a:cs typeface="Arial"/>
+              </a:rPr>
+              <a:t>Course </a:t>
+            </a:r>
+            <a:r>
+              <a:rPr lang="en-US" sz="4400" b="0" i="0" u="none" strike="noStrike" cap="none" spc="0">
+                <a:solidFill>
+                  <a:schemeClr val="tx1"/>
+                </a:solidFill>
+                <a:latin typeface="Arial"/>
+                <a:ea typeface="Arial"/>
+                <a:cs typeface="Arial"/>
+              </a:rPr>
+              <a:t>overview</a:t>
+            </a:r>
+            <a:r>
+              <a:rPr lang="en-US" sz="4400" b="0" i="0" u="none" strike="noStrike" cap="none" spc="0">
+                <a:solidFill>
+                  <a:schemeClr val="tx1"/>
+                </a:solidFill>
+                <a:latin typeface="Arial"/>
+                <a:ea typeface="Arial"/>
+                <a:cs typeface="Arial"/>
+              </a:rPr>
+              <a:t>(1)</a:t>
             </a:r>
             <a:endParaRPr sz="3600" b="1"/>
           </a:p>
@@ -8742,7 +8673,7 @@
 </p:sld>
 </file>
 
-<file path=ppt/slides/slide5.xml><?xml version="1.0" encoding="utf-8"?>
+<file path=ppt/slides/slide4.xml><?xml version="1.0" encoding="utf-8"?>
 <p:sld xmlns:a="http://schemas.openxmlformats.org/drawingml/2006/main" xmlns:r="http://schemas.openxmlformats.org/officeDocument/2006/relationships" xmlns:p="http://schemas.openxmlformats.org/presentationml/2006/main" xmlns:m="http://schemas.openxmlformats.org/officeDocument/2006/math" xmlns:w="http://schemas.openxmlformats.org/wordprocessingml/2006/main" showMasterPhAnim="0" show="1">
   <p:cSld name="">
     <p:spTree>
@@ -8779,11 +8710,28 @@
           <a:bodyPr/>
           <a:lstStyle/>
           <a:p>
-            <a:pPr>
-              <a:defRPr/>
-            </a:pPr>
-            <a:r>
-              <a:rPr lang="en-US" sz="3600" b="1"/>
+            <a:pPr marL="0" marR="0" indent="0" algn="l">
+              <a:lnSpc>
+                <a:spcPct val="90000"/>
+              </a:lnSpc>
+              <a:spcBef>
+                <a:spcPts val="0"/>
+              </a:spcBef>
+              <a:spcAft>
+                <a:spcPts val="0"/>
+              </a:spcAft>
+              <a:buNone/>
+              <a:defRPr/>
+            </a:pPr>
+            <a:r>
+              <a:rPr lang="en-US" sz="4400" b="0" i="0" u="none" strike="noStrike" cap="none" spc="0">
+                <a:solidFill>
+                  <a:schemeClr val="tx1"/>
+                </a:solidFill>
+                <a:latin typeface="Arial"/>
+                <a:ea typeface="Arial"/>
+                <a:cs typeface="Arial"/>
+              </a:rPr>
               <a:t>Course overview(2)</a:t>
             </a:r>
             <a:endParaRPr sz="3600" b="1"/>
@@ -8999,7 +8947,7 @@
         <p:spPr bwMode="auto">
           <a:xfrm flipH="0" flipV="0">
             <a:off x="319123" y="1158874"/>
-            <a:ext cx="11333565" cy="5090519"/>
+            <a:ext cx="11336805" cy="2316839"/>
           </a:xfrm>
           <a:prstGeom prst="rect">
             <a:avLst/>
@@ -9025,7 +8973,7 @@
               <a:defRPr/>
             </a:pPr>
             <a:r>
-              <a:rPr lang="en-US" sz="2000" b="0" i="0" u="none" strike="noStrike" cap="none" spc="0">
+              <a:rPr lang="en-US" sz="700" b="0" i="0" u="none" strike="noStrike" cap="none" spc="0">
                 <a:solidFill>
                   <a:srgbClr val="000000"/>
                 </a:solidFill>
@@ -9035,7 +8983,7 @@
               </a:rPr>
               <a:t>- what is an embedded systems</a:t>
             </a:r>
-            <a:endParaRPr sz="2000" b="0" i="0" u="none">
+            <a:endParaRPr sz="700" b="0" i="0" u="none">
               <a:solidFill>
                 <a:srgbClr val="000000"/>
               </a:solidFill>
@@ -9049,7 +8997,7 @@
               <a:defRPr/>
             </a:pPr>
             <a:r>
-              <a:rPr lang="en-US" sz="2000" b="0" i="0" u="none" strike="noStrike" cap="none" spc="0">
+              <a:rPr lang="en-US" sz="700" b="0" i="0" u="none" strike="noStrike" cap="none" spc="0">
                 <a:solidFill>
                   <a:srgbClr val="000000"/>
                 </a:solidFill>
@@ -9059,7 +9007,7 @@
               </a:rPr>
               <a:t>- what is arduino, capabilites, and types </a:t>
             </a:r>
-            <a:endParaRPr sz="2000" b="0" i="0" u="none">
+            <a:endParaRPr sz="700" b="0" i="0" u="none">
               <a:solidFill>
                 <a:srgbClr val="000000"/>
               </a:solidFill>
@@ -9073,7 +9021,7 @@
               <a:defRPr/>
             </a:pPr>
             <a:r>
-              <a:rPr lang="en-US" sz="2000" b="0" i="0" u="none" strike="noStrike" cap="none" spc="0">
+              <a:rPr lang="en-US" sz="700" b="0" i="0" u="none" strike="noStrike" cap="none" spc="0">
                 <a:solidFill>
                   <a:srgbClr val="000000"/>
                 </a:solidFill>
@@ -9083,7 +9031,7 @@
               </a:rPr>
               <a:t>- UNO board layout overview - Arduino IDE layout (what is compilation / flashing) </a:t>
             </a:r>
-            <a:endParaRPr sz="2000" b="0" i="0" u="none">
+            <a:endParaRPr sz="700" b="0" i="0" u="none">
               <a:solidFill>
                 <a:srgbClr val="000000"/>
               </a:solidFill>
@@ -9097,7 +9045,7 @@
               <a:defRPr/>
             </a:pPr>
             <a:r>
-              <a:rPr lang="en-US" sz="2000" b="0" i="0" u="none" strike="noStrike" cap="none" spc="0">
+              <a:rPr lang="en-US" sz="700" b="0" i="0" u="none" strike="noStrike" cap="none" spc="0">
                 <a:solidFill>
                   <a:srgbClr val="000000"/>
                 </a:solidFill>
@@ -9107,7 +9055,7 @@
               </a:rPr>
               <a:t>- Basic programming (variables, function, loops, conditional statements, datatypes, operators)  </a:t>
             </a:r>
-            <a:endParaRPr sz="2000" b="0" i="0" u="none">
+            <a:endParaRPr sz="700" b="0" i="0" u="none">
               <a:solidFill>
                 <a:srgbClr val="000000"/>
               </a:solidFill>
@@ -9121,7 +9069,7 @@
               <a:defRPr/>
             </a:pPr>
             <a:r>
-              <a:rPr lang="en-US" sz="2000" b="0" i="0" u="none" strike="noStrike" cap="none" spc="0">
+              <a:rPr lang="en-US" sz="700" b="0" i="0" u="none" strike="noStrike" cap="none" spc="0">
                 <a:solidFill>
                   <a:srgbClr val="000000"/>
                 </a:solidFill>
@@ -9131,7 +9079,7 @@
               </a:rPr>
               <a:t>- Binary systems </a:t>
             </a:r>
-            <a:endParaRPr sz="2000" b="0" i="0" u="none">
+            <a:endParaRPr sz="700" b="0" i="0" u="none">
               <a:solidFill>
                 <a:srgbClr val="000000"/>
               </a:solidFill>
@@ -9145,7 +9093,7 @@
               <a:defRPr/>
             </a:pPr>
             <a:r>
-              <a:rPr lang="en-US" sz="2000" b="0" i="0" u="none" strike="noStrike" cap="none" spc="0">
+              <a:rPr lang="en-US" sz="700" b="0" i="0" u="none" strike="noStrike" cap="none" spc="0">
                 <a:solidFill>
                   <a:srgbClr val="000000"/>
                 </a:solidFill>
@@ -9155,7 +9103,7 @@
               </a:rPr>
               <a:t>- Pulse Width Modulation (software and hardware.)</a:t>
             </a:r>
-            <a:endParaRPr sz="2000" b="0" i="0" u="none">
+            <a:endParaRPr sz="700" b="0" i="0" u="none">
               <a:solidFill>
                 <a:srgbClr val="000000"/>
               </a:solidFill>
@@ -9169,7 +9117,7 @@
               <a:defRPr/>
             </a:pPr>
             <a:r>
-              <a:rPr lang="en-US" sz="2000" b="0" i="0" u="none" strike="noStrike" cap="none" spc="0">
+              <a:rPr lang="en-US" sz="700" b="0" i="0" u="none" strike="noStrike" cap="none" spc="0">
                 <a:solidFill>
                   <a:srgbClr val="000000"/>
                 </a:solidFill>
@@ -9179,7 +9127,7 @@
               </a:rPr>
               <a:t>- Arduino functions: digital/analog read/write, pinmode, delays,...</a:t>
             </a:r>
-            <a:endParaRPr sz="2000" b="0" i="0" u="none">
+            <a:endParaRPr sz="700" b="0" i="0" u="none">
               <a:solidFill>
                 <a:srgbClr val="000000"/>
               </a:solidFill>
@@ -9193,7 +9141,7 @@
               <a:defRPr/>
             </a:pPr>
             <a:r>
-              <a:rPr lang="en-US" sz="2000" b="0" i="0" u="none" strike="noStrike" cap="none" spc="0">
+              <a:rPr lang="en-US" sz="700" b="0" i="0" u="none" strike="noStrike" cap="none" spc="0">
                 <a:solidFill>
                   <a:srgbClr val="000000"/>
                 </a:solidFill>
@@ -9203,7 +9151,7 @@
               </a:rPr>
               <a:t>- LED, resistors, ohms low, PULLUP/PULLDOWN resistors, button, button as toggle, breadboard.  </a:t>
             </a:r>
-            <a:endParaRPr sz="2000" b="0" i="0" u="none">
+            <a:endParaRPr sz="700" b="0" i="0" u="none">
               <a:solidFill>
                 <a:srgbClr val="000000"/>
               </a:solidFill>
@@ -9217,7 +9165,7 @@
               <a:defRPr/>
             </a:pPr>
             <a:r>
-              <a:rPr lang="en-US" sz="2000" b="0" i="0" u="none" strike="noStrike" cap="none" spc="0">
+              <a:rPr lang="en-US" sz="700" b="0" i="0" u="none" strike="noStrike" cap="none" spc="0">
                 <a:solidFill>
                   <a:srgbClr val="000000"/>
                 </a:solidFill>
@@ -9227,7 +9175,7 @@
               </a:rPr>
               <a:t>- sensors: ultrasonic, ir receiver/transmitter, light, humidity, temperature, buzzers, sound, color  sensor ...) </a:t>
             </a:r>
-            <a:endParaRPr sz="2000" b="0" i="0" u="none">
+            <a:endParaRPr sz="700" b="0" i="0" u="none">
               <a:solidFill>
                 <a:srgbClr val="000000"/>
               </a:solidFill>
@@ -9241,7 +9189,7 @@
               <a:defRPr/>
             </a:pPr>
             <a:r>
-              <a:rPr lang="en-US" sz="2000" b="0" i="0" u="none" strike="noStrike" cap="none" spc="0">
+              <a:rPr lang="en-US" sz="700" b="0" i="0" u="none" strike="noStrike" cap="none" spc="0">
                 <a:solidFill>
                   <a:srgbClr val="000000"/>
                 </a:solidFill>
@@ -9251,7 +9199,7 @@
               </a:rPr>
               <a:t>- potentiometer </a:t>
             </a:r>
-            <a:endParaRPr sz="2000" b="0" i="0" u="none">
+            <a:endParaRPr sz="700" b="0" i="0" u="none">
               <a:solidFill>
                 <a:srgbClr val="000000"/>
               </a:solidFill>
@@ -9265,7 +9213,7 @@
               <a:defRPr/>
             </a:pPr>
             <a:r>
-              <a:rPr lang="en-US" sz="2000" b="0" i="0" u="none" strike="noStrike" cap="none" spc="0">
+              <a:rPr lang="en-US" sz="700" b="0" i="0" u="none" strike="noStrike" cap="none" spc="0">
                 <a:solidFill>
                   <a:srgbClr val="000000"/>
                 </a:solidFill>
@@ -9275,7 +9223,7 @@
               </a:rPr>
               <a:t>- motors: dc motors and motor drivers, servo motors and libraries. </a:t>
             </a:r>
-            <a:endParaRPr sz="2000" b="0" i="0" u="none">
+            <a:endParaRPr sz="700" b="0" i="0" u="none">
               <a:solidFill>
                 <a:srgbClr val="000000"/>
               </a:solidFill>
@@ -9289,7 +9237,7 @@
               <a:defRPr/>
             </a:pPr>
             <a:r>
-              <a:rPr lang="en-US" sz="2000" b="0" i="0" u="none" strike="noStrike" cap="none" spc="0">
+              <a:rPr lang="en-US" sz="700" b="0" i="0" u="none" strike="noStrike" cap="none" spc="0">
                 <a:solidFill>
                   <a:srgbClr val="000000"/>
                 </a:solidFill>
@@ -9299,7 +9247,7 @@
               </a:rPr>
               <a:t>- serial communication, serial monitor and serial plotter </a:t>
             </a:r>
-            <a:endParaRPr sz="2000" b="0" i="0" u="none">
+            <a:endParaRPr sz="700" b="0" i="0" u="none">
               <a:solidFill>
                 <a:srgbClr val="000000"/>
               </a:solidFill>
@@ -9313,7 +9261,7 @@
               <a:defRPr/>
             </a:pPr>
             <a:r>
-              <a:rPr lang="en-US" sz="2000" b="0" i="0" u="none" strike="noStrike" cap="none" spc="0">
+              <a:rPr lang="en-US" sz="700" b="0" i="0" u="none" strike="noStrike" cap="none" spc="0">
                 <a:solidFill>
                   <a:srgbClr val="000000"/>
                 </a:solidFill>
@@ -9323,7 +9271,7 @@
               </a:rPr>
               <a:t>- possibly LCD screen </a:t>
             </a:r>
-            <a:endParaRPr sz="2000" b="0" i="0" u="none">
+            <a:endParaRPr sz="700" b="0" i="0" u="none">
               <a:solidFill>
                 <a:srgbClr val="000000"/>
               </a:solidFill>
@@ -9337,7 +9285,7 @@
               <a:defRPr/>
             </a:pPr>
             <a:r>
-              <a:rPr lang="en-US" sz="2000" b="0" i="0" u="none" strike="noStrike" cap="none" spc="0">
+              <a:rPr lang="en-US" sz="700" b="0" i="0" u="none" strike="noStrike" cap="none" spc="0">
                 <a:solidFill>
                   <a:srgbClr val="000000"/>
                 </a:solidFill>
@@ -9347,7 +9295,7 @@
               </a:rPr>
               <a:t>- possible light dependent resistor LDR (sun tracking project)</a:t>
             </a:r>
-            <a:endParaRPr sz="2000" b="1"/>
+            <a:endParaRPr sz="700" b="1"/>
           </a:p>
           <a:p>
             <a:pPr>
@@ -9373,7 +9321,7 @@
 </p:sld>
 </file>
 
-<file path=ppt/slides/slide6.xml><?xml version="1.0" encoding="utf-8"?>
+<file path=ppt/slides/slide5.xml><?xml version="1.0" encoding="utf-8"?>
 <p:sld xmlns:a="http://schemas.openxmlformats.org/drawingml/2006/main" xmlns:r="http://schemas.openxmlformats.org/officeDocument/2006/relationships" xmlns:p="http://schemas.openxmlformats.org/presentationml/2006/main" xmlns:m="http://schemas.openxmlformats.org/officeDocument/2006/math" xmlns:w="http://schemas.openxmlformats.org/wordprocessingml/2006/main" showMasterPhAnim="0" show="1">
   <p:cSld name="">
     <p:spTree>
@@ -9390,37 +9338,6 @@
           <a:chExt cx="0" cy="0"/>
         </a:xfrm>
       </p:grpSpPr>
-      <p:sp>
-        <p:nvSpPr>
-          <p:cNvPr id="11058977" name="Title 1"/>
-          <p:cNvSpPr>
-            <a:spLocks noGrp="1"/>
-          </p:cNvSpPr>
-          <p:nvPr>
-            <p:ph type="ctrTitle"/>
-          </p:nvPr>
-        </p:nvSpPr>
-        <p:spPr bwMode="auto">
-          <a:xfrm flipH="0" flipV="0">
-            <a:off x="190498" y="15873"/>
-            <a:ext cx="9144000" cy="1192211"/>
-          </a:xfrm>
-        </p:spPr>
-        <p:txBody>
-          <a:bodyPr/>
-          <a:lstStyle/>
-          <a:p>
-            <a:pPr>
-              <a:defRPr/>
-            </a:pPr>
-            <a:r>
-              <a:rPr lang="en-US" sz="3600" b="1"/>
-              <a:t>Session 1 breakdown</a:t>
-            </a:r>
-            <a:endParaRPr sz="3600" b="1"/>
-          </a:p>
-        </p:txBody>
-      </p:sp>
       <p:sp>
         <p:nvSpPr>
           <p:cNvPr id="633312640" name="Subtitle 2"/>
@@ -9778,6 +9695,37 @@
           </a:p>
         </p:txBody>
       </p:sp>
+      <p:sp>
+        <p:nvSpPr>
+          <p:cNvPr id="1755807297" name="Title 1"/>
+          <p:cNvSpPr>
+            <a:spLocks noGrp="1"/>
+          </p:cNvSpPr>
+          <p:nvPr>
+            <p:ph type="title"/>
+          </p:nvPr>
+        </p:nvSpPr>
+        <p:spPr bwMode="auto">
+          <a:xfrm>
+            <a:off x="444497" y="214311"/>
+            <a:ext cx="10515600" cy="1325562"/>
+          </a:xfrm>
+        </p:spPr>
+        <p:txBody>
+          <a:bodyPr/>
+          <a:lstStyle/>
+          <a:p>
+            <a:pPr>
+              <a:defRPr/>
+            </a:pPr>
+            <a:r>
+              <a:rPr lang="en-US"/>
+              <a:t>Session 1 - Introduction to Arduino</a:t>
+            </a:r>
+            <a:endParaRPr/>
+          </a:p>
+        </p:txBody>
+      </p:sp>
     </p:spTree>
   </p:cSld>
   <p:clrMapOvr>
@@ -9794,7 +9742,7 @@
 </p:sld>
 </file>
 
-<file path=ppt/slides/slide7.xml><?xml version="1.0" encoding="utf-8"?>
+<file path=ppt/slides/slide6.xml><?xml version="1.0" encoding="utf-8"?>
 <p:sld xmlns:a="http://schemas.openxmlformats.org/drawingml/2006/main" xmlns:r="http://schemas.openxmlformats.org/officeDocument/2006/relationships" xmlns:p="http://schemas.openxmlformats.org/presentationml/2006/main" xmlns:m="http://schemas.openxmlformats.org/officeDocument/2006/math" xmlns:w="http://schemas.openxmlformats.org/wordprocessingml/2006/main" showMasterPhAnim="0" show="1">
   <p:cSld name="">
     <p:bg>
@@ -10141,6 +10089,153 @@
 </p:sld>
 </file>
 
+<file path=ppt/slides/slide7.xml><?xml version="1.0" encoding="utf-8"?>
+<p:sld xmlns:a="http://schemas.openxmlformats.org/drawingml/2006/main" xmlns:r="http://schemas.openxmlformats.org/officeDocument/2006/relationships" xmlns:p="http://schemas.openxmlformats.org/presentationml/2006/main" xmlns:m="http://schemas.openxmlformats.org/officeDocument/2006/math" xmlns:w="http://schemas.openxmlformats.org/wordprocessingml/2006/main" showMasterPhAnim="0" show="1">
+  <p:cSld name="">
+    <p:spTree>
+      <p:nvGrpSpPr>
+        <p:cNvPr id="1" name=""/>
+        <p:cNvGrpSpPr/>
+        <p:nvPr/>
+      </p:nvGrpSpPr>
+      <p:grpSpPr bwMode="auto">
+        <a:xfrm>
+          <a:off x="0" y="0"/>
+          <a:ext cx="0" cy="0"/>
+          <a:chOff x="0" y="0"/>
+          <a:chExt cx="0" cy="0"/>
+        </a:xfrm>
+      </p:grpSpPr>
+      <p:sp>
+        <p:nvSpPr>
+          <p:cNvPr id="568624296" name="Title 1"/>
+          <p:cNvSpPr>
+            <a:spLocks noGrp="1"/>
+          </p:cNvSpPr>
+          <p:nvPr>
+            <p:ph type="title"/>
+          </p:nvPr>
+        </p:nvSpPr>
+        <p:spPr bwMode="auto">
+          <a:xfrm flipH="0" flipV="0">
+            <a:off x="203199" y="222249"/>
+            <a:ext cx="10863299" cy="1325562"/>
+          </a:xfrm>
+        </p:spPr>
+        <p:txBody>
+          <a:bodyPr>
+            <a:normAutofit/>
+          </a:bodyPr>
+          <a:lstStyle/>
+          <a:p>
+            <a:pPr>
+              <a:defRPr/>
+            </a:pPr>
+            <a:r>
+              <a:rPr lang="en-US" sz="4000"/>
+              <a:t>Why Learn Arduino (embedded programming)</a:t>
+            </a:r>
+            <a:endParaRPr/>
+          </a:p>
+        </p:txBody>
+      </p:sp>
+      <p:sp>
+        <p:nvSpPr>
+          <p:cNvPr id="570594429" name="Content Placeholder 2"/>
+          <p:cNvSpPr>
+            <a:spLocks noGrp="1"/>
+          </p:cNvSpPr>
+          <p:nvPr>
+            <p:ph idx="1"/>
+          </p:nvPr>
+        </p:nvSpPr>
+        <p:spPr bwMode="auto">
+          <a:xfrm>
+            <a:off x="550899" y="1428750"/>
+            <a:ext cx="10515600" cy="4351338"/>
+          </a:xfrm>
+        </p:spPr>
+        <p:txBody>
+          <a:bodyPr anchor="ctr"/>
+          <a:lstStyle/>
+          <a:p>
+            <a:pPr>
+              <a:lnSpc>
+                <a:spcPct val="114999"/>
+              </a:lnSpc>
+              <a:buFont typeface="Wingdings"/>
+              <a:buChar char="w"/>
+              <a:defRPr/>
+            </a:pPr>
+            <a:r>
+              <a:rPr lang="en-US"/>
+              <a:t>Introduction to programming and electrical </a:t>
+            </a:r>
+            <a:r>
+              <a:rPr lang="en-US"/>
+              <a:t>engineering.</a:t>
+            </a:r>
+            <a:endParaRPr lang="en-US"/>
+          </a:p>
+          <a:p>
+            <a:pPr>
+              <a:lnSpc>
+                <a:spcPct val="114999"/>
+              </a:lnSpc>
+              <a:buFont typeface="Wingdings"/>
+              <a:buChar char="w"/>
+              <a:defRPr/>
+            </a:pPr>
+            <a:r>
+              <a:rPr lang="en-US"/>
+              <a:t>An easy solution for complex tasks and projects.</a:t>
+            </a:r>
+            <a:endParaRPr lang="en-US"/>
+          </a:p>
+          <a:p>
+            <a:pPr>
+              <a:lnSpc>
+                <a:spcPct val="114999"/>
+              </a:lnSpc>
+              <a:buFont typeface="Wingdings"/>
+              <a:buChar char="w"/>
+              <a:defRPr/>
+            </a:pPr>
+            <a:r>
+              <a:rPr/>
+              <a:t>An interesting and creative hobby</a:t>
+            </a:r>
+            <a:endParaRPr lang="en-US"/>
+          </a:p>
+          <a:p>
+            <a:pPr marL="0" indent="0">
+              <a:lnSpc>
+                <a:spcPct val="114999"/>
+              </a:lnSpc>
+              <a:buFont typeface="Wingdings"/>
+              <a:buNone/>
+              <a:defRPr/>
+            </a:pPr>
+            <a:endParaRPr/>
+          </a:p>
+        </p:txBody>
+      </p:sp>
+    </p:spTree>
+  </p:cSld>
+  <p:clrMapOvr>
+    <a:masterClrMapping/>
+  </p:clrMapOvr>
+  <mc:AlternateContent xmlns:mc="http://schemas.openxmlformats.org/markup-compatibility/2006">
+    <mc:Choice xmlns:p159="http://schemas.microsoft.com/office/powerpoint/2015/09/main" xmlns:p14="http://schemas.microsoft.com/office/powerpoint/2010/main" Requires="p159">
+      <p:transition p14:dur="2000" advClick="1"/>
+    </mc:Choice>
+    <mc:Fallback>
+      <p:transition advClick="1"/>
+    </mc:Fallback>
+  </mc:AlternateContent>
+</p:sld>
+</file>
+
 <file path=ppt/slides/slide8.xml><?xml version="1.0" encoding="utf-8"?>
 <p:sld xmlns:a="http://schemas.openxmlformats.org/drawingml/2006/main" xmlns:r="http://schemas.openxmlformats.org/officeDocument/2006/relationships" xmlns:p="http://schemas.openxmlformats.org/presentationml/2006/main" xmlns:m="http://schemas.openxmlformats.org/officeDocument/2006/math" xmlns:w="http://schemas.openxmlformats.org/wordprocessingml/2006/main" showMasterPhAnim="0" show="1">
   <p:cSld name="">
@@ -10160,7 +10255,7 @@
       </p:grpSpPr>
       <p:sp>
         <p:nvSpPr>
-          <p:cNvPr id="568624296" name="Title 1"/>
+          <p:cNvPr id="453995617" name="Title 1"/>
           <p:cNvSpPr>
             <a:spLocks noGrp="1"/>
           </p:cNvSpPr>
@@ -10185,15 +10280,15 @@
             </a:pPr>
             <a:r>
               <a:rPr lang="en-US" sz="4000"/>
-              <a:t>Why Learn Arduino (embedded programming)</a:t>
-            </a:r>
-            <a:endParaRPr/>
-          </a:p>
-        </p:txBody>
-      </p:sp>
-      <p:sp>
-        <p:nvSpPr>
-          <p:cNvPr id="570594429" name="Content Placeholder 2"/>
+              <a:t>Arduino Board</a:t>
+            </a:r>
+            <a:endParaRPr/>
+          </a:p>
+        </p:txBody>
+      </p:sp>
+      <p:sp>
+        <p:nvSpPr>
+          <p:cNvPr id="605110349" name="Content Placeholder 2"/>
           <p:cNvSpPr>
             <a:spLocks noGrp="1"/>
           </p:cNvSpPr>
@@ -10210,55 +10305,6 @@
         <p:txBody>
           <a:bodyPr anchor="ctr"/>
           <a:lstStyle/>
-          <a:p>
-            <a:pPr>
-              <a:lnSpc>
-                <a:spcPct val="114999"/>
-              </a:lnSpc>
-              <a:buFont typeface="Wingdings"/>
-              <a:buChar char="w"/>
-              <a:defRPr/>
-            </a:pPr>
-            <a:r>
-              <a:rPr lang="en-US"/>
-              <a:t>Introduction to programming and electrical </a:t>
-            </a:r>
-            <a:r>
-              <a:rPr lang="en-US"/>
-              <a:t>engineering.</a:t>
-            </a:r>
-            <a:endParaRPr lang="en-US"/>
-          </a:p>
-          <a:p>
-            <a:pPr>
-              <a:lnSpc>
-                <a:spcPct val="114999"/>
-              </a:lnSpc>
-              <a:buFont typeface="Wingdings"/>
-              <a:buChar char="w"/>
-              <a:defRPr/>
-            </a:pPr>
-            <a:r>
-              <a:rPr lang="en-US"/>
-              <a:t>An easy solution for complex tasks and projects.</a:t>
-            </a:r>
-            <a:endParaRPr lang="en-US"/>
-          </a:p>
-          <a:p>
-            <a:pPr>
-              <a:lnSpc>
-                <a:spcPct val="114999"/>
-              </a:lnSpc>
-              <a:buFont typeface="Wingdings"/>
-              <a:buChar char="w"/>
-              <a:defRPr/>
-            </a:pPr>
-            <a:r>
-              <a:rPr/>
-              <a:t>An interesting and creative hobby</a:t>
-            </a:r>
-            <a:endParaRPr lang="en-US"/>
-          </a:p>
           <a:p>
             <a:pPr marL="0" indent="0">
               <a:lnSpc>
@@ -10305,6 +10351,140 @@
           <a:chExt cx="0" cy="0"/>
         </a:xfrm>
       </p:grpSpPr>
+      <p:sp>
+        <p:nvSpPr>
+          <p:cNvPr id="273193319" name="Title 1"/>
+          <p:cNvSpPr>
+            <a:spLocks noGrp="1"/>
+          </p:cNvSpPr>
+          <p:nvPr>
+            <p:ph type="title"/>
+          </p:nvPr>
+        </p:nvSpPr>
+        <p:spPr bwMode="auto">
+          <a:xfrm flipH="0" flipV="0">
+            <a:off x="203198" y="222248"/>
+            <a:ext cx="10863299" cy="1325561"/>
+          </a:xfrm>
+        </p:spPr>
+        <p:txBody>
+          <a:bodyPr>
+            <a:normAutofit/>
+          </a:bodyPr>
+          <a:lstStyle/>
+          <a:p>
+            <a:pPr>
+              <a:defRPr/>
+            </a:pPr>
+            <a:r>
+              <a:rPr lang="en-US" sz="4000"/>
+              <a:t>Interesting Arduino projects</a:t>
+            </a:r>
+            <a:endParaRPr/>
+          </a:p>
+        </p:txBody>
+      </p:sp>
+      <p:sp>
+        <p:nvSpPr>
+          <p:cNvPr id="1267068031" name="Content Placeholder 2"/>
+          <p:cNvSpPr>
+            <a:spLocks noGrp="1"/>
+          </p:cNvSpPr>
+          <p:nvPr>
+            <p:ph idx="1"/>
+          </p:nvPr>
+        </p:nvSpPr>
+        <p:spPr bwMode="auto">
+          <a:xfrm>
+            <a:off x="550899" y="1428750"/>
+            <a:ext cx="10515600" cy="4351338"/>
+          </a:xfrm>
+        </p:spPr>
+        <p:txBody>
+          <a:bodyPr anchor="ctr"/>
+          <a:lstStyle/>
+          <a:p>
+            <a:pPr marL="0" indent="0">
+              <a:lnSpc>
+                <a:spcPct val="114999"/>
+              </a:lnSpc>
+              <a:buFont typeface="Wingdings"/>
+              <a:buNone/>
+              <a:defRPr/>
+            </a:pPr>
+            <a:r>
+              <a:rPr lang="en-US" sz="2800" b="0" i="0" u="sng" strike="noStrike" cap="none" spc="0">
+                <a:solidFill>
+                  <a:schemeClr val="tx1"/>
+                </a:solidFill>
+                <a:latin typeface="Arial"/>
+                <a:ea typeface="Arial"/>
+                <a:cs typeface="Arial"/>
+                <a:hlinkClick r:id="rId3" tooltip="https://www.youtube.com/watch?v=2pHdO8m6T7c"/>
+              </a:rPr>
+              <a:t>https://www.youtube.com/watch?v=2pHdO8m6T7c</a:t>
+            </a:r>
+            <a:endParaRPr/>
+          </a:p>
+          <a:p>
+            <a:pPr marL="0" indent="0">
+              <a:lnSpc>
+                <a:spcPct val="114999"/>
+              </a:lnSpc>
+              <a:buFont typeface="Wingdings"/>
+              <a:buNone/>
+              <a:defRPr/>
+            </a:pPr>
+            <a:r>
+              <a:rPr lang="en-US" sz="2800" b="0" i="0" u="sng" strike="noStrike" cap="none" spc="0">
+                <a:solidFill>
+                  <a:schemeClr val="tx1"/>
+                </a:solidFill>
+                <a:latin typeface="Arial"/>
+                <a:ea typeface="Arial"/>
+                <a:cs typeface="Arial"/>
+                <a:hlinkClick r:id="rId4" tooltip="https://www.youtube.com/watch?v=O_Q1WKCtWiA"/>
+              </a:rPr>
+              <a:t>https://www.youtube.com/watch?v=O_Q1WKCtWiA</a:t>
+            </a:r>
+            <a:endParaRPr/>
+          </a:p>
+          <a:p>
+            <a:pPr marL="0" indent="0">
+              <a:lnSpc>
+                <a:spcPct val="114999"/>
+              </a:lnSpc>
+              <a:buFont typeface="Wingdings"/>
+              <a:buNone/>
+              <a:defRPr/>
+            </a:pPr>
+            <a:r>
+              <a:rPr lang="en-US" sz="2800" b="0" i="0" u="sng" strike="noStrike" cap="none" spc="0">
+                <a:solidFill>
+                  <a:schemeClr val="tx1"/>
+                </a:solidFill>
+                <a:latin typeface="Arial"/>
+                <a:ea typeface="Arial"/>
+                <a:cs typeface="Arial"/>
+                <a:hlinkClick r:id="rId5" tooltip="https://www.youtube.com/watch?v=l3-y371RlI4"/>
+              </a:rPr>
+              <a:t>https://www.youtube.com/watch?v=l3-y371RlI4</a:t>
+            </a:r>
+            <a:endParaRPr/>
+          </a:p>
+          <a:p>
+            <a:pPr marL="0" indent="0">
+              <a:lnSpc>
+                <a:spcPct val="114999"/>
+              </a:lnSpc>
+              <a:buFont typeface="Wingdings"/>
+              <a:buNone/>
+              <a:defRPr/>
+            </a:pPr>
+            <a:endParaRPr/>
+          </a:p>
+        </p:txBody>
+      </p:sp>
     </p:spTree>
   </p:cSld>
   <p:clrMapOvr>
